--- a/Final_Presentation/Presentation.pptx
+++ b/Final_Presentation/Presentation.pptx
@@ -5,7 +5,7 @@
     <p:sldMasterId id="2147483889" r:id="rId1"/>
   </p:sldMasterIdLst>
   <p:notesMasterIdLst>
-    <p:notesMasterId r:id="rId13"/>
+    <p:notesMasterId r:id="rId18"/>
   </p:notesMasterIdLst>
   <p:sldIdLst>
     <p:sldId id="256" r:id="rId2"/>
@@ -19,6 +19,11 @@
     <p:sldId id="265" r:id="rId10"/>
     <p:sldId id="266" r:id="rId11"/>
     <p:sldId id="267" r:id="rId12"/>
+    <p:sldId id="268" r:id="rId13"/>
+    <p:sldId id="269" r:id="rId14"/>
+    <p:sldId id="270" r:id="rId15"/>
+    <p:sldId id="271" r:id="rId16"/>
+    <p:sldId id="272" r:id="rId17"/>
   </p:sldIdLst>
   <p:sldSz cx="12192000" cy="6858000"/>
   <p:notesSz cx="6858000" cy="9144000"/>
@@ -5638,6 +5643,2285 @@
 </p:sld>
 </file>
 
+<file path=ppt/slides/slide12.xml><?xml version="1.0" encoding="utf-8"?>
+<p:sld xmlns:a="http://schemas.openxmlformats.org/drawingml/2006/main" xmlns:r="http://schemas.openxmlformats.org/officeDocument/2006/relationships" xmlns:p="http://schemas.openxmlformats.org/presentationml/2006/main">
+  <p:cSld>
+    <p:spTree>
+      <p:nvGrpSpPr>
+        <p:cNvPr id="1" name=""/>
+        <p:cNvGrpSpPr/>
+        <p:nvPr/>
+      </p:nvGrpSpPr>
+      <p:grpSpPr>
+        <a:xfrm>
+          <a:off x="0" y="0"/>
+          <a:ext cx="0" cy="0"/>
+          <a:chOff x="0" y="0"/>
+          <a:chExt cx="0" cy="0"/>
+        </a:xfrm>
+      </p:grpSpPr>
+      <p:sp>
+        <p:nvSpPr>
+          <p:cNvPr id="2" name="Titolo 1"/>
+          <p:cNvSpPr>
+            <a:spLocks noGrp="1"/>
+          </p:cNvSpPr>
+          <p:nvPr>
+            <p:ph type="title"/>
+          </p:nvPr>
+        </p:nvSpPr>
+        <p:spPr>
+          <a:xfrm>
+            <a:off x="457200" y="594359"/>
+            <a:ext cx="3200400" cy="1172657"/>
+          </a:xfrm>
+        </p:spPr>
+        <p:txBody>
+          <a:bodyPr/>
+          <a:lstStyle/>
+          <a:p>
+            <a:r>
+              <a:rPr lang="it-IT" dirty="0" err="1" smtClean="0"/>
+              <a:t>Architectural</a:t>
+            </a:r>
+            <a:r>
+              <a:rPr lang="it-IT" dirty="0" smtClean="0"/>
+              <a:t> Design</a:t>
+            </a:r>
+            <a:endParaRPr lang="it-IT" dirty="0"/>
+          </a:p>
+        </p:txBody>
+      </p:sp>
+      <p:pic>
+        <p:nvPicPr>
+          <p:cNvPr id="7" name="Segnaposto contenuto 6"/>
+          <p:cNvPicPr>
+            <a:picLocks noGrp="1" noChangeAspect="1"/>
+          </p:cNvPicPr>
+          <p:nvPr>
+            <p:ph idx="1"/>
+          </p:nvPr>
+        </p:nvPicPr>
+        <p:blipFill>
+          <a:blip r:embed="rId2">
+            <a:extLst>
+              <a:ext uri="{28A0092B-C50C-407E-A947-70E740481C1C}">
+                <a14:useLocalDpi xmlns:a14="http://schemas.microsoft.com/office/drawing/2010/main" val="0"/>
+              </a:ext>
+            </a:extLst>
+          </a:blip>
+          <a:stretch>
+            <a:fillRect/>
+          </a:stretch>
+        </p:blipFill>
+        <p:spPr>
+          <a:xfrm>
+            <a:off x="5679806" y="594359"/>
+            <a:ext cx="5198900" cy="5865426"/>
+          </a:xfrm>
+        </p:spPr>
+      </p:pic>
+      <p:sp>
+        <p:nvSpPr>
+          <p:cNvPr id="4" name="Segnaposto testo 3"/>
+          <p:cNvSpPr>
+            <a:spLocks noGrp="1"/>
+          </p:cNvSpPr>
+          <p:nvPr>
+            <p:ph type="body" sz="half" idx="2"/>
+          </p:nvPr>
+        </p:nvSpPr>
+        <p:spPr>
+          <a:xfrm>
+            <a:off x="457200" y="1915297"/>
+            <a:ext cx="3200400" cy="4389907"/>
+          </a:xfrm>
+        </p:spPr>
+        <p:txBody>
+          <a:bodyPr/>
+          <a:lstStyle/>
+          <a:p>
+            <a:pPr marL="285750" indent="-285750">
+              <a:buFont typeface="Arial" charset="0"/>
+              <a:buChar char="•"/>
+            </a:pPr>
+            <a:r>
+              <a:rPr lang="it-IT" dirty="0" smtClean="0"/>
+              <a:t>Multi-</a:t>
+            </a:r>
+            <a:r>
+              <a:rPr lang="it-IT" dirty="0" err="1" smtClean="0"/>
+              <a:t>layer</a:t>
+            </a:r>
+            <a:r>
+              <a:rPr lang="it-IT" dirty="0" smtClean="0"/>
+              <a:t> and multi-</a:t>
+            </a:r>
+            <a:r>
+              <a:rPr lang="it-IT" dirty="0" err="1" smtClean="0"/>
+              <a:t>tier</a:t>
+            </a:r>
+            <a:r>
+              <a:rPr lang="it-IT" dirty="0" smtClean="0"/>
+              <a:t> </a:t>
+            </a:r>
+            <a:r>
+              <a:rPr lang="it-IT" dirty="0" err="1" smtClean="0"/>
+              <a:t>architecture</a:t>
+            </a:r>
+            <a:endParaRPr lang="it-IT" dirty="0" smtClean="0"/>
+          </a:p>
+          <a:p>
+            <a:pPr marL="285750" indent="-285750">
+              <a:buFont typeface="Arial" charset="0"/>
+              <a:buChar char="•"/>
+            </a:pPr>
+            <a:r>
+              <a:rPr lang="it-IT" dirty="0" smtClean="0"/>
+              <a:t>Access to DBMS </a:t>
+            </a:r>
+            <a:r>
+              <a:rPr lang="it-IT" dirty="0" err="1" smtClean="0"/>
+              <a:t>is</a:t>
+            </a:r>
+            <a:r>
+              <a:rPr lang="it-IT" dirty="0" smtClean="0"/>
+              <a:t> </a:t>
+            </a:r>
+            <a:r>
+              <a:rPr lang="it-IT" dirty="0" err="1" smtClean="0"/>
+              <a:t>mediated</a:t>
+            </a:r>
+            <a:r>
+              <a:rPr lang="it-IT" dirty="0" smtClean="0"/>
+              <a:t> by an intermediate </a:t>
+            </a:r>
+            <a:r>
+              <a:rPr lang="it-IT" dirty="0" err="1" smtClean="0"/>
+              <a:t>abstraction</a:t>
+            </a:r>
+            <a:r>
+              <a:rPr lang="it-IT" dirty="0" smtClean="0"/>
+              <a:t> (Data </a:t>
+            </a:r>
+            <a:r>
+              <a:rPr lang="it-IT" dirty="0" err="1" smtClean="0"/>
+              <a:t>Layer</a:t>
+            </a:r>
+            <a:r>
+              <a:rPr lang="it-IT" dirty="0" smtClean="0"/>
+              <a:t>) for </a:t>
+            </a:r>
+            <a:r>
+              <a:rPr lang="it-IT" dirty="0" err="1" smtClean="0"/>
+              <a:t>flexibility</a:t>
+            </a:r>
+            <a:endParaRPr lang="it-IT" dirty="0" smtClean="0"/>
+          </a:p>
+          <a:p>
+            <a:pPr marL="285750" indent="-285750">
+              <a:buFont typeface="Arial" charset="0"/>
+              <a:buChar char="•"/>
+            </a:pPr>
+            <a:r>
+              <a:rPr lang="it-IT" dirty="0" smtClean="0"/>
+              <a:t>Business </a:t>
+            </a:r>
+            <a:r>
+              <a:rPr lang="it-IT" dirty="0" err="1"/>
+              <a:t>L</a:t>
+            </a:r>
+            <a:r>
+              <a:rPr lang="it-IT" dirty="0" err="1" smtClean="0"/>
+              <a:t>ayer</a:t>
+            </a:r>
+            <a:r>
+              <a:rPr lang="it-IT" dirty="0" smtClean="0"/>
+              <a:t> </a:t>
+            </a:r>
+            <a:r>
+              <a:rPr lang="it-IT" dirty="0" err="1" smtClean="0"/>
+              <a:t>implements</a:t>
+            </a:r>
+            <a:r>
+              <a:rPr lang="it-IT" dirty="0" smtClean="0"/>
+              <a:t> core </a:t>
+            </a:r>
+            <a:r>
+              <a:rPr lang="it-IT" dirty="0" err="1" smtClean="0"/>
+              <a:t>functionalities</a:t>
+            </a:r>
+            <a:r>
+              <a:rPr lang="it-IT" dirty="0" smtClean="0"/>
+              <a:t>, </a:t>
+            </a:r>
+            <a:r>
+              <a:rPr lang="it-IT" dirty="0" err="1" smtClean="0"/>
+              <a:t>exposed</a:t>
+            </a:r>
+            <a:r>
+              <a:rPr lang="it-IT" dirty="0" smtClean="0"/>
+              <a:t> </a:t>
+            </a:r>
+            <a:r>
+              <a:rPr lang="it-IT" dirty="0" err="1" smtClean="0"/>
+              <a:t>through</a:t>
+            </a:r>
+            <a:r>
+              <a:rPr lang="it-IT" dirty="0" smtClean="0"/>
+              <a:t> an Application </a:t>
+            </a:r>
+            <a:r>
+              <a:rPr lang="it-IT" dirty="0" err="1" smtClean="0"/>
+              <a:t>Fa</a:t>
+            </a:r>
+            <a:r>
+              <a:rPr lang="it-IT" dirty="0" err="1" smtClean="0"/>
+              <a:t>çade</a:t>
+            </a:r>
+            <a:endParaRPr lang="it-IT" dirty="0" smtClean="0"/>
+          </a:p>
+          <a:p>
+            <a:pPr marL="285750" indent="-285750">
+              <a:buFont typeface="Arial" charset="0"/>
+              <a:buChar char="•"/>
+            </a:pPr>
+            <a:r>
+              <a:rPr lang="it-IT" dirty="0" smtClean="0"/>
+              <a:t>A subset of </a:t>
+            </a:r>
+            <a:r>
+              <a:rPr lang="it-IT" dirty="0" err="1" smtClean="0"/>
+              <a:t>functionalities</a:t>
+            </a:r>
+            <a:r>
+              <a:rPr lang="it-IT" dirty="0" smtClean="0"/>
+              <a:t> </a:t>
+            </a:r>
+            <a:r>
+              <a:rPr lang="it-IT" dirty="0" err="1" smtClean="0"/>
+              <a:t>is</a:t>
+            </a:r>
+            <a:r>
+              <a:rPr lang="it-IT" dirty="0" smtClean="0"/>
+              <a:t> made </a:t>
+            </a:r>
+            <a:r>
+              <a:rPr lang="it-IT" dirty="0" err="1" smtClean="0"/>
+              <a:t>available</a:t>
+            </a:r>
+            <a:r>
+              <a:rPr lang="it-IT" dirty="0" smtClean="0"/>
+              <a:t> for remote </a:t>
+            </a:r>
+            <a:r>
+              <a:rPr lang="it-IT" dirty="0" err="1" smtClean="0"/>
+              <a:t>calls</a:t>
+            </a:r>
+            <a:r>
+              <a:rPr lang="it-IT" dirty="0" smtClean="0"/>
+              <a:t> via a Service </a:t>
+            </a:r>
+            <a:r>
+              <a:rPr lang="it-IT" dirty="0" err="1" smtClean="0"/>
+              <a:t>Layer</a:t>
+            </a:r>
+            <a:r>
+              <a:rPr lang="it-IT" dirty="0" smtClean="0"/>
+              <a:t> (SOAP and JAX-WS)</a:t>
+            </a:r>
+          </a:p>
+          <a:p>
+            <a:pPr marL="285750" indent="-285750">
+              <a:buFont typeface="Arial" charset="0"/>
+              <a:buChar char="•"/>
+            </a:pPr>
+            <a:r>
+              <a:rPr lang="it-IT" dirty="0" err="1" smtClean="0"/>
+              <a:t>Communication</a:t>
+            </a:r>
+            <a:r>
+              <a:rPr lang="it-IT" dirty="0" smtClean="0"/>
+              <a:t> </a:t>
+            </a:r>
+            <a:r>
+              <a:rPr lang="it-IT" dirty="0" err="1" smtClean="0"/>
+              <a:t>between</a:t>
+            </a:r>
+            <a:r>
+              <a:rPr lang="it-IT" dirty="0" smtClean="0"/>
+              <a:t> remote clients and </a:t>
+            </a:r>
+            <a:r>
+              <a:rPr lang="it-IT" dirty="0" err="1" smtClean="0"/>
+              <a:t>central</a:t>
+            </a:r>
+            <a:r>
+              <a:rPr lang="it-IT" dirty="0" smtClean="0"/>
+              <a:t> </a:t>
+            </a:r>
+            <a:r>
+              <a:rPr lang="it-IT" dirty="0" err="1" smtClean="0"/>
+              <a:t>system</a:t>
+            </a:r>
+            <a:r>
+              <a:rPr lang="it-IT" dirty="0" smtClean="0"/>
+              <a:t> </a:t>
+            </a:r>
+            <a:r>
+              <a:rPr lang="it-IT" dirty="0" err="1" smtClean="0"/>
+              <a:t>happens</a:t>
+            </a:r>
+            <a:r>
+              <a:rPr lang="it-IT" dirty="0" smtClean="0"/>
+              <a:t> </a:t>
+            </a:r>
+            <a:r>
+              <a:rPr lang="it-IT" dirty="0" err="1" smtClean="0"/>
+              <a:t>through</a:t>
+            </a:r>
+            <a:r>
+              <a:rPr lang="it-IT" dirty="0" smtClean="0"/>
+              <a:t> a </a:t>
+            </a:r>
+            <a:r>
+              <a:rPr lang="it-IT" dirty="0" err="1" smtClean="0"/>
+              <a:t>message</a:t>
+            </a:r>
+            <a:r>
+              <a:rPr lang="it-IT" dirty="0" smtClean="0"/>
+              <a:t> broker and </a:t>
+            </a:r>
+            <a:r>
+              <a:rPr lang="it-IT" dirty="0" err="1" smtClean="0"/>
+              <a:t>notification</a:t>
+            </a:r>
+            <a:r>
+              <a:rPr lang="it-IT" dirty="0" smtClean="0"/>
+              <a:t> </a:t>
+            </a:r>
+            <a:r>
+              <a:rPr lang="it-IT" dirty="0" err="1" smtClean="0"/>
+              <a:t>system</a:t>
+            </a:r>
+            <a:endParaRPr lang="it-IT" dirty="0" smtClean="0"/>
+          </a:p>
+          <a:p>
+            <a:pPr marL="285750" indent="-285750">
+              <a:buFont typeface="Arial" charset="0"/>
+              <a:buChar char="•"/>
+            </a:pPr>
+            <a:r>
+              <a:rPr lang="it-IT" dirty="0" err="1" smtClean="0"/>
+              <a:t>Implementation</a:t>
+            </a:r>
+            <a:r>
+              <a:rPr lang="it-IT" dirty="0" smtClean="0"/>
+              <a:t> </a:t>
+            </a:r>
+            <a:r>
+              <a:rPr lang="it-IT" dirty="0" err="1" smtClean="0"/>
+              <a:t>based</a:t>
+            </a:r>
+            <a:r>
+              <a:rPr lang="it-IT" dirty="0" smtClean="0"/>
+              <a:t> on Java EE</a:t>
+            </a:r>
+            <a:endParaRPr lang="it-IT" dirty="0"/>
+          </a:p>
+        </p:txBody>
+      </p:sp>
+      <p:sp>
+        <p:nvSpPr>
+          <p:cNvPr id="5" name="Segnaposto piè di pagina 4"/>
+          <p:cNvSpPr>
+            <a:spLocks noGrp="1"/>
+          </p:cNvSpPr>
+          <p:nvPr>
+            <p:ph type="ftr" sz="quarter" idx="11"/>
+          </p:nvPr>
+        </p:nvSpPr>
+        <p:spPr/>
+        <p:txBody>
+          <a:bodyPr/>
+          <a:lstStyle/>
+          <a:p>
+            <a:r>
+              <a:rPr lang="en-US" smtClean="0"/>
+              <a:t>Software Engineering 2: myTaxiService - Casati Fabrizio, Castelli Valerio</a:t>
+            </a:r>
+            <a:endParaRPr lang="en-US" dirty="0"/>
+          </a:p>
+        </p:txBody>
+      </p:sp>
+      <p:sp>
+        <p:nvSpPr>
+          <p:cNvPr id="6" name="Segnaposto numero diapositiva 5"/>
+          <p:cNvSpPr>
+            <a:spLocks noGrp="1"/>
+          </p:cNvSpPr>
+          <p:nvPr>
+            <p:ph type="sldNum" sz="quarter" idx="12"/>
+          </p:nvPr>
+        </p:nvSpPr>
+        <p:spPr/>
+        <p:txBody>
+          <a:bodyPr/>
+          <a:lstStyle/>
+          <a:p>
+            <a:fld id="{6D22F896-40B5-4ADD-8801-0D06FADFA095}" type="slidenum">
+              <a:rPr lang="en-US" smtClean="0"/>
+              <a:t>12</a:t>
+            </a:fld>
+            <a:endParaRPr lang="en-US" dirty="0"/>
+          </a:p>
+        </p:txBody>
+      </p:sp>
+    </p:spTree>
+    <p:extLst>
+      <p:ext uri="{BB962C8B-B14F-4D97-AF65-F5344CB8AC3E}">
+        <p14:creationId xmlns:p14="http://schemas.microsoft.com/office/powerpoint/2010/main" val="1037587984"/>
+      </p:ext>
+    </p:extLst>
+  </p:cSld>
+  <p:clrMapOvr>
+    <a:masterClrMapping/>
+  </p:clrMapOvr>
+  <p:timing>
+    <p:tnLst>
+      <p:par>
+        <p:cTn id="1" dur="indefinite" restart="never" nodeType="tmRoot"/>
+      </p:par>
+    </p:tnLst>
+  </p:timing>
+</p:sld>
+</file>
+
+<file path=ppt/slides/slide13.xml><?xml version="1.0" encoding="utf-8"?>
+<p:sld xmlns:a="http://schemas.openxmlformats.org/drawingml/2006/main" xmlns:r="http://schemas.openxmlformats.org/officeDocument/2006/relationships" xmlns:p="http://schemas.openxmlformats.org/presentationml/2006/main">
+  <p:cSld>
+    <p:spTree>
+      <p:nvGrpSpPr>
+        <p:cNvPr id="1" name=""/>
+        <p:cNvGrpSpPr/>
+        <p:nvPr/>
+      </p:nvGrpSpPr>
+      <p:grpSpPr>
+        <a:xfrm>
+          <a:off x="0" y="0"/>
+          <a:ext cx="0" cy="0"/>
+          <a:chOff x="0" y="0"/>
+          <a:chExt cx="0" cy="0"/>
+        </a:xfrm>
+      </p:grpSpPr>
+      <p:sp>
+        <p:nvSpPr>
+          <p:cNvPr id="2" name="Titolo 1"/>
+          <p:cNvSpPr>
+            <a:spLocks noGrp="1"/>
+          </p:cNvSpPr>
+          <p:nvPr>
+            <p:ph type="title"/>
+          </p:nvPr>
+        </p:nvSpPr>
+        <p:spPr/>
+        <p:txBody>
+          <a:bodyPr/>
+          <a:lstStyle/>
+          <a:p>
+            <a:r>
+              <a:rPr lang="it-IT" dirty="0" smtClean="0"/>
+              <a:t>Architecture: high </a:t>
+            </a:r>
+            <a:r>
+              <a:rPr lang="it-IT" dirty="0" err="1" smtClean="0"/>
+              <a:t>level</a:t>
+            </a:r>
+            <a:r>
+              <a:rPr lang="it-IT" dirty="0" smtClean="0"/>
+              <a:t> </a:t>
+            </a:r>
+            <a:r>
+              <a:rPr lang="it-IT" dirty="0" err="1" smtClean="0"/>
+              <a:t>components</a:t>
+            </a:r>
+            <a:endParaRPr lang="it-IT" dirty="0"/>
+          </a:p>
+        </p:txBody>
+      </p:sp>
+      <p:sp>
+        <p:nvSpPr>
+          <p:cNvPr id="3" name="Segnaposto contenuto 2"/>
+          <p:cNvSpPr>
+            <a:spLocks noGrp="1"/>
+          </p:cNvSpPr>
+          <p:nvPr>
+            <p:ph sz="half" idx="1"/>
+          </p:nvPr>
+        </p:nvSpPr>
+        <p:spPr/>
+        <p:txBody>
+          <a:bodyPr>
+            <a:normAutofit lnSpcReduction="10000"/>
+          </a:bodyPr>
+          <a:lstStyle/>
+          <a:p>
+            <a:pPr>
+              <a:buFont typeface="Arial" charset="0"/>
+              <a:buChar char="•"/>
+            </a:pPr>
+            <a:r>
+              <a:rPr lang="it-IT" dirty="0"/>
+              <a:t>Account Management </a:t>
+            </a:r>
+            <a:endParaRPr lang="it-IT" dirty="0" smtClean="0"/>
+          </a:p>
+          <a:p>
+            <a:pPr lvl="1">
+              <a:buFont typeface="Arial" charset="0"/>
+              <a:buChar char="•"/>
+            </a:pPr>
+            <a:r>
+              <a:rPr lang="it-IT" dirty="0" err="1"/>
+              <a:t>P</a:t>
+            </a:r>
+            <a:r>
+              <a:rPr lang="it-IT" dirty="0" err="1" smtClean="0"/>
+              <a:t>assenger</a:t>
+            </a:r>
+            <a:r>
+              <a:rPr lang="it-IT" dirty="0" smtClean="0"/>
+              <a:t> </a:t>
+            </a:r>
+            <a:r>
+              <a:rPr lang="it-IT" dirty="0" err="1"/>
+              <a:t>registration</a:t>
+            </a:r>
+            <a:r>
+              <a:rPr lang="it-IT" dirty="0"/>
+              <a:t> </a:t>
+            </a:r>
+            <a:r>
+              <a:rPr lang="it-IT" dirty="0" smtClean="0"/>
+              <a:t>and login procedure</a:t>
+            </a:r>
+          </a:p>
+          <a:p>
+            <a:pPr lvl="1">
+              <a:buFont typeface="Arial" charset="0"/>
+              <a:buChar char="•"/>
+            </a:pPr>
+            <a:r>
+              <a:rPr lang="it-IT" dirty="0" err="1" smtClean="0"/>
+              <a:t>Settings</a:t>
+            </a:r>
+            <a:r>
+              <a:rPr lang="it-IT" dirty="0" smtClean="0"/>
+              <a:t> management and password </a:t>
+            </a:r>
+            <a:r>
+              <a:rPr lang="it-IT" dirty="0" err="1" smtClean="0"/>
+              <a:t>retrieval</a:t>
+            </a:r>
+            <a:endParaRPr lang="it-IT" dirty="0" smtClean="0"/>
+          </a:p>
+          <a:p>
+            <a:pPr>
+              <a:buFont typeface="Arial" charset="0"/>
+              <a:buChar char="•"/>
+            </a:pPr>
+            <a:r>
+              <a:rPr lang="it-IT" dirty="0" smtClean="0"/>
+              <a:t> Taxi Management System</a:t>
+            </a:r>
+          </a:p>
+          <a:p>
+            <a:pPr lvl="1">
+              <a:buFont typeface="Arial" charset="0"/>
+              <a:buChar char="•"/>
+            </a:pPr>
+            <a:r>
+              <a:rPr lang="it-IT" dirty="0" err="1" smtClean="0"/>
+              <a:t>Maintains</a:t>
+            </a:r>
+            <a:r>
+              <a:rPr lang="it-IT" dirty="0" smtClean="0"/>
+              <a:t> the </a:t>
+            </a:r>
+            <a:r>
+              <a:rPr lang="it-IT" dirty="0" err="1"/>
+              <a:t>availability</a:t>
+            </a:r>
+            <a:r>
+              <a:rPr lang="it-IT" dirty="0"/>
+              <a:t> status of </a:t>
+            </a:r>
+            <a:r>
+              <a:rPr lang="it-IT" dirty="0" err="1"/>
+              <a:t>each</a:t>
+            </a:r>
+            <a:r>
+              <a:rPr lang="it-IT" dirty="0"/>
+              <a:t> taxi </a:t>
+            </a:r>
+            <a:r>
+              <a:rPr lang="it-IT" dirty="0" err="1"/>
+              <a:t>updated</a:t>
+            </a:r>
+            <a:r>
+              <a:rPr lang="it-IT" dirty="0"/>
+              <a:t> </a:t>
+            </a:r>
+            <a:endParaRPr lang="it-IT" dirty="0"/>
+          </a:p>
+          <a:p>
+            <a:pPr lvl="1">
+              <a:buFont typeface="Arial" charset="0"/>
+              <a:buChar char="•"/>
+            </a:pPr>
+            <a:r>
+              <a:rPr lang="it-IT" dirty="0" err="1" smtClean="0"/>
+              <a:t>Manages</a:t>
+            </a:r>
+            <a:r>
+              <a:rPr lang="it-IT" dirty="0" smtClean="0"/>
+              <a:t> </a:t>
+            </a:r>
+            <a:r>
+              <a:rPr lang="it-IT" dirty="0"/>
+              <a:t>the taxi </a:t>
+            </a:r>
+            <a:r>
+              <a:rPr lang="it-IT" dirty="0" err="1"/>
+              <a:t>queue</a:t>
+            </a:r>
+            <a:r>
+              <a:rPr lang="it-IT" dirty="0"/>
+              <a:t> </a:t>
+            </a:r>
+            <a:r>
+              <a:rPr lang="it-IT" dirty="0" err="1"/>
+              <a:t>associated</a:t>
+            </a:r>
+            <a:r>
+              <a:rPr lang="it-IT" dirty="0"/>
+              <a:t> with </a:t>
+            </a:r>
+            <a:r>
+              <a:rPr lang="it-IT" dirty="0" err="1"/>
+              <a:t>each</a:t>
+            </a:r>
+            <a:r>
+              <a:rPr lang="it-IT" dirty="0"/>
+              <a:t> zone in the city </a:t>
+            </a:r>
+            <a:endParaRPr lang="it-IT" dirty="0" smtClean="0"/>
+          </a:p>
+          <a:p>
+            <a:pPr lvl="1">
+              <a:buFont typeface="Arial" charset="0"/>
+              <a:buChar char="•"/>
+            </a:pPr>
+            <a:r>
+              <a:rPr lang="it-IT" dirty="0" err="1" smtClean="0"/>
+              <a:t>Accepts</a:t>
+            </a:r>
+            <a:r>
+              <a:rPr lang="it-IT" dirty="0" smtClean="0"/>
+              <a:t> </a:t>
+            </a:r>
+            <a:r>
+              <a:rPr lang="it-IT" dirty="0"/>
+              <a:t>and </a:t>
+            </a:r>
+            <a:r>
+              <a:rPr lang="it-IT" dirty="0" err="1" smtClean="0"/>
+              <a:t>handles</a:t>
+            </a:r>
+            <a:r>
+              <a:rPr lang="it-IT" dirty="0" smtClean="0"/>
+              <a:t> </a:t>
+            </a:r>
+            <a:r>
+              <a:rPr lang="it-IT" dirty="0"/>
+              <a:t>taxi </a:t>
+            </a:r>
+            <a:r>
+              <a:rPr lang="it-IT" dirty="0" err="1"/>
+              <a:t>reservations</a:t>
+            </a:r>
+            <a:r>
+              <a:rPr lang="it-IT" dirty="0"/>
+              <a:t> </a:t>
+            </a:r>
+            <a:endParaRPr lang="it-IT" dirty="0" smtClean="0"/>
+          </a:p>
+          <a:p>
+            <a:pPr lvl="1">
+              <a:buFont typeface="Arial" charset="0"/>
+              <a:buChar char="•"/>
+            </a:pPr>
+            <a:r>
+              <a:rPr lang="it-IT" dirty="0" err="1" smtClean="0"/>
+              <a:t>Fulfills</a:t>
+            </a:r>
+            <a:r>
+              <a:rPr lang="it-IT" dirty="0" smtClean="0"/>
+              <a:t> </a:t>
+            </a:r>
+            <a:r>
+              <a:rPr lang="it-IT" dirty="0"/>
+              <a:t>taxi </a:t>
+            </a:r>
+            <a:r>
+              <a:rPr lang="it-IT" dirty="0" err="1"/>
+              <a:t>requests</a:t>
+            </a:r>
+            <a:r>
+              <a:rPr lang="it-IT" dirty="0"/>
+              <a:t> by </a:t>
+            </a:r>
+            <a:r>
+              <a:rPr lang="it-IT" dirty="0" err="1"/>
+              <a:t>selecting</a:t>
+            </a:r>
+            <a:r>
+              <a:rPr lang="it-IT" dirty="0"/>
+              <a:t> the first </a:t>
+            </a:r>
+            <a:r>
+              <a:rPr lang="it-IT" dirty="0" err="1"/>
+              <a:t>available</a:t>
+            </a:r>
+            <a:r>
+              <a:rPr lang="it-IT" dirty="0"/>
+              <a:t> taxi in the </a:t>
+            </a:r>
+            <a:r>
+              <a:rPr lang="it-IT" dirty="0" err="1" smtClean="0"/>
+              <a:t>corresponding</a:t>
+            </a:r>
+            <a:r>
+              <a:rPr lang="it-IT" dirty="0" smtClean="0"/>
+              <a:t> </a:t>
+            </a:r>
+            <a:r>
+              <a:rPr lang="it-IT" dirty="0"/>
+              <a:t>taxi zone </a:t>
+            </a:r>
+          </a:p>
+          <a:p>
+            <a:pPr>
+              <a:buFont typeface="Arial" charset="0"/>
+              <a:buChar char="•"/>
+            </a:pPr>
+            <a:r>
+              <a:rPr lang="it-IT" dirty="0"/>
+              <a:t> </a:t>
+            </a:r>
+            <a:r>
+              <a:rPr lang="it-IT" dirty="0" err="1" smtClean="0"/>
+              <a:t>Mapping</a:t>
+            </a:r>
+            <a:r>
+              <a:rPr lang="it-IT" dirty="0" smtClean="0"/>
+              <a:t> Service</a:t>
+            </a:r>
+            <a:endParaRPr lang="it-IT" dirty="0"/>
+          </a:p>
+          <a:p>
+            <a:pPr lvl="1">
+              <a:buFont typeface="Arial" charset="0"/>
+              <a:buChar char="•"/>
+            </a:pPr>
+            <a:r>
+              <a:rPr lang="it-IT" dirty="0" smtClean="0"/>
+              <a:t>Reverse </a:t>
+            </a:r>
+            <a:r>
+              <a:rPr lang="it-IT" dirty="0" err="1" smtClean="0"/>
+              <a:t>geocoding</a:t>
+            </a:r>
+            <a:r>
+              <a:rPr lang="it-IT" dirty="0" smtClean="0"/>
+              <a:t>, </a:t>
+            </a:r>
+            <a:r>
+              <a:rPr lang="it-IT" dirty="0" err="1" smtClean="0"/>
+              <a:t>maps</a:t>
+            </a:r>
+            <a:r>
+              <a:rPr lang="it-IT" dirty="0" smtClean="0"/>
+              <a:t> and ETA</a:t>
+            </a:r>
+            <a:endParaRPr lang="it-IT" dirty="0"/>
+          </a:p>
+        </p:txBody>
+      </p:sp>
+      <p:sp>
+        <p:nvSpPr>
+          <p:cNvPr id="4" name="Segnaposto contenuto 3"/>
+          <p:cNvSpPr>
+            <a:spLocks noGrp="1"/>
+          </p:cNvSpPr>
+          <p:nvPr>
+            <p:ph sz="half" idx="2"/>
+          </p:nvPr>
+        </p:nvSpPr>
+        <p:spPr/>
+        <p:txBody>
+          <a:bodyPr>
+            <a:normAutofit lnSpcReduction="10000"/>
+          </a:bodyPr>
+          <a:lstStyle/>
+          <a:p>
+            <a:pPr>
+              <a:buFont typeface="Arial" charset="0"/>
+              <a:buChar char="•"/>
+            </a:pPr>
+            <a:r>
+              <a:rPr lang="it-IT" dirty="0"/>
+              <a:t> </a:t>
+            </a:r>
+            <a:r>
+              <a:rPr lang="it-IT" dirty="0" smtClean="0"/>
+              <a:t>System Administration </a:t>
+            </a:r>
+            <a:endParaRPr lang="it-IT" dirty="0"/>
+          </a:p>
+          <a:p>
+            <a:pPr lvl="1">
+              <a:buFont typeface="Arial" charset="0"/>
+              <a:buChar char="•"/>
+            </a:pPr>
+            <a:r>
+              <a:rPr lang="it-IT" dirty="0" err="1" smtClean="0"/>
+              <a:t>Insert</a:t>
+            </a:r>
+            <a:r>
+              <a:rPr lang="it-IT" dirty="0" smtClean="0"/>
+              <a:t>, update, delete taxis and </a:t>
+            </a:r>
+            <a:r>
+              <a:rPr lang="it-IT" dirty="0" err="1" smtClean="0"/>
+              <a:t>zones</a:t>
+            </a:r>
+            <a:endParaRPr lang="it-IT" dirty="0"/>
+          </a:p>
+          <a:p>
+            <a:pPr lvl="1">
+              <a:buFont typeface="Arial" charset="0"/>
+              <a:buChar char="•"/>
+            </a:pPr>
+            <a:r>
+              <a:rPr lang="it-IT" dirty="0" smtClean="0"/>
+              <a:t>API </a:t>
+            </a:r>
+            <a:r>
+              <a:rPr lang="it-IT" dirty="0" err="1"/>
+              <a:t>p</a:t>
+            </a:r>
+            <a:r>
+              <a:rPr lang="it-IT" dirty="0" err="1" smtClean="0"/>
+              <a:t>ermission</a:t>
+            </a:r>
+            <a:r>
+              <a:rPr lang="it-IT" dirty="0" smtClean="0"/>
+              <a:t> management</a:t>
+            </a:r>
+          </a:p>
+          <a:p>
+            <a:pPr lvl="1">
+              <a:buFont typeface="Arial" charset="0"/>
+              <a:buChar char="•"/>
+            </a:pPr>
+            <a:r>
+              <a:rPr lang="it-IT" dirty="0" smtClean="0"/>
+              <a:t>Statistical </a:t>
+            </a:r>
+            <a:r>
+              <a:rPr lang="it-IT" dirty="0" err="1" smtClean="0"/>
+              <a:t>queries</a:t>
+            </a:r>
+            <a:r>
+              <a:rPr lang="it-IT" dirty="0" smtClean="0"/>
+              <a:t> and service </a:t>
+            </a:r>
+            <a:r>
+              <a:rPr lang="it-IT" dirty="0" err="1" smtClean="0"/>
+              <a:t>monitoring</a:t>
+            </a:r>
+            <a:endParaRPr lang="it-IT" dirty="0" smtClean="0"/>
+          </a:p>
+          <a:p>
+            <a:pPr>
+              <a:buFont typeface="Arial" charset="0"/>
+              <a:buChar char="•"/>
+            </a:pPr>
+            <a:r>
+              <a:rPr lang="it-IT" dirty="0"/>
+              <a:t> </a:t>
+            </a:r>
+            <a:r>
+              <a:rPr lang="it-IT" dirty="0" smtClean="0"/>
+              <a:t>Remote Services Interface</a:t>
+            </a:r>
+            <a:endParaRPr lang="it-IT" dirty="0"/>
+          </a:p>
+          <a:p>
+            <a:pPr lvl="1">
+              <a:buFont typeface="Arial" charset="0"/>
+              <a:buChar char="•"/>
+            </a:pPr>
+            <a:r>
+              <a:rPr lang="it-IT" dirty="0" err="1" smtClean="0"/>
+              <a:t>Exposes</a:t>
+            </a:r>
+            <a:r>
+              <a:rPr lang="it-IT" dirty="0" smtClean="0"/>
+              <a:t> </a:t>
+            </a:r>
+            <a:r>
+              <a:rPr lang="it-IT" dirty="0" err="1" smtClean="0"/>
+              <a:t>APIs</a:t>
+            </a:r>
+            <a:r>
+              <a:rPr lang="it-IT" dirty="0" smtClean="0"/>
+              <a:t> to </a:t>
+            </a:r>
+            <a:r>
+              <a:rPr lang="it-IT" dirty="0" err="1" smtClean="0"/>
+              <a:t>third</a:t>
+            </a:r>
+            <a:r>
+              <a:rPr lang="it-IT" dirty="0" smtClean="0"/>
+              <a:t> party </a:t>
+            </a:r>
+            <a:r>
+              <a:rPr lang="it-IT" dirty="0" err="1" smtClean="0"/>
+              <a:t>services</a:t>
+            </a:r>
+            <a:endParaRPr lang="it-IT" dirty="0"/>
+          </a:p>
+          <a:p>
+            <a:pPr>
+              <a:buFont typeface="Arial" charset="0"/>
+              <a:buChar char="•"/>
+            </a:pPr>
+            <a:r>
+              <a:rPr lang="it-IT" dirty="0"/>
+              <a:t> </a:t>
+            </a:r>
+            <a:r>
+              <a:rPr lang="it-IT" dirty="0" smtClean="0"/>
+              <a:t>Notification System</a:t>
+            </a:r>
+            <a:endParaRPr lang="it-IT" dirty="0"/>
+          </a:p>
+          <a:p>
+            <a:pPr lvl="1">
+              <a:buFont typeface="Arial" charset="0"/>
+              <a:buChar char="•"/>
+            </a:pPr>
+            <a:r>
+              <a:rPr lang="it-IT" dirty="0" err="1" smtClean="0"/>
+              <a:t>Sends</a:t>
+            </a:r>
+            <a:r>
+              <a:rPr lang="it-IT" dirty="0" smtClean="0"/>
+              <a:t> </a:t>
+            </a:r>
+            <a:r>
+              <a:rPr lang="it-IT" dirty="0" err="1" smtClean="0"/>
+              <a:t>notification</a:t>
+            </a:r>
+            <a:r>
+              <a:rPr lang="it-IT" dirty="0" smtClean="0"/>
+              <a:t> to </a:t>
+            </a:r>
+            <a:r>
+              <a:rPr lang="it-IT" dirty="0" err="1" smtClean="0"/>
+              <a:t>users</a:t>
+            </a:r>
+            <a:endParaRPr lang="it-IT" dirty="0"/>
+          </a:p>
+          <a:p>
+            <a:pPr>
+              <a:buFont typeface="Arial" charset="0"/>
+              <a:buChar char="•"/>
+            </a:pPr>
+            <a:r>
+              <a:rPr lang="it-IT" dirty="0"/>
+              <a:t> </a:t>
+            </a:r>
+            <a:r>
+              <a:rPr lang="it-IT" dirty="0" smtClean="0"/>
+              <a:t>Data Access Utilities</a:t>
+            </a:r>
+            <a:endParaRPr lang="it-IT" dirty="0"/>
+          </a:p>
+          <a:p>
+            <a:pPr lvl="1">
+              <a:buFont typeface="Arial" charset="0"/>
+              <a:buChar char="•"/>
+            </a:pPr>
+            <a:r>
+              <a:rPr lang="it-IT" dirty="0" err="1" smtClean="0"/>
+              <a:t>Mediates</a:t>
+            </a:r>
+            <a:r>
+              <a:rPr lang="it-IT" dirty="0" smtClean="0"/>
+              <a:t> </a:t>
+            </a:r>
+            <a:r>
+              <a:rPr lang="it-IT" dirty="0" err="1" smtClean="0"/>
+              <a:t>access</a:t>
+            </a:r>
+            <a:r>
+              <a:rPr lang="it-IT" dirty="0" smtClean="0"/>
+              <a:t> to DBMS</a:t>
+            </a:r>
+            <a:endParaRPr lang="it-IT" dirty="0"/>
+          </a:p>
+          <a:p>
+            <a:pPr>
+              <a:buFont typeface="Arial" charset="0"/>
+              <a:buChar char="•"/>
+            </a:pPr>
+            <a:r>
+              <a:rPr lang="it-IT" dirty="0"/>
+              <a:t> </a:t>
+            </a:r>
+            <a:r>
+              <a:rPr lang="it-IT" dirty="0" smtClean="0"/>
+              <a:t>Database Management System (DBMS)</a:t>
+            </a:r>
+            <a:endParaRPr lang="it-IT" dirty="0"/>
+          </a:p>
+        </p:txBody>
+      </p:sp>
+      <p:sp>
+        <p:nvSpPr>
+          <p:cNvPr id="5" name="Segnaposto piè di pagina 4"/>
+          <p:cNvSpPr>
+            <a:spLocks noGrp="1"/>
+          </p:cNvSpPr>
+          <p:nvPr>
+            <p:ph type="ftr" sz="quarter" idx="11"/>
+          </p:nvPr>
+        </p:nvSpPr>
+        <p:spPr/>
+        <p:txBody>
+          <a:bodyPr/>
+          <a:lstStyle/>
+          <a:p>
+            <a:r>
+              <a:rPr lang="en-US" dirty="0" smtClean="0"/>
+              <a:t>Software Engineering 2: </a:t>
+            </a:r>
+            <a:r>
+              <a:rPr lang="en-US" dirty="0" err="1" smtClean="0"/>
+              <a:t>myTaxiService</a:t>
+            </a:r>
+            <a:r>
+              <a:rPr lang="en-US" dirty="0" smtClean="0"/>
+              <a:t> - </a:t>
+            </a:r>
+            <a:r>
+              <a:rPr lang="en-US" dirty="0" err="1" smtClean="0"/>
+              <a:t>Casati</a:t>
+            </a:r>
+            <a:r>
+              <a:rPr lang="en-US" dirty="0" smtClean="0"/>
+              <a:t> </a:t>
+            </a:r>
+            <a:r>
+              <a:rPr lang="en-US" dirty="0" err="1" smtClean="0"/>
+              <a:t>Fabrizio</a:t>
+            </a:r>
+            <a:r>
+              <a:rPr lang="en-US" dirty="0" smtClean="0"/>
+              <a:t>, </a:t>
+            </a:r>
+            <a:r>
+              <a:rPr lang="en-US" dirty="0" err="1" smtClean="0"/>
+              <a:t>Castelli</a:t>
+            </a:r>
+            <a:r>
+              <a:rPr lang="en-US" dirty="0" smtClean="0"/>
+              <a:t> Valerio</a:t>
+            </a:r>
+            <a:endParaRPr lang="en-US" dirty="0"/>
+          </a:p>
+        </p:txBody>
+      </p:sp>
+      <p:sp>
+        <p:nvSpPr>
+          <p:cNvPr id="6" name="Segnaposto numero diapositiva 5"/>
+          <p:cNvSpPr>
+            <a:spLocks noGrp="1"/>
+          </p:cNvSpPr>
+          <p:nvPr>
+            <p:ph type="sldNum" sz="quarter" idx="12"/>
+          </p:nvPr>
+        </p:nvSpPr>
+        <p:spPr/>
+        <p:txBody>
+          <a:bodyPr/>
+          <a:lstStyle/>
+          <a:p>
+            <a:fld id="{6D22F896-40B5-4ADD-8801-0D06FADFA095}" type="slidenum">
+              <a:rPr lang="en-US" smtClean="0"/>
+              <a:t>13</a:t>
+            </a:fld>
+            <a:endParaRPr lang="en-US" dirty="0"/>
+          </a:p>
+        </p:txBody>
+      </p:sp>
+    </p:spTree>
+    <p:extLst>
+      <p:ext uri="{BB962C8B-B14F-4D97-AF65-F5344CB8AC3E}">
+        <p14:creationId xmlns:p14="http://schemas.microsoft.com/office/powerpoint/2010/main" val="1026493011"/>
+      </p:ext>
+    </p:extLst>
+  </p:cSld>
+  <p:clrMapOvr>
+    <a:masterClrMapping/>
+  </p:clrMapOvr>
+  <p:timing>
+    <p:tnLst>
+      <p:par>
+        <p:cTn id="1" dur="indefinite" restart="never" nodeType="tmRoot"/>
+      </p:par>
+    </p:tnLst>
+  </p:timing>
+</p:sld>
+</file>
+
+<file path=ppt/slides/slide14.xml><?xml version="1.0" encoding="utf-8"?>
+<p:sld xmlns:a="http://schemas.openxmlformats.org/drawingml/2006/main" xmlns:r="http://schemas.openxmlformats.org/officeDocument/2006/relationships" xmlns:p="http://schemas.openxmlformats.org/presentationml/2006/main">
+  <p:cSld>
+    <p:spTree>
+      <p:nvGrpSpPr>
+        <p:cNvPr id="1" name=""/>
+        <p:cNvGrpSpPr/>
+        <p:nvPr/>
+      </p:nvGrpSpPr>
+      <p:grpSpPr>
+        <a:xfrm>
+          <a:off x="0" y="0"/>
+          <a:ext cx="0" cy="0"/>
+          <a:chOff x="0" y="0"/>
+          <a:chExt cx="0" cy="0"/>
+        </a:xfrm>
+      </p:grpSpPr>
+      <p:sp>
+        <p:nvSpPr>
+          <p:cNvPr id="2" name="Titolo 1"/>
+          <p:cNvSpPr>
+            <a:spLocks noGrp="1"/>
+          </p:cNvSpPr>
+          <p:nvPr>
+            <p:ph type="title"/>
+          </p:nvPr>
+        </p:nvSpPr>
+        <p:spPr>
+          <a:xfrm>
+            <a:off x="457200" y="594359"/>
+            <a:ext cx="3200400" cy="1172657"/>
+          </a:xfrm>
+        </p:spPr>
+        <p:txBody>
+          <a:bodyPr/>
+          <a:lstStyle/>
+          <a:p>
+            <a:r>
+              <a:rPr lang="it-IT" dirty="0" smtClean="0"/>
+              <a:t>High </a:t>
+            </a:r>
+            <a:r>
+              <a:rPr lang="it-IT" dirty="0" err="1" smtClean="0"/>
+              <a:t>level</a:t>
+            </a:r>
+            <a:r>
+              <a:rPr lang="it-IT" dirty="0" smtClean="0"/>
+              <a:t> </a:t>
+            </a:r>
+            <a:r>
+              <a:rPr lang="it-IT" dirty="0" err="1" smtClean="0"/>
+              <a:t>components</a:t>
+            </a:r>
+            <a:endParaRPr lang="it-IT" dirty="0"/>
+          </a:p>
+        </p:txBody>
+      </p:sp>
+      <p:pic>
+        <p:nvPicPr>
+          <p:cNvPr id="7" name="Segnaposto contenuto 6"/>
+          <p:cNvPicPr>
+            <a:picLocks noGrp="1" noChangeAspect="1"/>
+          </p:cNvPicPr>
+          <p:nvPr>
+            <p:ph idx="1"/>
+          </p:nvPr>
+        </p:nvPicPr>
+        <p:blipFill>
+          <a:blip r:embed="rId2">
+            <a:extLst>
+              <a:ext uri="{28A0092B-C50C-407E-A947-70E740481C1C}">
+                <a14:useLocalDpi xmlns:a14="http://schemas.microsoft.com/office/drawing/2010/main" val="0"/>
+              </a:ext>
+            </a:extLst>
+          </a:blip>
+          <a:stretch>
+            <a:fillRect/>
+          </a:stretch>
+        </p:blipFill>
+        <p:spPr>
+          <a:xfrm>
+            <a:off x="3990400" y="1272747"/>
+            <a:ext cx="8267500" cy="4803462"/>
+          </a:xfrm>
+        </p:spPr>
+      </p:pic>
+      <p:sp>
+        <p:nvSpPr>
+          <p:cNvPr id="4" name="Segnaposto testo 3"/>
+          <p:cNvSpPr>
+            <a:spLocks noGrp="1"/>
+          </p:cNvSpPr>
+          <p:nvPr>
+            <p:ph type="body" sz="half" idx="2"/>
+          </p:nvPr>
+        </p:nvSpPr>
+        <p:spPr>
+          <a:xfrm>
+            <a:off x="457200" y="1915297"/>
+            <a:ext cx="3200400" cy="4389907"/>
+          </a:xfrm>
+        </p:spPr>
+        <p:txBody>
+          <a:bodyPr>
+            <a:normAutofit/>
+          </a:bodyPr>
+          <a:lstStyle/>
+          <a:p>
+            <a:pPr marL="285750" indent="-285750">
+              <a:buFont typeface="Arial" charset="0"/>
+              <a:buChar char="•"/>
+            </a:pPr>
+            <a:r>
+              <a:rPr lang="it-IT" dirty="0" smtClean="0"/>
+              <a:t>Taxi Management System:</a:t>
+            </a:r>
+          </a:p>
+          <a:p>
+            <a:pPr marL="742950" lvl="1" indent="-285750">
+              <a:buFont typeface="Arial" charset="0"/>
+              <a:buChar char="•"/>
+            </a:pPr>
+            <a:r>
+              <a:rPr lang="it-IT" dirty="0" err="1" smtClean="0">
+                <a:solidFill>
+                  <a:schemeClr val="bg1"/>
+                </a:solidFill>
+              </a:rPr>
+              <a:t>Reservation</a:t>
+            </a:r>
+            <a:r>
+              <a:rPr lang="it-IT" dirty="0" smtClean="0">
+                <a:solidFill>
+                  <a:schemeClr val="bg1"/>
+                </a:solidFill>
+              </a:rPr>
+              <a:t> Management</a:t>
+            </a:r>
+          </a:p>
+          <a:p>
+            <a:pPr marL="742950" lvl="1" indent="-285750">
+              <a:buFont typeface="Arial" charset="0"/>
+              <a:buChar char="•"/>
+            </a:pPr>
+            <a:r>
+              <a:rPr lang="it-IT" dirty="0" err="1" smtClean="0">
+                <a:solidFill>
+                  <a:schemeClr val="bg1"/>
+                </a:solidFill>
+              </a:rPr>
+              <a:t>Request</a:t>
+            </a:r>
+            <a:r>
+              <a:rPr lang="it-IT" dirty="0" smtClean="0">
+                <a:solidFill>
+                  <a:schemeClr val="bg1"/>
+                </a:solidFill>
+              </a:rPr>
+              <a:t> Management</a:t>
+            </a:r>
+          </a:p>
+          <a:p>
+            <a:pPr marL="742950" lvl="1" indent="-285750">
+              <a:buFont typeface="Arial" charset="0"/>
+              <a:buChar char="•"/>
+            </a:pPr>
+            <a:r>
+              <a:rPr lang="it-IT" dirty="0" smtClean="0">
+                <a:solidFill>
+                  <a:schemeClr val="bg1"/>
+                </a:solidFill>
+              </a:rPr>
+              <a:t>Location Management</a:t>
+            </a:r>
+          </a:p>
+          <a:p>
+            <a:pPr marL="742950" lvl="1" indent="-285750">
+              <a:buFont typeface="Arial" charset="0"/>
+              <a:buChar char="•"/>
+            </a:pPr>
+            <a:r>
+              <a:rPr lang="it-IT" dirty="0" smtClean="0">
+                <a:solidFill>
+                  <a:schemeClr val="bg1"/>
+                </a:solidFill>
+              </a:rPr>
+              <a:t>Taxi Management</a:t>
+            </a:r>
+          </a:p>
+          <a:p>
+            <a:pPr marL="285750" indent="-285750">
+              <a:buFont typeface="Arial" charset="0"/>
+              <a:buChar char="•"/>
+            </a:pPr>
+            <a:r>
+              <a:rPr lang="it-IT" dirty="0" smtClean="0"/>
+              <a:t>Account Management:</a:t>
+            </a:r>
+            <a:endParaRPr lang="it-IT" dirty="0"/>
+          </a:p>
+          <a:p>
+            <a:pPr marL="742950" lvl="1" indent="-285750">
+              <a:buFont typeface="Arial" charset="0"/>
+              <a:buChar char="•"/>
+            </a:pPr>
+            <a:r>
+              <a:rPr lang="it-IT" dirty="0" err="1" smtClean="0">
+                <a:solidFill>
+                  <a:schemeClr val="bg1"/>
+                </a:solidFill>
+              </a:rPr>
+              <a:t>Passenger</a:t>
+            </a:r>
+            <a:r>
+              <a:rPr lang="it-IT" dirty="0" smtClean="0">
+                <a:solidFill>
+                  <a:schemeClr val="bg1"/>
+                </a:solidFill>
+              </a:rPr>
+              <a:t> </a:t>
+            </a:r>
+            <a:r>
+              <a:rPr lang="it-IT" dirty="0" err="1" smtClean="0">
+                <a:solidFill>
+                  <a:schemeClr val="bg1"/>
+                </a:solidFill>
+              </a:rPr>
+              <a:t>Registration</a:t>
+            </a:r>
+            <a:endParaRPr lang="it-IT" dirty="0" smtClean="0">
+              <a:solidFill>
+                <a:schemeClr val="bg1"/>
+              </a:solidFill>
+            </a:endParaRPr>
+          </a:p>
+          <a:p>
+            <a:pPr marL="742950" lvl="1" indent="-285750">
+              <a:buFont typeface="Arial" charset="0"/>
+              <a:buChar char="•"/>
+            </a:pPr>
+            <a:r>
+              <a:rPr lang="it-IT" dirty="0" smtClean="0">
+                <a:solidFill>
+                  <a:schemeClr val="bg1"/>
+                </a:solidFill>
+              </a:rPr>
+              <a:t>Login</a:t>
+            </a:r>
+          </a:p>
+          <a:p>
+            <a:pPr marL="742950" lvl="1" indent="-285750">
+              <a:buFont typeface="Arial" charset="0"/>
+              <a:buChar char="•"/>
+            </a:pPr>
+            <a:r>
+              <a:rPr lang="it-IT" dirty="0" smtClean="0">
+                <a:solidFill>
+                  <a:schemeClr val="bg1"/>
+                </a:solidFill>
+              </a:rPr>
+              <a:t>Password </a:t>
+            </a:r>
+            <a:r>
+              <a:rPr lang="it-IT" dirty="0" err="1" smtClean="0">
+                <a:solidFill>
+                  <a:schemeClr val="bg1"/>
+                </a:solidFill>
+              </a:rPr>
+              <a:t>Retrieval</a:t>
+            </a:r>
+            <a:endParaRPr lang="it-IT" dirty="0" smtClean="0">
+              <a:solidFill>
+                <a:schemeClr val="bg1"/>
+              </a:solidFill>
+            </a:endParaRPr>
+          </a:p>
+          <a:p>
+            <a:pPr marL="742950" lvl="1" indent="-285750">
+              <a:buFont typeface="Arial" charset="0"/>
+              <a:buChar char="•"/>
+            </a:pPr>
+            <a:r>
+              <a:rPr lang="it-IT" dirty="0" err="1" smtClean="0">
+                <a:solidFill>
+                  <a:schemeClr val="bg1"/>
+                </a:solidFill>
+              </a:rPr>
+              <a:t>Settings</a:t>
+            </a:r>
+            <a:r>
+              <a:rPr lang="it-IT" dirty="0" smtClean="0">
+                <a:solidFill>
+                  <a:schemeClr val="bg1"/>
+                </a:solidFill>
+              </a:rPr>
+              <a:t> Management</a:t>
+            </a:r>
+            <a:endParaRPr lang="it-IT" dirty="0">
+              <a:solidFill>
+                <a:schemeClr val="bg1"/>
+              </a:solidFill>
+            </a:endParaRPr>
+          </a:p>
+          <a:p>
+            <a:pPr marL="285750" indent="-285750">
+              <a:buFont typeface="Arial" charset="0"/>
+              <a:buChar char="•"/>
+            </a:pPr>
+            <a:r>
+              <a:rPr lang="it-IT" dirty="0" smtClean="0"/>
+              <a:t>System Administration:</a:t>
+            </a:r>
+            <a:endParaRPr lang="it-IT" dirty="0"/>
+          </a:p>
+          <a:p>
+            <a:pPr marL="742950" lvl="1" indent="-285750">
+              <a:buFont typeface="Arial" charset="0"/>
+              <a:buChar char="•"/>
+            </a:pPr>
+            <a:r>
+              <a:rPr lang="it-IT" dirty="0" smtClean="0">
+                <a:solidFill>
+                  <a:schemeClr val="bg1"/>
+                </a:solidFill>
+              </a:rPr>
+              <a:t>API </a:t>
+            </a:r>
+            <a:r>
+              <a:rPr lang="it-IT" dirty="0" err="1" smtClean="0">
+                <a:solidFill>
+                  <a:schemeClr val="bg1"/>
+                </a:solidFill>
+              </a:rPr>
+              <a:t>Permission</a:t>
+            </a:r>
+            <a:r>
+              <a:rPr lang="it-IT" dirty="0" smtClean="0">
+                <a:solidFill>
+                  <a:schemeClr val="bg1"/>
+                </a:solidFill>
+              </a:rPr>
+              <a:t> Management</a:t>
+            </a:r>
+            <a:endParaRPr lang="it-IT" dirty="0">
+              <a:solidFill>
+                <a:schemeClr val="bg1"/>
+              </a:solidFill>
+            </a:endParaRPr>
+          </a:p>
+          <a:p>
+            <a:pPr marL="742950" lvl="1" indent="-285750">
+              <a:buFont typeface="Arial" charset="0"/>
+              <a:buChar char="•"/>
+            </a:pPr>
+            <a:r>
+              <a:rPr lang="it-IT" dirty="0" smtClean="0">
+                <a:solidFill>
+                  <a:schemeClr val="bg1"/>
+                </a:solidFill>
+              </a:rPr>
+              <a:t>Zone </a:t>
+            </a:r>
+            <a:r>
+              <a:rPr lang="it-IT" dirty="0" err="1" smtClean="0">
+                <a:solidFill>
+                  <a:schemeClr val="bg1"/>
+                </a:solidFill>
+              </a:rPr>
+              <a:t>Division</a:t>
+            </a:r>
+            <a:r>
+              <a:rPr lang="it-IT" dirty="0" smtClean="0">
+                <a:solidFill>
+                  <a:schemeClr val="bg1"/>
+                </a:solidFill>
+              </a:rPr>
+              <a:t> Management</a:t>
+            </a:r>
+            <a:endParaRPr lang="it-IT" dirty="0">
+              <a:solidFill>
+                <a:schemeClr val="bg1"/>
+              </a:solidFill>
+            </a:endParaRPr>
+          </a:p>
+          <a:p>
+            <a:pPr marL="742950" lvl="1" indent="-285750">
+              <a:buFont typeface="Arial" charset="0"/>
+              <a:buChar char="•"/>
+            </a:pPr>
+            <a:r>
+              <a:rPr lang="it-IT" dirty="0" smtClean="0">
+                <a:solidFill>
+                  <a:schemeClr val="bg1"/>
+                </a:solidFill>
+              </a:rPr>
+              <a:t>Taxi Driver Management</a:t>
+            </a:r>
+            <a:endParaRPr lang="it-IT" dirty="0">
+              <a:solidFill>
+                <a:schemeClr val="bg1"/>
+              </a:solidFill>
+            </a:endParaRPr>
+          </a:p>
+          <a:p>
+            <a:pPr marL="742950" lvl="1" indent="-285750">
+              <a:buFont typeface="Arial" charset="0"/>
+              <a:buChar char="•"/>
+            </a:pPr>
+            <a:r>
+              <a:rPr lang="it-IT" dirty="0" smtClean="0">
+                <a:solidFill>
+                  <a:schemeClr val="bg1"/>
+                </a:solidFill>
+              </a:rPr>
+              <a:t>Service </a:t>
+            </a:r>
+            <a:r>
+              <a:rPr lang="it-IT" dirty="0" err="1" smtClean="0">
+                <a:solidFill>
+                  <a:schemeClr val="bg1"/>
+                </a:solidFill>
+              </a:rPr>
+              <a:t>Statistics</a:t>
+            </a:r>
+            <a:endParaRPr lang="it-IT" dirty="0" smtClean="0">
+              <a:solidFill>
+                <a:schemeClr val="bg1"/>
+              </a:solidFill>
+            </a:endParaRPr>
+          </a:p>
+          <a:p>
+            <a:pPr marL="742950" lvl="1" indent="-285750">
+              <a:buFont typeface="Arial" charset="0"/>
+              <a:buChar char="•"/>
+            </a:pPr>
+            <a:r>
+              <a:rPr lang="it-IT" dirty="0" err="1" smtClean="0">
+                <a:solidFill>
+                  <a:schemeClr val="bg1"/>
+                </a:solidFill>
+              </a:rPr>
+              <a:t>Plugin</a:t>
+            </a:r>
+            <a:r>
+              <a:rPr lang="it-IT" dirty="0" smtClean="0">
+                <a:solidFill>
+                  <a:schemeClr val="bg1"/>
+                </a:solidFill>
+              </a:rPr>
+              <a:t> Management</a:t>
+            </a:r>
+            <a:endParaRPr lang="it-IT" dirty="0">
+              <a:solidFill>
+                <a:schemeClr val="bg1"/>
+              </a:solidFill>
+            </a:endParaRPr>
+          </a:p>
+          <a:p>
+            <a:pPr lvl="1"/>
+            <a:endParaRPr lang="it-IT" dirty="0" smtClean="0"/>
+          </a:p>
+          <a:p>
+            <a:pPr marL="285750" indent="-285750">
+              <a:buFont typeface="Arial" charset="0"/>
+              <a:buChar char="•"/>
+            </a:pPr>
+            <a:endParaRPr lang="it-IT" dirty="0"/>
+          </a:p>
+        </p:txBody>
+      </p:sp>
+      <p:sp>
+        <p:nvSpPr>
+          <p:cNvPr id="5" name="Segnaposto piè di pagina 4"/>
+          <p:cNvSpPr>
+            <a:spLocks noGrp="1"/>
+          </p:cNvSpPr>
+          <p:nvPr>
+            <p:ph type="ftr" sz="quarter" idx="11"/>
+          </p:nvPr>
+        </p:nvSpPr>
+        <p:spPr/>
+        <p:txBody>
+          <a:bodyPr/>
+          <a:lstStyle/>
+          <a:p>
+            <a:r>
+              <a:rPr lang="en-US" smtClean="0"/>
+              <a:t>Software Engineering 2: myTaxiService - Casati Fabrizio, Castelli Valerio</a:t>
+            </a:r>
+            <a:endParaRPr lang="en-US" dirty="0"/>
+          </a:p>
+        </p:txBody>
+      </p:sp>
+      <p:sp>
+        <p:nvSpPr>
+          <p:cNvPr id="6" name="Segnaposto numero diapositiva 5"/>
+          <p:cNvSpPr>
+            <a:spLocks noGrp="1"/>
+          </p:cNvSpPr>
+          <p:nvPr>
+            <p:ph type="sldNum" sz="quarter" idx="12"/>
+          </p:nvPr>
+        </p:nvSpPr>
+        <p:spPr/>
+        <p:txBody>
+          <a:bodyPr/>
+          <a:lstStyle/>
+          <a:p>
+            <a:fld id="{6D22F896-40B5-4ADD-8801-0D06FADFA095}" type="slidenum">
+              <a:rPr lang="en-US" smtClean="0"/>
+              <a:t>14</a:t>
+            </a:fld>
+            <a:endParaRPr lang="en-US" dirty="0"/>
+          </a:p>
+        </p:txBody>
+      </p:sp>
+    </p:spTree>
+    <p:extLst>
+      <p:ext uri="{BB962C8B-B14F-4D97-AF65-F5344CB8AC3E}">
+        <p14:creationId xmlns:p14="http://schemas.microsoft.com/office/powerpoint/2010/main" val="1999009523"/>
+      </p:ext>
+    </p:extLst>
+  </p:cSld>
+  <p:clrMapOvr>
+    <a:masterClrMapping/>
+  </p:clrMapOvr>
+  <p:timing>
+    <p:tnLst>
+      <p:par>
+        <p:cTn id="1" dur="indefinite" restart="never" nodeType="tmRoot"/>
+      </p:par>
+    </p:tnLst>
+  </p:timing>
+</p:sld>
+</file>
+
+<file path=ppt/slides/slide15.xml><?xml version="1.0" encoding="utf-8"?>
+<p:sld xmlns:a="http://schemas.openxmlformats.org/drawingml/2006/main" xmlns:r="http://schemas.openxmlformats.org/officeDocument/2006/relationships" xmlns:p="http://schemas.openxmlformats.org/presentationml/2006/main">
+  <p:cSld>
+    <p:spTree>
+      <p:nvGrpSpPr>
+        <p:cNvPr id="1" name=""/>
+        <p:cNvGrpSpPr/>
+        <p:nvPr/>
+      </p:nvGrpSpPr>
+      <p:grpSpPr>
+        <a:xfrm>
+          <a:off x="0" y="0"/>
+          <a:ext cx="0" cy="0"/>
+          <a:chOff x="0" y="0"/>
+          <a:chExt cx="0" cy="0"/>
+        </a:xfrm>
+      </p:grpSpPr>
+      <p:sp>
+        <p:nvSpPr>
+          <p:cNvPr id="2" name="Titolo 1"/>
+          <p:cNvSpPr>
+            <a:spLocks noGrp="1"/>
+          </p:cNvSpPr>
+          <p:nvPr>
+            <p:ph type="title"/>
+          </p:nvPr>
+        </p:nvSpPr>
+        <p:spPr/>
+        <p:txBody>
+          <a:bodyPr/>
+          <a:lstStyle/>
+          <a:p>
+            <a:r>
+              <a:rPr lang="it-IT" dirty="0" smtClean="0"/>
+              <a:t>Deployment </a:t>
+            </a:r>
+            <a:r>
+              <a:rPr lang="it-IT" dirty="0" err="1" smtClean="0"/>
+              <a:t>view</a:t>
+            </a:r>
+            <a:endParaRPr lang="it-IT" dirty="0"/>
+          </a:p>
+        </p:txBody>
+      </p:sp>
+      <p:pic>
+        <p:nvPicPr>
+          <p:cNvPr id="6" name="Segnaposto contenuto 5"/>
+          <p:cNvPicPr>
+            <a:picLocks noGrp="1" noChangeAspect="1"/>
+          </p:cNvPicPr>
+          <p:nvPr>
+            <p:ph idx="1"/>
+          </p:nvPr>
+        </p:nvPicPr>
+        <p:blipFill>
+          <a:blip r:embed="rId2">
+            <a:extLst>
+              <a:ext uri="{28A0092B-C50C-407E-A947-70E740481C1C}">
+                <a14:useLocalDpi xmlns:a14="http://schemas.microsoft.com/office/drawing/2010/main" val="0"/>
+              </a:ext>
+            </a:extLst>
+          </a:blip>
+          <a:stretch>
+            <a:fillRect/>
+          </a:stretch>
+        </p:blipFill>
+        <p:spPr>
+          <a:xfrm>
+            <a:off x="-35177" y="2038865"/>
+            <a:ext cx="12227177" cy="4188940"/>
+          </a:xfrm>
+        </p:spPr>
+      </p:pic>
+      <p:sp>
+        <p:nvSpPr>
+          <p:cNvPr id="4" name="Segnaposto piè di pagina 3"/>
+          <p:cNvSpPr>
+            <a:spLocks noGrp="1"/>
+          </p:cNvSpPr>
+          <p:nvPr>
+            <p:ph type="ftr" sz="quarter" idx="11"/>
+          </p:nvPr>
+        </p:nvSpPr>
+        <p:spPr/>
+        <p:txBody>
+          <a:bodyPr/>
+          <a:lstStyle/>
+          <a:p>
+            <a:r>
+              <a:rPr lang="en-US" smtClean="0"/>
+              <a:t>Software Engineering 2: myTaxiService - Casati Fabrizio, Castelli Valerio</a:t>
+            </a:r>
+            <a:endParaRPr lang="en-US" dirty="0"/>
+          </a:p>
+        </p:txBody>
+      </p:sp>
+      <p:sp>
+        <p:nvSpPr>
+          <p:cNvPr id="5" name="Segnaposto numero diapositiva 4"/>
+          <p:cNvSpPr>
+            <a:spLocks noGrp="1"/>
+          </p:cNvSpPr>
+          <p:nvPr>
+            <p:ph type="sldNum" sz="quarter" idx="12"/>
+          </p:nvPr>
+        </p:nvSpPr>
+        <p:spPr/>
+        <p:txBody>
+          <a:bodyPr/>
+          <a:lstStyle/>
+          <a:p>
+            <a:fld id="{6D22F896-40B5-4ADD-8801-0D06FADFA095}" type="slidenum">
+              <a:rPr lang="en-US" smtClean="0"/>
+              <a:t>15</a:t>
+            </a:fld>
+            <a:endParaRPr lang="en-US" dirty="0"/>
+          </a:p>
+        </p:txBody>
+      </p:sp>
+    </p:spTree>
+    <p:extLst>
+      <p:ext uri="{BB962C8B-B14F-4D97-AF65-F5344CB8AC3E}">
+        <p14:creationId xmlns:p14="http://schemas.microsoft.com/office/powerpoint/2010/main" val="1473418972"/>
+      </p:ext>
+    </p:extLst>
+  </p:cSld>
+  <p:clrMapOvr>
+    <a:masterClrMapping/>
+  </p:clrMapOvr>
+  <p:timing>
+    <p:tnLst>
+      <p:par>
+        <p:cTn id="1" dur="indefinite" restart="never" nodeType="tmRoot"/>
+      </p:par>
+    </p:tnLst>
+  </p:timing>
+</p:sld>
+</file>
+
+<file path=ppt/slides/slide16.xml><?xml version="1.0" encoding="utf-8"?>
+<p:sld xmlns:a="http://schemas.openxmlformats.org/drawingml/2006/main" xmlns:r="http://schemas.openxmlformats.org/officeDocument/2006/relationships" xmlns:p="http://schemas.openxmlformats.org/presentationml/2006/main">
+  <p:cSld>
+    <p:spTree>
+      <p:nvGrpSpPr>
+        <p:cNvPr id="1" name=""/>
+        <p:cNvGrpSpPr/>
+        <p:nvPr/>
+      </p:nvGrpSpPr>
+      <p:grpSpPr>
+        <a:xfrm>
+          <a:off x="0" y="0"/>
+          <a:ext cx="0" cy="0"/>
+          <a:chOff x="0" y="0"/>
+          <a:chExt cx="0" cy="0"/>
+        </a:xfrm>
+      </p:grpSpPr>
+      <p:sp>
+        <p:nvSpPr>
+          <p:cNvPr id="2" name="Titolo 1"/>
+          <p:cNvSpPr>
+            <a:spLocks noGrp="1"/>
+          </p:cNvSpPr>
+          <p:nvPr>
+            <p:ph type="title"/>
+          </p:nvPr>
+        </p:nvSpPr>
+        <p:spPr/>
+        <p:txBody>
+          <a:bodyPr/>
+          <a:lstStyle/>
+          <a:p>
+            <a:r>
+              <a:rPr lang="it-IT" dirty="0" smtClean="0"/>
+              <a:t>Remote API </a:t>
+            </a:r>
+            <a:endParaRPr lang="it-IT" dirty="0"/>
+          </a:p>
+        </p:txBody>
+      </p:sp>
+      <p:sp>
+        <p:nvSpPr>
+          <p:cNvPr id="3" name="Segnaposto contenuto 2"/>
+          <p:cNvSpPr>
+            <a:spLocks noGrp="1"/>
+          </p:cNvSpPr>
+          <p:nvPr>
+            <p:ph idx="1"/>
+          </p:nvPr>
+        </p:nvSpPr>
+        <p:spPr/>
+        <p:txBody>
+          <a:bodyPr/>
+          <a:lstStyle/>
+          <a:p>
+            <a:pPr>
+              <a:buFont typeface="Arial" charset="0"/>
+              <a:buChar char="•"/>
+            </a:pPr>
+            <a:r>
+              <a:rPr lang="it-IT" dirty="0" smtClean="0"/>
+              <a:t> </a:t>
+            </a:r>
+            <a:r>
+              <a:rPr lang="it-IT" dirty="0" err="1" smtClean="0"/>
+              <a:t>Methods</a:t>
+            </a:r>
+            <a:r>
+              <a:rPr lang="it-IT" dirty="0" smtClean="0"/>
+              <a:t> </a:t>
+            </a:r>
+            <a:r>
+              <a:rPr lang="it-IT" dirty="0" err="1" smtClean="0"/>
+              <a:t>exposed</a:t>
+            </a:r>
+            <a:r>
+              <a:rPr lang="it-IT" dirty="0" smtClean="0"/>
+              <a:t> by the core </a:t>
+            </a:r>
+            <a:r>
+              <a:rPr lang="it-IT" dirty="0" err="1" smtClean="0"/>
+              <a:t>system</a:t>
+            </a:r>
+            <a:r>
+              <a:rPr lang="it-IT" dirty="0" smtClean="0"/>
+              <a:t> via a web service </a:t>
+            </a:r>
+            <a:r>
+              <a:rPr lang="it-IT" dirty="0" err="1" smtClean="0"/>
+              <a:t>interface</a:t>
+            </a:r>
+            <a:endParaRPr lang="it-IT" dirty="0" smtClean="0"/>
+          </a:p>
+          <a:p>
+            <a:pPr>
+              <a:buFont typeface="Arial" charset="0"/>
+              <a:buChar char="•"/>
+            </a:pPr>
+            <a:r>
+              <a:rPr lang="it-IT" dirty="0"/>
+              <a:t> </a:t>
+            </a:r>
+            <a:r>
+              <a:rPr lang="it-IT" dirty="0" smtClean="0"/>
+              <a:t>Service </a:t>
+            </a:r>
+            <a:r>
+              <a:rPr lang="it-IT" dirty="0" err="1" smtClean="0"/>
+              <a:t>Oriented</a:t>
+            </a:r>
+            <a:r>
+              <a:rPr lang="it-IT" dirty="0" smtClean="0"/>
+              <a:t> Architecture (SOA)</a:t>
+            </a:r>
+          </a:p>
+          <a:p>
+            <a:pPr>
+              <a:buFont typeface="Arial" charset="0"/>
+              <a:buChar char="•"/>
+            </a:pPr>
+            <a:r>
+              <a:rPr lang="it-IT" dirty="0"/>
+              <a:t> </a:t>
+            </a:r>
+            <a:r>
+              <a:rPr lang="it-IT" dirty="0" smtClean="0"/>
+              <a:t>XML-</a:t>
+            </a:r>
+            <a:r>
+              <a:rPr lang="it-IT" dirty="0" err="1" smtClean="0"/>
+              <a:t>based</a:t>
+            </a:r>
+            <a:r>
+              <a:rPr lang="it-IT" dirty="0" smtClean="0"/>
+              <a:t> </a:t>
+            </a:r>
+            <a:r>
+              <a:rPr lang="it-IT" dirty="0" err="1" smtClean="0"/>
+              <a:t>requests</a:t>
+            </a:r>
+            <a:r>
+              <a:rPr lang="it-IT" dirty="0" smtClean="0"/>
+              <a:t> (SOAP)</a:t>
+            </a:r>
+          </a:p>
+          <a:p>
+            <a:pPr>
+              <a:buFont typeface="Arial" charset="0"/>
+              <a:buChar char="•"/>
+            </a:pPr>
+            <a:r>
+              <a:rPr lang="it-IT" dirty="0"/>
+              <a:t> </a:t>
+            </a:r>
+            <a:r>
+              <a:rPr lang="it-IT" dirty="0" err="1" smtClean="0"/>
+              <a:t>Managed</a:t>
+            </a:r>
+            <a:r>
+              <a:rPr lang="it-IT" dirty="0" smtClean="0"/>
+              <a:t> by the JAX-WS API of Java EE</a:t>
+            </a:r>
+          </a:p>
+          <a:p>
+            <a:pPr>
+              <a:buFont typeface="Arial" charset="0"/>
+              <a:buChar char="•"/>
+            </a:pPr>
+            <a:r>
+              <a:rPr lang="it-IT" dirty="0"/>
+              <a:t> </a:t>
+            </a:r>
+            <a:r>
+              <a:rPr lang="it-IT" dirty="0" err="1" smtClean="0"/>
+              <a:t>Each</a:t>
+            </a:r>
+            <a:r>
+              <a:rPr lang="it-IT" dirty="0" smtClean="0"/>
+              <a:t> session </a:t>
+            </a:r>
+            <a:r>
+              <a:rPr lang="it-IT" dirty="0" err="1" smtClean="0"/>
+              <a:t>bean</a:t>
+            </a:r>
+            <a:r>
+              <a:rPr lang="it-IT" dirty="0" smtClean="0"/>
+              <a:t> </a:t>
+            </a:r>
+            <a:r>
+              <a:rPr lang="it-IT" dirty="0" err="1" smtClean="0"/>
+              <a:t>exposes</a:t>
+            </a:r>
+            <a:r>
+              <a:rPr lang="it-IT" dirty="0" smtClean="0"/>
+              <a:t> a subset of the </a:t>
+            </a:r>
+            <a:r>
+              <a:rPr lang="it-IT" dirty="0" err="1" smtClean="0"/>
+              <a:t>available</a:t>
+            </a:r>
+            <a:r>
+              <a:rPr lang="it-IT" dirty="0" smtClean="0"/>
+              <a:t> </a:t>
+            </a:r>
+            <a:r>
+              <a:rPr lang="it-IT" dirty="0" err="1" smtClean="0"/>
+              <a:t>methods</a:t>
+            </a:r>
+            <a:endParaRPr lang="it-IT" dirty="0" smtClean="0"/>
+          </a:p>
+          <a:p>
+            <a:pPr>
+              <a:buFont typeface="Arial" charset="0"/>
+              <a:buChar char="•"/>
+            </a:pPr>
+            <a:r>
+              <a:rPr lang="it-IT" dirty="0"/>
+              <a:t> </a:t>
+            </a:r>
+            <a:r>
+              <a:rPr lang="it-IT" dirty="0" err="1" smtClean="0"/>
+              <a:t>Plugins</a:t>
+            </a:r>
+            <a:r>
+              <a:rPr lang="it-IT" dirty="0" smtClean="0"/>
+              <a:t> are </a:t>
+            </a:r>
+            <a:r>
+              <a:rPr lang="it-IT" dirty="0" err="1" smtClean="0"/>
+              <a:t>allowed</a:t>
+            </a:r>
+            <a:r>
+              <a:rPr lang="it-IT" dirty="0" smtClean="0"/>
+              <a:t> to </a:t>
+            </a:r>
+            <a:r>
+              <a:rPr lang="it-IT" dirty="0" err="1" smtClean="0"/>
+              <a:t>extend</a:t>
+            </a:r>
+            <a:r>
+              <a:rPr lang="it-IT" dirty="0" smtClean="0"/>
+              <a:t> the </a:t>
+            </a:r>
+            <a:r>
+              <a:rPr lang="it-IT" dirty="0" err="1" smtClean="0"/>
+              <a:t>offered</a:t>
+            </a:r>
+            <a:r>
+              <a:rPr lang="it-IT" dirty="0" smtClean="0"/>
+              <a:t> API</a:t>
+            </a:r>
+          </a:p>
+          <a:p>
+            <a:pPr>
+              <a:buFont typeface="Arial" charset="0"/>
+              <a:buChar char="•"/>
+            </a:pPr>
+            <a:r>
+              <a:rPr lang="it-IT" dirty="0"/>
+              <a:t> </a:t>
+            </a:r>
+            <a:r>
+              <a:rPr lang="it-IT" dirty="0" smtClean="0"/>
+              <a:t>Remote </a:t>
+            </a:r>
+            <a:r>
+              <a:rPr lang="it-IT" dirty="0" err="1" smtClean="0"/>
+              <a:t>third</a:t>
+            </a:r>
+            <a:r>
+              <a:rPr lang="it-IT" dirty="0" smtClean="0"/>
+              <a:t> party </a:t>
+            </a:r>
+            <a:r>
+              <a:rPr lang="it-IT" dirty="0" err="1" smtClean="0"/>
+              <a:t>services</a:t>
+            </a:r>
+            <a:r>
+              <a:rPr lang="it-IT" dirty="0" smtClean="0"/>
+              <a:t> can </a:t>
+            </a:r>
+            <a:r>
+              <a:rPr lang="it-IT" dirty="0" err="1" smtClean="0"/>
+              <a:t>invoke</a:t>
+            </a:r>
+            <a:r>
+              <a:rPr lang="it-IT" dirty="0" smtClean="0"/>
+              <a:t> the </a:t>
+            </a:r>
+            <a:r>
+              <a:rPr lang="it-IT" dirty="0" err="1" smtClean="0"/>
+              <a:t>exposed</a:t>
+            </a:r>
+            <a:r>
+              <a:rPr lang="it-IT" dirty="0" smtClean="0"/>
+              <a:t> </a:t>
+            </a:r>
+            <a:r>
+              <a:rPr lang="it-IT" dirty="0" err="1" smtClean="0"/>
+              <a:t>methods</a:t>
+            </a:r>
+            <a:endParaRPr lang="it-IT" dirty="0" smtClean="0"/>
+          </a:p>
+          <a:p>
+            <a:pPr>
+              <a:buFont typeface="Arial" charset="0"/>
+              <a:buChar char="•"/>
+            </a:pPr>
+            <a:r>
+              <a:rPr lang="it-IT" dirty="0"/>
+              <a:t> </a:t>
+            </a:r>
+            <a:r>
+              <a:rPr lang="it-IT" dirty="0" err="1" smtClean="0"/>
+              <a:t>Different</a:t>
+            </a:r>
+            <a:r>
+              <a:rPr lang="it-IT" dirty="0" smtClean="0"/>
+              <a:t> </a:t>
+            </a:r>
+            <a:r>
+              <a:rPr lang="it-IT" dirty="0" err="1" smtClean="0"/>
+              <a:t>levels</a:t>
+            </a:r>
+            <a:r>
+              <a:rPr lang="it-IT" dirty="0" smtClean="0"/>
+              <a:t> of </a:t>
+            </a:r>
+            <a:r>
+              <a:rPr lang="it-IT" dirty="0" err="1" smtClean="0"/>
+              <a:t>privileges</a:t>
+            </a:r>
+            <a:r>
+              <a:rPr lang="it-IT" dirty="0" smtClean="0"/>
+              <a:t> are </a:t>
+            </a:r>
+            <a:r>
+              <a:rPr lang="it-IT" dirty="0" err="1" smtClean="0"/>
+              <a:t>supported</a:t>
+            </a:r>
+            <a:r>
+              <a:rPr lang="it-IT" dirty="0" smtClean="0"/>
+              <a:t> </a:t>
+            </a:r>
+          </a:p>
+          <a:p>
+            <a:pPr>
+              <a:buFont typeface="Arial" charset="0"/>
+              <a:buChar char="•"/>
+            </a:pPr>
+            <a:r>
+              <a:rPr lang="it-IT" dirty="0"/>
+              <a:t> </a:t>
+            </a:r>
+            <a:r>
+              <a:rPr lang="it-IT" dirty="0" err="1" smtClean="0"/>
+              <a:t>Details</a:t>
+            </a:r>
+            <a:r>
+              <a:rPr lang="it-IT" dirty="0" smtClean="0"/>
+              <a:t> </a:t>
+            </a:r>
+            <a:r>
+              <a:rPr lang="it-IT" dirty="0" err="1" smtClean="0"/>
+              <a:t>discussed</a:t>
+            </a:r>
+            <a:r>
+              <a:rPr lang="it-IT" dirty="0" smtClean="0"/>
+              <a:t> in the DD (Component </a:t>
+            </a:r>
+            <a:r>
+              <a:rPr lang="it-IT" dirty="0" err="1" smtClean="0"/>
+              <a:t>Interfaces</a:t>
+            </a:r>
+            <a:r>
+              <a:rPr lang="it-IT" dirty="0" smtClean="0"/>
+              <a:t> </a:t>
+            </a:r>
+            <a:r>
+              <a:rPr lang="it-IT" dirty="0" err="1" smtClean="0"/>
+              <a:t>section</a:t>
+            </a:r>
+            <a:r>
+              <a:rPr lang="it-IT" smtClean="0"/>
+              <a:t>)</a:t>
+            </a:r>
+            <a:endParaRPr lang="it-IT" dirty="0"/>
+          </a:p>
+        </p:txBody>
+      </p:sp>
+      <p:sp>
+        <p:nvSpPr>
+          <p:cNvPr id="4" name="Segnaposto piè di pagina 3"/>
+          <p:cNvSpPr>
+            <a:spLocks noGrp="1"/>
+          </p:cNvSpPr>
+          <p:nvPr>
+            <p:ph type="ftr" sz="quarter" idx="11"/>
+          </p:nvPr>
+        </p:nvSpPr>
+        <p:spPr/>
+        <p:txBody>
+          <a:bodyPr/>
+          <a:lstStyle/>
+          <a:p>
+            <a:r>
+              <a:rPr lang="en-US" smtClean="0"/>
+              <a:t>Software Engineering 2: myTaxiService - Casati Fabrizio, Castelli Valerio</a:t>
+            </a:r>
+            <a:endParaRPr lang="en-US" dirty="0"/>
+          </a:p>
+        </p:txBody>
+      </p:sp>
+      <p:sp>
+        <p:nvSpPr>
+          <p:cNvPr id="5" name="Segnaposto numero diapositiva 4"/>
+          <p:cNvSpPr>
+            <a:spLocks noGrp="1"/>
+          </p:cNvSpPr>
+          <p:nvPr>
+            <p:ph type="sldNum" sz="quarter" idx="12"/>
+          </p:nvPr>
+        </p:nvSpPr>
+        <p:spPr/>
+        <p:txBody>
+          <a:bodyPr/>
+          <a:lstStyle/>
+          <a:p>
+            <a:fld id="{6D22F896-40B5-4ADD-8801-0D06FADFA095}" type="slidenum">
+              <a:rPr lang="en-US" smtClean="0"/>
+              <a:t>16</a:t>
+            </a:fld>
+            <a:endParaRPr lang="en-US" dirty="0"/>
+          </a:p>
+        </p:txBody>
+      </p:sp>
+    </p:spTree>
+    <p:extLst>
+      <p:ext uri="{BB962C8B-B14F-4D97-AF65-F5344CB8AC3E}">
+        <p14:creationId xmlns:p14="http://schemas.microsoft.com/office/powerpoint/2010/main" val="1692713397"/>
+      </p:ext>
+    </p:extLst>
+  </p:cSld>
+  <p:clrMapOvr>
+    <a:masterClrMapping/>
+  </p:clrMapOvr>
+</p:sld>
+</file>
+
 <file path=ppt/slides/slide2.xml><?xml version="1.0" encoding="utf-8"?>
 <p:sld xmlns:a="http://schemas.openxmlformats.org/drawingml/2006/main" xmlns:r="http://schemas.openxmlformats.org/officeDocument/2006/relationships" xmlns:p="http://schemas.openxmlformats.org/presentationml/2006/main">
   <p:cSld>
@@ -6280,8 +8564,13 @@
             </a:r>
             <a:r>
               <a:rPr lang="it-IT" dirty="0"/>
-              <a:t> ride. </a:t>
-            </a:r>
+              <a:t> </a:t>
+            </a:r>
+            <a:r>
+              <a:rPr lang="it-IT" dirty="0" smtClean="0"/>
+              <a:t>ride </a:t>
+            </a:r>
+            <a:endParaRPr lang="it-IT" dirty="0"/>
           </a:p>
           <a:p>
             <a:pPr>
@@ -6346,8 +8635,9 @@
             </a:r>
             <a:r>
               <a:rPr lang="it-IT" dirty="0" smtClean="0"/>
-              <a:t>. </a:t>
-            </a:r>
+              <a:t> </a:t>
+            </a:r>
+            <a:endParaRPr lang="it-IT" dirty="0" smtClean="0"/>
           </a:p>
           <a:p>
             <a:pPr>
@@ -6577,10 +8867,7 @@
               <a:rPr lang="it-IT" dirty="0" err="1" smtClean="0"/>
               <a:t>passengers</a:t>
             </a:r>
-            <a:r>
-              <a:rPr lang="it-IT" dirty="0" smtClean="0"/>
-              <a:t>.</a:t>
-            </a:r>
+            <a:endParaRPr lang="it-IT" dirty="0" smtClean="0"/>
           </a:p>
           <a:p>
             <a:pPr>
@@ -6689,8 +8976,13 @@
             </a:r>
             <a:r>
               <a:rPr lang="it-IT" dirty="0"/>
-              <a:t> meeting time. </a:t>
-            </a:r>
+              <a:t> meeting </a:t>
+            </a:r>
+            <a:r>
+              <a:rPr lang="it-IT" dirty="0" smtClean="0"/>
+              <a:t>time </a:t>
+            </a:r>
+            <a:endParaRPr lang="it-IT" dirty="0"/>
           </a:p>
           <a:p>
             <a:pPr>
@@ -6897,13 +9189,14 @@
               <a:t> </a:t>
             </a:r>
             <a:r>
-              <a:rPr lang="it-IT" dirty="0" err="1"/>
+              <a:rPr lang="it-IT" dirty="0" err="1" smtClean="0"/>
               <a:t>available</a:t>
             </a:r>
             <a:r>
-              <a:rPr lang="it-IT" dirty="0"/>
-              <a:t>. </a:t>
-            </a:r>
+              <a:rPr lang="it-IT" dirty="0" smtClean="0"/>
+              <a:t> </a:t>
+            </a:r>
+            <a:endParaRPr lang="it-IT" dirty="0"/>
           </a:p>
           <a:p>
             <a:pPr>
@@ -6979,9 +9272,10 @@
               <a:t>unavailable</a:t>
             </a:r>
             <a:r>
-              <a:rPr lang="it-IT" dirty="0"/>
-              <a:t>. </a:t>
-            </a:r>
+              <a:rPr lang="it-IT" dirty="0" smtClean="0"/>
+              <a:t> </a:t>
+            </a:r>
+            <a:endParaRPr lang="it-IT" dirty="0"/>
           </a:p>
           <a:p>
             <a:pPr>
@@ -7041,13 +9335,14 @@
               <a:t> </a:t>
             </a:r>
             <a:r>
-              <a:rPr lang="it-IT" dirty="0" err="1"/>
+              <a:rPr lang="it-IT" dirty="0" err="1" smtClean="0"/>
               <a:t>calls</a:t>
             </a:r>
             <a:r>
-              <a:rPr lang="it-IT" dirty="0"/>
-              <a:t>. </a:t>
-            </a:r>
+              <a:rPr lang="it-IT" dirty="0" smtClean="0"/>
+              <a:t> </a:t>
+            </a:r>
+            <a:endParaRPr lang="it-IT" dirty="0"/>
           </a:p>
           <a:p>
             <a:pPr>
@@ -7119,13 +9414,14 @@
               <a:t> </a:t>
             </a:r>
             <a:r>
-              <a:rPr lang="it-IT" dirty="0" err="1"/>
+              <a:rPr lang="it-IT" dirty="0" err="1" smtClean="0"/>
               <a:t>calls</a:t>
             </a:r>
             <a:r>
-              <a:rPr lang="it-IT" dirty="0"/>
-              <a:t>. </a:t>
-            </a:r>
+              <a:rPr lang="it-IT" dirty="0" smtClean="0"/>
+              <a:t> </a:t>
+            </a:r>
+            <a:endParaRPr lang="it-IT" dirty="0"/>
           </a:p>
           <a:p>
             <a:pPr>
@@ -7178,8 +9474,13 @@
             </a:r>
             <a:r>
               <a:rPr lang="it-IT" dirty="0"/>
-              <a:t> a ride. </a:t>
-            </a:r>
+              <a:t> a </a:t>
+            </a:r>
+            <a:r>
+              <a:rPr lang="it-IT" dirty="0" smtClean="0"/>
+              <a:t>ride </a:t>
+            </a:r>
+            <a:endParaRPr lang="it-IT" dirty="0"/>
           </a:p>
           <a:p>
             <a:pPr>
@@ -7307,13 +9608,14 @@
               <a:t> </a:t>
             </a:r>
             <a:r>
-              <a:rPr lang="it-IT" dirty="0" err="1"/>
+              <a:rPr lang="it-IT" dirty="0" err="1" smtClean="0"/>
               <a:t>refused</a:t>
             </a:r>
             <a:r>
-              <a:rPr lang="it-IT" dirty="0"/>
-              <a:t>. </a:t>
-            </a:r>
+              <a:rPr lang="it-IT" dirty="0" smtClean="0"/>
+              <a:t> </a:t>
+            </a:r>
+            <a:endParaRPr lang="it-IT" dirty="0"/>
           </a:p>
           <a:p>
             <a:pPr>
@@ -7425,12 +9727,12 @@
               <a:t> 20 </a:t>
             </a:r>
             <a:r>
-              <a:rPr lang="it-IT" dirty="0" err="1"/>
+              <a:rPr lang="it-IT" dirty="0" err="1" smtClean="0"/>
               <a:t>times</a:t>
             </a:r>
             <a:r>
-              <a:rPr lang="it-IT" dirty="0"/>
-              <a:t>. </a:t>
+              <a:rPr lang="it-IT" dirty="0" smtClean="0"/>
+              <a:t> </a:t>
             </a:r>
             <a:endParaRPr lang="it-IT" dirty="0"/>
           </a:p>
@@ -9122,7 +11424,11 @@
           <a:p>
             <a:r>
               <a:rPr lang="it-IT" dirty="0" smtClean="0"/>
-              <a:t>PASSENGER HOMEPAGE</a:t>
+              <a:t>PASSENGER </a:t>
+            </a:r>
+            <a:r>
+              <a:rPr lang="it-IT" dirty="0" smtClean="0"/>
+              <a:t>REQUEST</a:t>
             </a:r>
             <a:endParaRPr lang="it-IT" dirty="0"/>
           </a:p>
@@ -9145,7 +11451,7 @@
           <a:p>
             <a:r>
               <a:rPr lang="it-IT" dirty="0" smtClean="0"/>
-              <a:t>PASSENGER RESERVATIONS</a:t>
+              <a:t>REQUEST CONFIRMATION</a:t>
             </a:r>
             <a:endParaRPr lang="it-IT" dirty="0"/>
           </a:p>

--- a/Final_Presentation/Presentation.pptx
+++ b/Final_Presentation/Presentation.pptx
@@ -5,7 +5,7 @@
     <p:sldMasterId id="2147483889" r:id="rId1"/>
   </p:sldMasterIdLst>
   <p:notesMasterIdLst>
-    <p:notesMasterId r:id="rId18"/>
+    <p:notesMasterId r:id="rId20"/>
   </p:notesMasterIdLst>
   <p:sldIdLst>
     <p:sldId id="256" r:id="rId2"/>
@@ -24,6 +24,8 @@
     <p:sldId id="270" r:id="rId15"/>
     <p:sldId id="271" r:id="rId16"/>
     <p:sldId id="272" r:id="rId17"/>
+    <p:sldId id="273" r:id="rId18"/>
+    <p:sldId id="274" r:id="rId19"/>
   </p:sldIdLst>
   <p:sldSz cx="12192000" cy="6858000"/>
   <p:notesSz cx="6858000" cy="9144000"/>
@@ -7856,7 +7858,7 @@
               <a:t>section</a:t>
             </a:r>
             <a:r>
-              <a:rPr lang="it-IT" smtClean="0"/>
+              <a:rPr lang="it-IT" dirty="0" smtClean="0"/>
               <a:t>)</a:t>
             </a:r>
             <a:endParaRPr lang="it-IT" dirty="0"/>
@@ -7913,6 +7915,1311 @@
     <p:extLst>
       <p:ext uri="{BB962C8B-B14F-4D97-AF65-F5344CB8AC3E}">
         <p14:creationId xmlns:p14="http://schemas.microsoft.com/office/powerpoint/2010/main" val="1692713397"/>
+      </p:ext>
+    </p:extLst>
+  </p:cSld>
+  <p:clrMapOvr>
+    <a:masterClrMapping/>
+  </p:clrMapOvr>
+</p:sld>
+</file>
+
+<file path=ppt/slides/slide17.xml><?xml version="1.0" encoding="utf-8"?>
+<p:sld xmlns:a="http://schemas.openxmlformats.org/drawingml/2006/main" xmlns:r="http://schemas.openxmlformats.org/officeDocument/2006/relationships" xmlns:p="http://schemas.openxmlformats.org/presentationml/2006/main">
+  <p:cSld>
+    <p:spTree>
+      <p:nvGrpSpPr>
+        <p:cNvPr id="1" name=""/>
+        <p:cNvGrpSpPr/>
+        <p:nvPr/>
+      </p:nvGrpSpPr>
+      <p:grpSpPr>
+        <a:xfrm>
+          <a:off x="0" y="0"/>
+          <a:ext cx="0" cy="0"/>
+          <a:chOff x="0" y="0"/>
+          <a:chExt cx="0" cy="0"/>
+        </a:xfrm>
+      </p:grpSpPr>
+      <p:sp>
+        <p:nvSpPr>
+          <p:cNvPr id="2" name="Titolo 1"/>
+          <p:cNvSpPr>
+            <a:spLocks noGrp="1"/>
+          </p:cNvSpPr>
+          <p:nvPr>
+            <p:ph type="title"/>
+          </p:nvPr>
+        </p:nvSpPr>
+        <p:spPr/>
+        <p:txBody>
+          <a:bodyPr/>
+          <a:lstStyle/>
+          <a:p>
+            <a:r>
+              <a:rPr lang="it-IT" dirty="0" err="1" smtClean="0"/>
+              <a:t>Architectural</a:t>
+            </a:r>
+            <a:r>
+              <a:rPr lang="it-IT" dirty="0" smtClean="0"/>
+              <a:t> </a:t>
+            </a:r>
+            <a:r>
+              <a:rPr lang="it-IT" dirty="0" err="1" smtClean="0"/>
+              <a:t>Styles</a:t>
+            </a:r>
+            <a:endParaRPr lang="it-IT" dirty="0"/>
+          </a:p>
+        </p:txBody>
+      </p:sp>
+      <p:sp>
+        <p:nvSpPr>
+          <p:cNvPr id="3" name="Segnaposto contenuto 2"/>
+          <p:cNvSpPr>
+            <a:spLocks noGrp="1"/>
+          </p:cNvSpPr>
+          <p:nvPr>
+            <p:ph sz="half" idx="1"/>
+          </p:nvPr>
+        </p:nvSpPr>
+        <p:spPr/>
+        <p:txBody>
+          <a:bodyPr>
+            <a:normAutofit/>
+          </a:bodyPr>
+          <a:lstStyle/>
+          <a:p>
+            <a:pPr>
+              <a:buFont typeface="Arial" charset="0"/>
+              <a:buChar char="•"/>
+            </a:pPr>
+            <a:r>
+              <a:rPr lang="it-IT" dirty="0"/>
+              <a:t> Service </a:t>
+            </a:r>
+            <a:r>
+              <a:rPr lang="it-IT" dirty="0" err="1"/>
+              <a:t>Oriented</a:t>
+            </a:r>
+            <a:r>
+              <a:rPr lang="it-IT" dirty="0"/>
+              <a:t> Architecture (SOA)</a:t>
+            </a:r>
+          </a:p>
+          <a:p>
+            <a:pPr lvl="1">
+              <a:buFont typeface="Arial" charset="0"/>
+              <a:buChar char="•"/>
+            </a:pPr>
+            <a:r>
+              <a:rPr lang="it-IT" dirty="0" err="1"/>
+              <a:t>Used</a:t>
+            </a:r>
+            <a:r>
+              <a:rPr lang="it-IT" dirty="0"/>
+              <a:t> to </a:t>
+            </a:r>
+            <a:r>
+              <a:rPr lang="it-IT" dirty="0" err="1"/>
+              <a:t>expose</a:t>
+            </a:r>
+            <a:r>
+              <a:rPr lang="it-IT" dirty="0"/>
+              <a:t> the </a:t>
+            </a:r>
+            <a:r>
+              <a:rPr lang="it-IT" dirty="0" err="1"/>
+              <a:t>APIs</a:t>
+            </a:r>
+            <a:r>
+              <a:rPr lang="it-IT" dirty="0"/>
+              <a:t> of the core </a:t>
+            </a:r>
+            <a:r>
+              <a:rPr lang="it-IT" dirty="0" err="1"/>
+              <a:t>system</a:t>
+            </a:r>
+            <a:endParaRPr lang="it-IT" dirty="0"/>
+          </a:p>
+          <a:p>
+            <a:pPr lvl="1">
+              <a:buFont typeface="Arial" charset="0"/>
+              <a:buChar char="•"/>
+            </a:pPr>
+            <a:r>
+              <a:rPr lang="it-IT" dirty="0" err="1"/>
+              <a:t>Allows</a:t>
+            </a:r>
+            <a:r>
+              <a:rPr lang="it-IT" dirty="0"/>
+              <a:t> </a:t>
+            </a:r>
+            <a:r>
+              <a:rPr lang="it-IT" dirty="0" err="1"/>
+              <a:t>easily</a:t>
+            </a:r>
+            <a:r>
+              <a:rPr lang="it-IT" dirty="0"/>
+              <a:t> </a:t>
+            </a:r>
+            <a:r>
+              <a:rPr lang="it-IT" dirty="0" err="1"/>
+              <a:t>expansion</a:t>
+            </a:r>
+            <a:r>
+              <a:rPr lang="it-IT" dirty="0"/>
+              <a:t> of the </a:t>
+            </a:r>
+            <a:r>
+              <a:rPr lang="it-IT" dirty="0" err="1"/>
+              <a:t>offered</a:t>
+            </a:r>
+            <a:r>
+              <a:rPr lang="it-IT" dirty="0"/>
+              <a:t> </a:t>
+            </a:r>
+            <a:r>
+              <a:rPr lang="it-IT" dirty="0" err="1"/>
+              <a:t>functionalities</a:t>
+            </a:r>
+            <a:r>
+              <a:rPr lang="it-IT" dirty="0"/>
+              <a:t> </a:t>
+            </a:r>
+          </a:p>
+          <a:p>
+            <a:pPr>
+              <a:buFont typeface="Arial" charset="0"/>
+              <a:buChar char="•"/>
+            </a:pPr>
+            <a:r>
+              <a:rPr lang="it-IT" dirty="0"/>
+              <a:t> </a:t>
+            </a:r>
+            <a:r>
+              <a:rPr lang="it-IT" dirty="0" err="1"/>
+              <a:t>Layered</a:t>
+            </a:r>
+            <a:r>
+              <a:rPr lang="it-IT" dirty="0"/>
+              <a:t> </a:t>
+            </a:r>
+            <a:r>
+              <a:rPr lang="it-IT" dirty="0" smtClean="0"/>
+              <a:t>Architecture</a:t>
+            </a:r>
+            <a:endParaRPr lang="it-IT" dirty="0"/>
+          </a:p>
+          <a:p>
+            <a:pPr lvl="1">
+              <a:buFont typeface="Arial" charset="0"/>
+              <a:buChar char="•"/>
+            </a:pPr>
+            <a:r>
+              <a:rPr lang="it-IT" dirty="0" err="1" smtClean="0"/>
+              <a:t>Separation</a:t>
+            </a:r>
+            <a:r>
+              <a:rPr lang="it-IT" dirty="0" smtClean="0"/>
+              <a:t> of </a:t>
+            </a:r>
+            <a:r>
+              <a:rPr lang="it-IT" dirty="0" err="1" smtClean="0"/>
+              <a:t>concerns</a:t>
+            </a:r>
+            <a:endParaRPr lang="it-IT" dirty="0"/>
+          </a:p>
+          <a:p>
+            <a:pPr lvl="1">
+              <a:buFont typeface="Arial" charset="0"/>
+              <a:buChar char="•"/>
+            </a:pPr>
+            <a:r>
+              <a:rPr lang="it-IT" dirty="0" smtClean="0"/>
+              <a:t>Great </a:t>
+            </a:r>
+            <a:r>
+              <a:rPr lang="it-IT" dirty="0" err="1" smtClean="0"/>
+              <a:t>clarity</a:t>
+            </a:r>
+            <a:r>
+              <a:rPr lang="it-IT" dirty="0" smtClean="0"/>
+              <a:t> and </a:t>
+            </a:r>
+            <a:r>
+              <a:rPr lang="it-IT" dirty="0" err="1" smtClean="0"/>
+              <a:t>flexibility</a:t>
+            </a:r>
+            <a:endParaRPr lang="it-IT" dirty="0" smtClean="0"/>
+          </a:p>
+          <a:p>
+            <a:pPr lvl="1">
+              <a:buFont typeface="Arial" charset="0"/>
+              <a:buChar char="•"/>
+            </a:pPr>
+            <a:r>
+              <a:rPr lang="it-IT" dirty="0" err="1" smtClean="0"/>
+              <a:t>Different</a:t>
+            </a:r>
+            <a:r>
+              <a:rPr lang="it-IT" dirty="0" smtClean="0"/>
+              <a:t> </a:t>
+            </a:r>
+            <a:r>
+              <a:rPr lang="it-IT" dirty="0" err="1" smtClean="0"/>
+              <a:t>services</a:t>
+            </a:r>
+            <a:r>
+              <a:rPr lang="it-IT" dirty="0" smtClean="0"/>
+              <a:t> </a:t>
+            </a:r>
+            <a:r>
+              <a:rPr lang="it-IT" dirty="0" err="1" smtClean="0"/>
+              <a:t>run</a:t>
+            </a:r>
+            <a:r>
+              <a:rPr lang="it-IT" dirty="0" smtClean="0"/>
+              <a:t> on </a:t>
+            </a:r>
+            <a:r>
+              <a:rPr lang="it-IT" dirty="0" err="1" smtClean="0"/>
+              <a:t>different</a:t>
+            </a:r>
+            <a:r>
+              <a:rPr lang="it-IT" dirty="0" smtClean="0"/>
+              <a:t> </a:t>
+            </a:r>
+            <a:r>
+              <a:rPr lang="it-IT" dirty="0" err="1" smtClean="0"/>
+              <a:t>machines</a:t>
+            </a:r>
+            <a:endParaRPr lang="it-IT" dirty="0"/>
+          </a:p>
+          <a:p>
+            <a:pPr>
+              <a:buFont typeface="Arial" charset="0"/>
+              <a:buChar char="•"/>
+            </a:pPr>
+            <a:r>
+              <a:rPr lang="it-IT" dirty="0"/>
+              <a:t> </a:t>
+            </a:r>
+            <a:r>
+              <a:rPr lang="it-IT" dirty="0" smtClean="0"/>
+              <a:t>Client/Server Architecture</a:t>
+            </a:r>
+            <a:endParaRPr lang="it-IT" dirty="0"/>
+          </a:p>
+          <a:p>
+            <a:pPr lvl="1">
+              <a:buFont typeface="Arial" charset="0"/>
+              <a:buChar char="•"/>
+            </a:pPr>
+            <a:r>
+              <a:rPr lang="it-IT" dirty="0" smtClean="0"/>
+              <a:t>Business </a:t>
+            </a:r>
+            <a:r>
+              <a:rPr lang="it-IT" dirty="0" err="1" smtClean="0"/>
+              <a:t>Logic</a:t>
+            </a:r>
+            <a:r>
+              <a:rPr lang="it-IT" dirty="0" smtClean="0"/>
+              <a:t> </a:t>
+            </a:r>
+            <a:r>
+              <a:rPr lang="it-IT" dirty="0" err="1" smtClean="0"/>
+              <a:t>implemented</a:t>
+            </a:r>
+            <a:r>
+              <a:rPr lang="it-IT" dirty="0" smtClean="0"/>
+              <a:t> in </a:t>
+            </a:r>
+            <a:r>
+              <a:rPr lang="it-IT" dirty="0" err="1" smtClean="0"/>
+              <a:t>servers</a:t>
+            </a:r>
+            <a:endParaRPr lang="it-IT" dirty="0" smtClean="0"/>
+          </a:p>
+          <a:p>
+            <a:pPr lvl="1">
+              <a:buFont typeface="Arial" charset="0"/>
+              <a:buChar char="•"/>
+            </a:pPr>
+            <a:r>
+              <a:rPr lang="it-IT" dirty="0" smtClean="0"/>
+              <a:t>Clients </a:t>
+            </a:r>
+            <a:r>
+              <a:rPr lang="it-IT" dirty="0" err="1" smtClean="0"/>
+              <a:t>used</a:t>
+            </a:r>
+            <a:r>
+              <a:rPr lang="it-IT" dirty="0" smtClean="0"/>
+              <a:t> </a:t>
+            </a:r>
+            <a:r>
+              <a:rPr lang="it-IT" dirty="0" err="1" smtClean="0"/>
+              <a:t>only</a:t>
+            </a:r>
+            <a:r>
+              <a:rPr lang="it-IT" dirty="0" smtClean="0"/>
+              <a:t> for </a:t>
+            </a:r>
+            <a:r>
+              <a:rPr lang="it-IT" dirty="0" err="1" smtClean="0"/>
+              <a:t>presentation</a:t>
+            </a:r>
+            <a:r>
+              <a:rPr lang="it-IT" dirty="0" smtClean="0"/>
+              <a:t> </a:t>
+            </a:r>
+            <a:r>
+              <a:rPr lang="it-IT" dirty="0" err="1" smtClean="0"/>
+              <a:t>purposes</a:t>
+            </a:r>
+            <a:endParaRPr lang="it-IT" dirty="0"/>
+          </a:p>
+          <a:p>
+            <a:pPr marL="201168" lvl="1" indent="0">
+              <a:buNone/>
+            </a:pPr>
+            <a:endParaRPr lang="it-IT" dirty="0"/>
+          </a:p>
+          <a:p>
+            <a:endParaRPr lang="it-IT" dirty="0"/>
+          </a:p>
+        </p:txBody>
+      </p:sp>
+      <p:sp>
+        <p:nvSpPr>
+          <p:cNvPr id="4" name="Segnaposto contenuto 3"/>
+          <p:cNvSpPr>
+            <a:spLocks noGrp="1"/>
+          </p:cNvSpPr>
+          <p:nvPr>
+            <p:ph sz="half" idx="2"/>
+          </p:nvPr>
+        </p:nvSpPr>
+        <p:spPr/>
+        <p:txBody>
+          <a:bodyPr>
+            <a:normAutofit/>
+          </a:bodyPr>
+          <a:lstStyle/>
+          <a:p>
+            <a:pPr>
+              <a:buFont typeface="Arial" charset="0"/>
+              <a:buChar char="•"/>
+            </a:pPr>
+            <a:r>
+              <a:rPr lang="it-IT" dirty="0" smtClean="0"/>
+              <a:t> 4-tier Architecture</a:t>
+            </a:r>
+            <a:endParaRPr lang="it-IT" dirty="0"/>
+          </a:p>
+          <a:p>
+            <a:pPr lvl="1">
+              <a:buFont typeface="Arial" charset="0"/>
+              <a:buChar char="•"/>
+            </a:pPr>
+            <a:r>
+              <a:rPr lang="it-IT" dirty="0" err="1" smtClean="0"/>
+              <a:t>Better</a:t>
+            </a:r>
+            <a:r>
+              <a:rPr lang="it-IT" dirty="0" smtClean="0"/>
+              <a:t> security and </a:t>
+            </a:r>
+            <a:r>
+              <a:rPr lang="it-IT" dirty="0" err="1" smtClean="0"/>
+              <a:t>resilience</a:t>
+            </a:r>
+            <a:endParaRPr lang="it-IT" dirty="0" smtClean="0"/>
+          </a:p>
+          <a:p>
+            <a:pPr lvl="1">
+              <a:buFont typeface="Arial" charset="0"/>
+              <a:buChar char="•"/>
+            </a:pPr>
+            <a:r>
+              <a:rPr lang="it-IT" dirty="0" smtClean="0"/>
+              <a:t>Critical </a:t>
+            </a:r>
+            <a:r>
+              <a:rPr lang="it-IT" dirty="0" err="1" smtClean="0"/>
+              <a:t>services</a:t>
+            </a:r>
+            <a:r>
+              <a:rPr lang="it-IT" dirty="0" smtClean="0"/>
+              <a:t> are </a:t>
+            </a:r>
+            <a:r>
+              <a:rPr lang="it-IT" dirty="0" err="1" smtClean="0"/>
+              <a:t>isolated</a:t>
+            </a:r>
+            <a:r>
+              <a:rPr lang="it-IT" dirty="0" smtClean="0"/>
+              <a:t> and </a:t>
+            </a:r>
+            <a:r>
+              <a:rPr lang="it-IT" dirty="0" err="1" smtClean="0"/>
+              <a:t>protected</a:t>
+            </a:r>
+            <a:r>
+              <a:rPr lang="it-IT" dirty="0" smtClean="0"/>
+              <a:t> from </a:t>
+            </a:r>
+            <a:r>
+              <a:rPr lang="it-IT" dirty="0" err="1" smtClean="0"/>
+              <a:t>external</a:t>
+            </a:r>
+            <a:r>
+              <a:rPr lang="it-IT" dirty="0" smtClean="0"/>
+              <a:t> </a:t>
+            </a:r>
+            <a:r>
+              <a:rPr lang="it-IT" dirty="0" err="1" smtClean="0"/>
+              <a:t>attacks</a:t>
+            </a:r>
+            <a:endParaRPr lang="it-IT" dirty="0" smtClean="0"/>
+          </a:p>
+          <a:p>
+            <a:pPr>
+              <a:buFont typeface="Arial" charset="0"/>
+              <a:buChar char="•"/>
+            </a:pPr>
+            <a:r>
+              <a:rPr lang="it-IT" dirty="0"/>
+              <a:t> </a:t>
+            </a:r>
+            <a:r>
+              <a:rPr lang="it-IT" dirty="0" err="1"/>
+              <a:t>Cloud</a:t>
+            </a:r>
+            <a:r>
+              <a:rPr lang="it-IT" dirty="0"/>
+              <a:t> Architecture</a:t>
+            </a:r>
+          </a:p>
+          <a:p>
+            <a:pPr lvl="1">
+              <a:buFont typeface="Arial" charset="0"/>
+              <a:buChar char="•"/>
+            </a:pPr>
+            <a:r>
+              <a:rPr lang="it-IT" dirty="0"/>
+              <a:t>Great </a:t>
+            </a:r>
+            <a:r>
+              <a:rPr lang="it-IT" dirty="0" err="1"/>
+              <a:t>scalability</a:t>
+            </a:r>
+            <a:r>
+              <a:rPr lang="it-IT" dirty="0"/>
+              <a:t> of hardware </a:t>
+            </a:r>
+            <a:r>
+              <a:rPr lang="it-IT" dirty="0" err="1"/>
+              <a:t>resources</a:t>
+            </a:r>
+            <a:endParaRPr lang="it-IT" dirty="0"/>
+          </a:p>
+          <a:p>
+            <a:pPr lvl="1">
+              <a:buFont typeface="Arial" charset="0"/>
+              <a:buChar char="•"/>
+            </a:pPr>
+            <a:r>
+              <a:rPr lang="it-IT" dirty="0" err="1"/>
+              <a:t>Cost-effective</a:t>
+            </a:r>
+            <a:endParaRPr lang="it-IT" dirty="0"/>
+          </a:p>
+          <a:p>
+            <a:pPr lvl="1">
+              <a:buFont typeface="Arial" charset="0"/>
+              <a:buChar char="•"/>
+            </a:pPr>
+            <a:r>
+              <a:rPr lang="it-IT" dirty="0"/>
+              <a:t>No </a:t>
+            </a:r>
+            <a:r>
+              <a:rPr lang="it-IT" dirty="0" err="1"/>
+              <a:t>necessity</a:t>
+            </a:r>
+            <a:r>
+              <a:rPr lang="it-IT" dirty="0"/>
+              <a:t> of </a:t>
+            </a:r>
+            <a:r>
+              <a:rPr lang="it-IT" dirty="0" err="1"/>
+              <a:t>maintaining</a:t>
+            </a:r>
+            <a:r>
+              <a:rPr lang="it-IT" dirty="0"/>
+              <a:t> a server </a:t>
+            </a:r>
+            <a:r>
+              <a:rPr lang="it-IT" dirty="0" smtClean="0"/>
+              <a:t>farm</a:t>
+            </a:r>
+            <a:endParaRPr lang="it-IT" dirty="0"/>
+          </a:p>
+          <a:p>
+            <a:pPr>
+              <a:buFont typeface="Arial" charset="0"/>
+              <a:buChar char="•"/>
+            </a:pPr>
+            <a:r>
+              <a:rPr lang="it-IT" dirty="0"/>
+              <a:t> </a:t>
+            </a:r>
+            <a:r>
+              <a:rPr lang="it-IT" dirty="0" smtClean="0"/>
+              <a:t>Publisher/</a:t>
+            </a:r>
+            <a:r>
+              <a:rPr lang="it-IT" dirty="0" err="1" smtClean="0"/>
+              <a:t>Subscriver</a:t>
+            </a:r>
+            <a:r>
+              <a:rPr lang="it-IT" dirty="0" smtClean="0"/>
+              <a:t> Architecture</a:t>
+            </a:r>
+            <a:endParaRPr lang="it-IT" dirty="0"/>
+          </a:p>
+          <a:p>
+            <a:pPr lvl="1">
+              <a:buFont typeface="Arial" charset="0"/>
+              <a:buChar char="•"/>
+            </a:pPr>
+            <a:r>
+              <a:rPr lang="it-IT" dirty="0" err="1" smtClean="0"/>
+              <a:t>Used</a:t>
+            </a:r>
+            <a:r>
+              <a:rPr lang="it-IT" dirty="0" smtClean="0"/>
+              <a:t> to </a:t>
+            </a:r>
+            <a:r>
+              <a:rPr lang="it-IT" dirty="0" err="1" smtClean="0"/>
+              <a:t>implement</a:t>
+            </a:r>
+            <a:r>
+              <a:rPr lang="it-IT" dirty="0" smtClean="0"/>
+              <a:t> the </a:t>
+            </a:r>
+            <a:r>
+              <a:rPr lang="it-IT" dirty="0" err="1" smtClean="0"/>
+              <a:t>notification</a:t>
+            </a:r>
+            <a:r>
+              <a:rPr lang="it-IT" dirty="0" smtClean="0"/>
+              <a:t> </a:t>
+            </a:r>
+            <a:r>
+              <a:rPr lang="it-IT" dirty="0" err="1" smtClean="0"/>
+              <a:t>system</a:t>
+            </a:r>
+            <a:endParaRPr lang="it-IT" dirty="0" smtClean="0"/>
+          </a:p>
+          <a:p>
+            <a:pPr lvl="1">
+              <a:buFont typeface="Arial" charset="0"/>
+              <a:buChar char="•"/>
+            </a:pPr>
+            <a:r>
+              <a:rPr lang="it-IT" dirty="0" err="1" smtClean="0"/>
+              <a:t>Flexible</a:t>
+            </a:r>
+            <a:r>
+              <a:rPr lang="it-IT" dirty="0" smtClean="0"/>
+              <a:t> with </a:t>
+            </a:r>
+            <a:r>
+              <a:rPr lang="it-IT" dirty="0" err="1" smtClean="0"/>
+              <a:t>respect</a:t>
+            </a:r>
+            <a:r>
+              <a:rPr lang="it-IT" dirty="0" smtClean="0"/>
+              <a:t> to </a:t>
+            </a:r>
+            <a:r>
+              <a:rPr lang="it-IT" dirty="0" err="1" smtClean="0"/>
+              <a:t>further</a:t>
+            </a:r>
+            <a:r>
+              <a:rPr lang="it-IT" dirty="0" smtClean="0"/>
+              <a:t> </a:t>
+            </a:r>
+            <a:r>
+              <a:rPr lang="it-IT" dirty="0" err="1" smtClean="0"/>
+              <a:t>expansions</a:t>
+            </a:r>
+            <a:endParaRPr lang="it-IT" dirty="0"/>
+          </a:p>
+          <a:p>
+            <a:endParaRPr lang="it-IT" dirty="0"/>
+          </a:p>
+        </p:txBody>
+      </p:sp>
+      <p:sp>
+        <p:nvSpPr>
+          <p:cNvPr id="5" name="Segnaposto piè di pagina 4"/>
+          <p:cNvSpPr>
+            <a:spLocks noGrp="1"/>
+          </p:cNvSpPr>
+          <p:nvPr>
+            <p:ph type="ftr" sz="quarter" idx="11"/>
+          </p:nvPr>
+        </p:nvSpPr>
+        <p:spPr/>
+        <p:txBody>
+          <a:bodyPr/>
+          <a:lstStyle/>
+          <a:p>
+            <a:r>
+              <a:rPr lang="en-US" smtClean="0"/>
+              <a:t>Software Engineering 2: myTaxiService - Casati Fabrizio, Castelli Valerio</a:t>
+            </a:r>
+            <a:endParaRPr lang="en-US" dirty="0"/>
+          </a:p>
+        </p:txBody>
+      </p:sp>
+      <p:sp>
+        <p:nvSpPr>
+          <p:cNvPr id="6" name="Segnaposto numero diapositiva 5"/>
+          <p:cNvSpPr>
+            <a:spLocks noGrp="1"/>
+          </p:cNvSpPr>
+          <p:nvPr>
+            <p:ph type="sldNum" sz="quarter" idx="12"/>
+          </p:nvPr>
+        </p:nvSpPr>
+        <p:spPr/>
+        <p:txBody>
+          <a:bodyPr/>
+          <a:lstStyle/>
+          <a:p>
+            <a:fld id="{6D22F896-40B5-4ADD-8801-0D06FADFA095}" type="slidenum">
+              <a:rPr lang="en-US" smtClean="0"/>
+              <a:t>17</a:t>
+            </a:fld>
+            <a:endParaRPr lang="en-US" dirty="0"/>
+          </a:p>
+        </p:txBody>
+      </p:sp>
+    </p:spTree>
+    <p:extLst>
+      <p:ext uri="{BB962C8B-B14F-4D97-AF65-F5344CB8AC3E}">
+        <p14:creationId xmlns:p14="http://schemas.microsoft.com/office/powerpoint/2010/main" val="475797293"/>
+      </p:ext>
+    </p:extLst>
+  </p:cSld>
+  <p:clrMapOvr>
+    <a:masterClrMapping/>
+  </p:clrMapOvr>
+</p:sld>
+</file>
+
+<file path=ppt/slides/slide18.xml><?xml version="1.0" encoding="utf-8"?>
+<p:sld xmlns:a="http://schemas.openxmlformats.org/drawingml/2006/main" xmlns:r="http://schemas.openxmlformats.org/officeDocument/2006/relationships" xmlns:p="http://schemas.openxmlformats.org/presentationml/2006/main">
+  <p:cSld>
+    <p:spTree>
+      <p:nvGrpSpPr>
+        <p:cNvPr id="1" name=""/>
+        <p:cNvGrpSpPr/>
+        <p:nvPr/>
+      </p:nvGrpSpPr>
+      <p:grpSpPr>
+        <a:xfrm>
+          <a:off x="0" y="0"/>
+          <a:ext cx="0" cy="0"/>
+          <a:chOff x="0" y="0"/>
+          <a:chExt cx="0" cy="0"/>
+        </a:xfrm>
+      </p:grpSpPr>
+      <p:sp>
+        <p:nvSpPr>
+          <p:cNvPr id="2" name="Titolo 1"/>
+          <p:cNvSpPr>
+            <a:spLocks noGrp="1"/>
+          </p:cNvSpPr>
+          <p:nvPr>
+            <p:ph type="title"/>
+          </p:nvPr>
+        </p:nvSpPr>
+        <p:spPr/>
+        <p:txBody>
+          <a:bodyPr/>
+          <a:lstStyle/>
+          <a:p>
+            <a:r>
+              <a:rPr lang="it-IT" dirty="0" err="1" smtClean="0"/>
+              <a:t>Other</a:t>
+            </a:r>
+            <a:r>
+              <a:rPr lang="it-IT" dirty="0" smtClean="0"/>
+              <a:t> design </a:t>
+            </a:r>
+            <a:r>
+              <a:rPr lang="it-IT" dirty="0" err="1" smtClean="0"/>
+              <a:t>decisions</a:t>
+            </a:r>
+            <a:endParaRPr lang="it-IT" dirty="0"/>
+          </a:p>
+        </p:txBody>
+      </p:sp>
+      <p:sp>
+        <p:nvSpPr>
+          <p:cNvPr id="3" name="Segnaposto testo 2"/>
+          <p:cNvSpPr>
+            <a:spLocks noGrp="1"/>
+          </p:cNvSpPr>
+          <p:nvPr>
+            <p:ph type="body" idx="1"/>
+          </p:nvPr>
+        </p:nvSpPr>
+        <p:spPr/>
+        <p:txBody>
+          <a:bodyPr/>
+          <a:lstStyle/>
+          <a:p>
+            <a:r>
+              <a:rPr lang="it-IT" dirty="0" smtClean="0"/>
+              <a:t>CORE SYSTEM IMPLEMENTATION: JAVA EE</a:t>
+            </a:r>
+            <a:endParaRPr lang="it-IT" dirty="0"/>
+          </a:p>
+        </p:txBody>
+      </p:sp>
+      <p:sp>
+        <p:nvSpPr>
+          <p:cNvPr id="4" name="Segnaposto contenuto 3"/>
+          <p:cNvSpPr>
+            <a:spLocks noGrp="1"/>
+          </p:cNvSpPr>
+          <p:nvPr>
+            <p:ph sz="half" idx="2"/>
+          </p:nvPr>
+        </p:nvSpPr>
+        <p:spPr/>
+        <p:txBody>
+          <a:bodyPr>
+            <a:normAutofit/>
+          </a:bodyPr>
+          <a:lstStyle/>
+          <a:p>
+            <a:pPr>
+              <a:buFont typeface="Arial" charset="0"/>
+              <a:buChar char="•"/>
+            </a:pPr>
+            <a:r>
+              <a:rPr lang="it-IT" dirty="0" smtClean="0"/>
+              <a:t> </a:t>
+            </a:r>
+            <a:r>
+              <a:rPr lang="it-IT" dirty="0" err="1" smtClean="0"/>
+              <a:t>Supports</a:t>
+            </a:r>
+            <a:r>
+              <a:rPr lang="it-IT" dirty="0" smtClean="0"/>
+              <a:t> multi-</a:t>
+            </a:r>
+            <a:r>
+              <a:rPr lang="it-IT" dirty="0" err="1" smtClean="0"/>
+              <a:t>tiered</a:t>
+            </a:r>
+            <a:r>
+              <a:rPr lang="it-IT" dirty="0" smtClean="0"/>
+              <a:t> </a:t>
+            </a:r>
+            <a:r>
+              <a:rPr lang="it-IT" dirty="0" err="1"/>
+              <a:t>applications</a:t>
+            </a:r>
+            <a:r>
+              <a:rPr lang="it-IT" dirty="0"/>
+              <a:t> </a:t>
+            </a:r>
+          </a:p>
+          <a:p>
+            <a:pPr>
+              <a:buFont typeface="Arial" charset="0"/>
+              <a:buChar char="•"/>
+            </a:pPr>
+            <a:r>
+              <a:rPr lang="it-IT" dirty="0" smtClean="0"/>
+              <a:t> Highly </a:t>
+            </a:r>
+            <a:r>
+              <a:rPr lang="it-IT" dirty="0" err="1" smtClean="0"/>
+              <a:t>reliable</a:t>
+            </a:r>
+            <a:endParaRPr lang="it-IT" dirty="0" smtClean="0"/>
+          </a:p>
+          <a:p>
+            <a:pPr>
+              <a:buFont typeface="Arial" charset="0"/>
+              <a:buChar char="•"/>
+            </a:pPr>
+            <a:r>
+              <a:rPr lang="it-IT" dirty="0" smtClean="0"/>
+              <a:t> </a:t>
+            </a:r>
+            <a:r>
+              <a:rPr lang="it-IT" dirty="0" err="1" smtClean="0"/>
+              <a:t>Interoperable</a:t>
+            </a:r>
+            <a:r>
+              <a:rPr lang="it-IT" dirty="0" smtClean="0"/>
+              <a:t> (JAX-WS)</a:t>
+            </a:r>
+            <a:endParaRPr lang="it-IT" dirty="0"/>
+          </a:p>
+          <a:p>
+            <a:pPr>
+              <a:buFont typeface="Arial" charset="0"/>
+              <a:buChar char="•"/>
+            </a:pPr>
+            <a:r>
+              <a:rPr lang="it-IT" dirty="0"/>
+              <a:t> </a:t>
+            </a:r>
+            <a:r>
+              <a:rPr lang="it-IT" dirty="0" err="1" smtClean="0"/>
+              <a:t>Automatically</a:t>
+            </a:r>
+            <a:r>
+              <a:rPr lang="it-IT" dirty="0" smtClean="0"/>
+              <a:t> </a:t>
+            </a:r>
+            <a:r>
+              <a:rPr lang="it-IT" dirty="0" err="1" smtClean="0"/>
+              <a:t>manages</a:t>
+            </a:r>
+            <a:r>
+              <a:rPr lang="it-IT" dirty="0" smtClean="0"/>
+              <a:t> </a:t>
+            </a:r>
+            <a:r>
+              <a:rPr lang="it-IT" dirty="0" err="1" smtClean="0"/>
+              <a:t>reliable</a:t>
+            </a:r>
+            <a:r>
+              <a:rPr lang="it-IT" dirty="0" smtClean="0"/>
+              <a:t> DB </a:t>
+            </a:r>
+            <a:r>
+              <a:rPr lang="it-IT" dirty="0" err="1" smtClean="0"/>
+              <a:t>transactions</a:t>
+            </a:r>
+            <a:r>
+              <a:rPr lang="it-IT" dirty="0" smtClean="0"/>
+              <a:t>, </a:t>
+            </a:r>
+            <a:r>
+              <a:rPr lang="it-IT" dirty="0" err="1" smtClean="0"/>
+              <a:t>resource</a:t>
+            </a:r>
+            <a:r>
+              <a:rPr lang="it-IT" dirty="0" smtClean="0"/>
+              <a:t> </a:t>
+            </a:r>
+            <a:r>
+              <a:rPr lang="it-IT" dirty="0" err="1" smtClean="0"/>
+              <a:t>allocation</a:t>
+            </a:r>
+            <a:r>
+              <a:rPr lang="it-IT" dirty="0" smtClean="0"/>
+              <a:t> and </a:t>
+            </a:r>
+            <a:r>
+              <a:rPr lang="it-IT" dirty="0" err="1" smtClean="0"/>
+              <a:t>secure</a:t>
+            </a:r>
+            <a:r>
+              <a:rPr lang="it-IT" dirty="0" smtClean="0"/>
+              <a:t> network </a:t>
+            </a:r>
+            <a:r>
+              <a:rPr lang="it-IT" dirty="0" err="1" smtClean="0"/>
+              <a:t>communicatons</a:t>
+            </a:r>
+            <a:endParaRPr lang="it-IT" dirty="0"/>
+          </a:p>
+          <a:p>
+            <a:pPr>
+              <a:buFont typeface="Arial" charset="0"/>
+              <a:buChar char="•"/>
+            </a:pPr>
+            <a:r>
+              <a:rPr lang="it-IT" dirty="0" smtClean="0"/>
+              <a:t> </a:t>
+            </a:r>
+            <a:r>
+              <a:rPr lang="it-IT" dirty="0" err="1" smtClean="0"/>
+              <a:t>Supports</a:t>
+            </a:r>
+            <a:r>
+              <a:rPr lang="it-IT" dirty="0" smtClean="0"/>
+              <a:t> </a:t>
+            </a:r>
+            <a:r>
+              <a:rPr lang="it-IT" dirty="0" err="1" smtClean="0"/>
+              <a:t>load</a:t>
+            </a:r>
+            <a:r>
+              <a:rPr lang="it-IT" dirty="0" smtClean="0"/>
+              <a:t> </a:t>
+            </a:r>
+            <a:r>
+              <a:rPr lang="it-IT" dirty="0" err="1" smtClean="0"/>
+              <a:t>balancing</a:t>
+            </a:r>
+            <a:endParaRPr lang="it-IT" dirty="0" smtClean="0"/>
+          </a:p>
+          <a:p>
+            <a:pPr>
+              <a:buFont typeface="Arial" charset="0"/>
+              <a:buChar char="•"/>
+            </a:pPr>
+            <a:r>
+              <a:rPr lang="it-IT" dirty="0" smtClean="0"/>
+              <a:t> Mature, </a:t>
+            </a:r>
+            <a:r>
+              <a:rPr lang="it-IT" dirty="0" err="1"/>
+              <a:t>well</a:t>
+            </a:r>
+            <a:r>
+              <a:rPr lang="it-IT" dirty="0"/>
+              <a:t> </a:t>
+            </a:r>
+            <a:r>
+              <a:rPr lang="it-IT" dirty="0" err="1" smtClean="0"/>
+              <a:t>known</a:t>
+            </a:r>
+            <a:r>
+              <a:rPr lang="it-IT" dirty="0" smtClean="0"/>
+              <a:t>, </a:t>
+            </a:r>
+            <a:r>
+              <a:rPr lang="it-IT" dirty="0" err="1" smtClean="0"/>
+              <a:t>supported</a:t>
+            </a:r>
+            <a:r>
+              <a:rPr lang="it-IT" dirty="0" smtClean="0"/>
+              <a:t> </a:t>
+            </a:r>
+            <a:r>
+              <a:rPr lang="it-IT" dirty="0" err="1"/>
+              <a:t>technology</a:t>
+            </a:r>
+            <a:r>
+              <a:rPr lang="it-IT" dirty="0"/>
+              <a:t> </a:t>
+            </a:r>
+          </a:p>
+          <a:p>
+            <a:endParaRPr lang="it-IT" dirty="0"/>
+          </a:p>
+        </p:txBody>
+      </p:sp>
+      <p:sp>
+        <p:nvSpPr>
+          <p:cNvPr id="5" name="Segnaposto testo 4"/>
+          <p:cNvSpPr>
+            <a:spLocks noGrp="1"/>
+          </p:cNvSpPr>
+          <p:nvPr>
+            <p:ph type="body" sz="quarter" idx="3"/>
+          </p:nvPr>
+        </p:nvSpPr>
+        <p:spPr/>
+        <p:txBody>
+          <a:bodyPr/>
+          <a:lstStyle/>
+          <a:p>
+            <a:r>
+              <a:rPr lang="it-IT" dirty="0" smtClean="0"/>
+              <a:t>APPS: NATIVE FRAMEWORKS AND HTML5</a:t>
+            </a:r>
+            <a:endParaRPr lang="it-IT" dirty="0"/>
+          </a:p>
+        </p:txBody>
+      </p:sp>
+      <p:sp>
+        <p:nvSpPr>
+          <p:cNvPr id="6" name="Segnaposto contenuto 5"/>
+          <p:cNvSpPr>
+            <a:spLocks noGrp="1"/>
+          </p:cNvSpPr>
+          <p:nvPr>
+            <p:ph sz="quarter" idx="4"/>
+          </p:nvPr>
+        </p:nvSpPr>
+        <p:spPr/>
+        <p:txBody>
+          <a:bodyPr/>
+          <a:lstStyle/>
+          <a:p>
+            <a:pPr>
+              <a:buFont typeface="Arial" charset="0"/>
+              <a:buChar char="•"/>
+            </a:pPr>
+            <a:r>
+              <a:rPr lang="it-IT" dirty="0" smtClean="0"/>
+              <a:t> Native look &amp; </a:t>
+            </a:r>
+            <a:r>
+              <a:rPr lang="it-IT" dirty="0" err="1" smtClean="0"/>
+              <a:t>feal</a:t>
+            </a:r>
+            <a:r>
+              <a:rPr lang="it-IT" dirty="0" smtClean="0"/>
+              <a:t> on </a:t>
+            </a:r>
+            <a:r>
+              <a:rPr lang="it-IT" dirty="0" err="1" smtClean="0"/>
+              <a:t>each</a:t>
+            </a:r>
+            <a:r>
+              <a:rPr lang="it-IT" dirty="0" smtClean="0"/>
+              <a:t> </a:t>
+            </a:r>
+            <a:r>
+              <a:rPr lang="it-IT" dirty="0" err="1" smtClean="0"/>
+              <a:t>platform</a:t>
+            </a:r>
+            <a:endParaRPr lang="it-IT" dirty="0" smtClean="0"/>
+          </a:p>
+          <a:p>
+            <a:pPr>
+              <a:buFont typeface="Arial" charset="0"/>
+              <a:buChar char="•"/>
+            </a:pPr>
+            <a:r>
+              <a:rPr lang="it-IT" dirty="0"/>
+              <a:t> </a:t>
+            </a:r>
+            <a:r>
+              <a:rPr lang="it-IT" dirty="0" err="1" smtClean="0"/>
+              <a:t>Supports</a:t>
+            </a:r>
+            <a:r>
+              <a:rPr lang="it-IT" dirty="0" smtClean="0"/>
+              <a:t> </a:t>
+            </a:r>
+            <a:r>
+              <a:rPr lang="it-IT" dirty="0" err="1" smtClean="0"/>
+              <a:t>platform-specific</a:t>
+            </a:r>
+            <a:r>
+              <a:rPr lang="it-IT" dirty="0" smtClean="0"/>
+              <a:t> </a:t>
+            </a:r>
+            <a:r>
+              <a:rPr lang="it-IT" dirty="0" err="1" smtClean="0"/>
+              <a:t>advancements</a:t>
+            </a:r>
+            <a:endParaRPr lang="it-IT" dirty="0" smtClean="0"/>
+          </a:p>
+          <a:p>
+            <a:pPr>
+              <a:buFont typeface="Arial" charset="0"/>
+              <a:buChar char="•"/>
+            </a:pPr>
+            <a:r>
+              <a:rPr lang="it-IT" dirty="0"/>
+              <a:t> </a:t>
+            </a:r>
+            <a:r>
+              <a:rPr lang="it-IT" dirty="0" err="1" smtClean="0"/>
+              <a:t>Very</a:t>
+            </a:r>
+            <a:r>
+              <a:rPr lang="it-IT" dirty="0" smtClean="0"/>
+              <a:t> small </a:t>
+            </a:r>
+            <a:r>
+              <a:rPr lang="it-IT" dirty="0" err="1" smtClean="0"/>
+              <a:t>codebase</a:t>
+            </a:r>
+            <a:endParaRPr lang="it-IT" dirty="0" smtClean="0"/>
+          </a:p>
+          <a:p>
+            <a:pPr>
+              <a:buFont typeface="Arial" charset="0"/>
+              <a:buChar char="•"/>
+            </a:pPr>
+            <a:r>
+              <a:rPr lang="it-IT" dirty="0" smtClean="0"/>
+              <a:t> </a:t>
+            </a:r>
+            <a:r>
+              <a:rPr lang="it-IT" dirty="0" err="1" smtClean="0"/>
+              <a:t>Only</a:t>
+            </a:r>
+            <a:r>
+              <a:rPr lang="it-IT" dirty="0" smtClean="0"/>
+              <a:t> </a:t>
+            </a:r>
+            <a:r>
+              <a:rPr lang="it-IT" dirty="0" err="1" smtClean="0"/>
+              <a:t>implements</a:t>
+            </a:r>
+            <a:r>
+              <a:rPr lang="it-IT" dirty="0" smtClean="0"/>
+              <a:t> </a:t>
+            </a:r>
+            <a:r>
+              <a:rPr lang="it-IT" dirty="0" err="1" smtClean="0"/>
+              <a:t>presentation</a:t>
+            </a:r>
+            <a:endParaRPr lang="it-IT" dirty="0" smtClean="0"/>
+          </a:p>
+          <a:p>
+            <a:pPr>
+              <a:buFont typeface="Arial" charset="0"/>
+              <a:buChar char="•"/>
+            </a:pPr>
+            <a:r>
+              <a:rPr lang="it-IT" dirty="0"/>
+              <a:t> </a:t>
+            </a:r>
+            <a:r>
+              <a:rPr lang="it-IT" dirty="0" err="1" smtClean="0"/>
+              <a:t>WebApps</a:t>
+            </a:r>
+            <a:r>
+              <a:rPr lang="it-IT" dirty="0" smtClean="0"/>
+              <a:t> </a:t>
+            </a:r>
+            <a:r>
+              <a:rPr lang="it-IT" dirty="0" err="1" smtClean="0"/>
+              <a:t>implemented</a:t>
+            </a:r>
+            <a:r>
+              <a:rPr lang="it-IT" dirty="0" smtClean="0"/>
+              <a:t> in HTML5 </a:t>
+            </a:r>
+          </a:p>
+          <a:p>
+            <a:pPr>
+              <a:buFont typeface="Arial" charset="0"/>
+              <a:buChar char="•"/>
+            </a:pPr>
+            <a:r>
+              <a:rPr lang="it-IT" dirty="0"/>
+              <a:t> </a:t>
+            </a:r>
+            <a:r>
+              <a:rPr lang="it-IT" dirty="0" err="1" smtClean="0"/>
+              <a:t>Available</a:t>
+            </a:r>
+            <a:r>
+              <a:rPr lang="it-IT" dirty="0" smtClean="0"/>
+              <a:t> </a:t>
+            </a:r>
+            <a:r>
+              <a:rPr lang="it-IT" dirty="0" err="1" smtClean="0"/>
+              <a:t>both</a:t>
+            </a:r>
+            <a:r>
+              <a:rPr lang="it-IT" dirty="0" smtClean="0"/>
+              <a:t> on desktop and mobile</a:t>
+            </a:r>
+          </a:p>
+          <a:p>
+            <a:pPr>
+              <a:buFont typeface="Arial" charset="0"/>
+              <a:buChar char="•"/>
+            </a:pPr>
+            <a:r>
+              <a:rPr lang="it-IT" dirty="0"/>
+              <a:t> </a:t>
+            </a:r>
+            <a:r>
+              <a:rPr lang="it-IT" dirty="0" err="1" smtClean="0"/>
+              <a:t>Tailored</a:t>
+            </a:r>
+            <a:r>
+              <a:rPr lang="it-IT" dirty="0" smtClean="0"/>
+              <a:t> to the </a:t>
+            </a:r>
+            <a:r>
+              <a:rPr lang="it-IT" dirty="0" err="1" smtClean="0"/>
+              <a:t>specific</a:t>
+            </a:r>
+            <a:r>
+              <a:rPr lang="it-IT" dirty="0" smtClean="0"/>
+              <a:t> </a:t>
+            </a:r>
+            <a:r>
+              <a:rPr lang="it-IT" dirty="0" err="1" smtClean="0"/>
+              <a:t>form-factor</a:t>
+            </a:r>
+            <a:r>
+              <a:rPr lang="it-IT" dirty="0" smtClean="0"/>
+              <a:t> </a:t>
+            </a:r>
+            <a:endParaRPr lang="it-IT" dirty="0"/>
+          </a:p>
+        </p:txBody>
+      </p:sp>
+      <p:sp>
+        <p:nvSpPr>
+          <p:cNvPr id="7" name="Segnaposto piè di pagina 6"/>
+          <p:cNvSpPr>
+            <a:spLocks noGrp="1"/>
+          </p:cNvSpPr>
+          <p:nvPr>
+            <p:ph type="ftr" sz="quarter" idx="11"/>
+          </p:nvPr>
+        </p:nvSpPr>
+        <p:spPr/>
+        <p:txBody>
+          <a:bodyPr/>
+          <a:lstStyle/>
+          <a:p>
+            <a:r>
+              <a:rPr lang="en-US" smtClean="0"/>
+              <a:t>Software Engineering 2: myTaxiService - Casati Fabrizio, Castelli Valerio</a:t>
+            </a:r>
+            <a:endParaRPr lang="en-US" dirty="0"/>
+          </a:p>
+        </p:txBody>
+      </p:sp>
+      <p:sp>
+        <p:nvSpPr>
+          <p:cNvPr id="8" name="Segnaposto numero diapositiva 7"/>
+          <p:cNvSpPr>
+            <a:spLocks noGrp="1"/>
+          </p:cNvSpPr>
+          <p:nvPr>
+            <p:ph type="sldNum" sz="quarter" idx="12"/>
+          </p:nvPr>
+        </p:nvSpPr>
+        <p:spPr/>
+        <p:txBody>
+          <a:bodyPr/>
+          <a:lstStyle/>
+          <a:p>
+            <a:fld id="{6D22F896-40B5-4ADD-8801-0D06FADFA095}" type="slidenum">
+              <a:rPr lang="en-US" smtClean="0"/>
+              <a:t>18</a:t>
+            </a:fld>
+            <a:endParaRPr lang="en-US" dirty="0"/>
+          </a:p>
+        </p:txBody>
+      </p:sp>
+    </p:spTree>
+    <p:extLst>
+      <p:ext uri="{BB962C8B-B14F-4D97-AF65-F5344CB8AC3E}">
+        <p14:creationId xmlns:p14="http://schemas.microsoft.com/office/powerpoint/2010/main" val="1812626327"/>
       </p:ext>
     </p:extLst>
   </p:cSld>

--- a/Final_Presentation/Presentation.pptx
+++ b/Final_Presentation/Presentation.pptx
@@ -5,7 +5,7 @@
     <p:sldMasterId id="2147483889" r:id="rId1"/>
   </p:sldMasterIdLst>
   <p:notesMasterIdLst>
-    <p:notesMasterId r:id="rId20"/>
+    <p:notesMasterId r:id="rId26"/>
   </p:notesMasterIdLst>
   <p:sldIdLst>
     <p:sldId id="256" r:id="rId2"/>
@@ -26,6 +26,12 @@
     <p:sldId id="272" r:id="rId17"/>
     <p:sldId id="273" r:id="rId18"/>
     <p:sldId id="274" r:id="rId19"/>
+    <p:sldId id="275" r:id="rId20"/>
+    <p:sldId id="277" r:id="rId21"/>
+    <p:sldId id="276" r:id="rId22"/>
+    <p:sldId id="278" r:id="rId23"/>
+    <p:sldId id="279" r:id="rId24"/>
+    <p:sldId id="280" r:id="rId25"/>
   </p:sldIdLst>
   <p:sldSz cx="12192000" cy="6858000"/>
   <p:notesSz cx="6858000" cy="9144000"/>
@@ -214,7 +220,7 @@
           <a:p>
             <a:fld id="{7A662241-018D-6949-9A61-0982130A1195}" type="datetimeFigureOut">
               <a:rPr lang="it-IT" smtClean="0"/>
-              <a:t>02/03/16</a:t>
+              <a:t>03/03/16</a:t>
             </a:fld>
             <a:endParaRPr lang="it-IT"/>
           </a:p>
@@ -1154,6 +1160,90 @@
 </p:notes>
 </file>
 
+<file path=ppt/notesSlides/notesSlide9.xml><?xml version="1.0" encoding="utf-8"?>
+<p:notes xmlns:a="http://schemas.openxmlformats.org/drawingml/2006/main" xmlns:r="http://schemas.openxmlformats.org/officeDocument/2006/relationships" xmlns:p="http://schemas.openxmlformats.org/presentationml/2006/main">
+  <p:cSld>
+    <p:spTree>
+      <p:nvGrpSpPr>
+        <p:cNvPr id="1" name=""/>
+        <p:cNvGrpSpPr/>
+        <p:nvPr/>
+      </p:nvGrpSpPr>
+      <p:grpSpPr>
+        <a:xfrm>
+          <a:off x="0" y="0"/>
+          <a:ext cx="0" cy="0"/>
+          <a:chOff x="0" y="0"/>
+          <a:chExt cx="0" cy="0"/>
+        </a:xfrm>
+      </p:grpSpPr>
+      <p:sp>
+        <p:nvSpPr>
+          <p:cNvPr id="2" name="Segnaposto immagine diapositiva 1"/>
+          <p:cNvSpPr>
+            <a:spLocks noGrp="1" noRot="1" noChangeAspect="1"/>
+          </p:cNvSpPr>
+          <p:nvPr>
+            <p:ph type="sldImg"/>
+          </p:nvPr>
+        </p:nvSpPr>
+        <p:spPr/>
+      </p:sp>
+      <p:sp>
+        <p:nvSpPr>
+          <p:cNvPr id="3" name="Segnaposto note 2"/>
+          <p:cNvSpPr>
+            <a:spLocks noGrp="1"/>
+          </p:cNvSpPr>
+          <p:nvPr>
+            <p:ph type="body" idx="1"/>
+          </p:nvPr>
+        </p:nvSpPr>
+        <p:spPr/>
+        <p:txBody>
+          <a:bodyPr/>
+          <a:lstStyle/>
+          <a:p>
+            <a:endParaRPr lang="it-IT"/>
+          </a:p>
+        </p:txBody>
+      </p:sp>
+      <p:sp>
+        <p:nvSpPr>
+          <p:cNvPr id="4" name="Segnaposto numero diapositiva 3"/>
+          <p:cNvSpPr>
+            <a:spLocks noGrp="1"/>
+          </p:cNvSpPr>
+          <p:nvPr>
+            <p:ph type="sldNum" sz="quarter" idx="10"/>
+          </p:nvPr>
+        </p:nvSpPr>
+        <p:spPr/>
+        <p:txBody>
+          <a:bodyPr/>
+          <a:lstStyle/>
+          <a:p>
+            <a:fld id="{6144C3C1-9CB0-424D-B523-46A47F46C92F}" type="slidenum">
+              <a:rPr lang="it-IT" smtClean="0"/>
+              <a:t>20</a:t>
+            </a:fld>
+            <a:endParaRPr lang="it-IT"/>
+          </a:p>
+        </p:txBody>
+      </p:sp>
+    </p:spTree>
+    <p:extLst>
+      <p:ext uri="{BB962C8B-B14F-4D97-AF65-F5344CB8AC3E}">
+        <p14:creationId xmlns:p14="http://schemas.microsoft.com/office/powerpoint/2010/main" val="1788956332"/>
+      </p:ext>
+    </p:extLst>
+  </p:cSld>
+  <p:clrMapOvr>
+    <a:masterClrMapping/>
+  </p:clrMapOvr>
+</p:notes>
+</file>
+
 <file path=ppt/slideLayouts/slideLayout1.xml><?xml version="1.0" encoding="utf-8"?>
 <p:sldLayout xmlns:a="http://schemas.openxmlformats.org/drawingml/2006/main" xmlns:r="http://schemas.openxmlformats.org/officeDocument/2006/relationships" xmlns:p="http://schemas.openxmlformats.org/presentationml/2006/main" showMasterSp="0" type="title" preserve="1">
   <p:cSld name="Diapositiva titolo">
@@ -1380,7 +1470,7 @@
           <a:p>
             <a:fld id="{3FDC9128-856B-5244-90F4-FB450D1439C6}" type="datetime1">
               <a:rPr lang="it-IT" smtClean="0"/>
-              <a:t>02/03/16</a:t>
+              <a:t>03/03/16</a:t>
             </a:fld>
             <a:endParaRPr lang="en-US" dirty="0"/>
           </a:p>
@@ -1598,7 +1688,7 @@
           <a:p>
             <a:fld id="{14472380-77F7-5C47-BA35-469C680C09A0}" type="datetime1">
               <a:rPr lang="it-IT" smtClean="0"/>
-              <a:t>02/03/16</a:t>
+              <a:t>03/03/16</a:t>
             </a:fld>
             <a:endParaRPr lang="en-US" dirty="0"/>
           </a:p>
@@ -1858,7 +1948,7 @@
           <a:p>
             <a:fld id="{DA1F7BD9-9F32-1245-958A-DA4466F21A07}" type="datetime1">
               <a:rPr lang="it-IT" smtClean="0"/>
-              <a:t>02/03/16</a:t>
+              <a:t>03/03/16</a:t>
             </a:fld>
             <a:endParaRPr lang="en-US" dirty="0"/>
           </a:p>
@@ -2037,7 +2127,7 @@
           <a:p>
             <a:fld id="{39FF9B01-E672-2E4F-ADC6-0C0391E6052E}" type="datetime1">
               <a:rPr lang="it-IT" smtClean="0"/>
-              <a:t>02/03/16</a:t>
+              <a:t>03/03/16</a:t>
             </a:fld>
             <a:endParaRPr lang="en-US" dirty="0"/>
           </a:p>
@@ -2384,7 +2474,7 @@
           <a:p>
             <a:fld id="{80862DA4-1593-D14F-9CCE-75DF3AC6F4C0}" type="datetime1">
               <a:rPr lang="it-IT" smtClean="0"/>
-              <a:t>02/03/16</a:t>
+              <a:t>03/03/16</a:t>
             </a:fld>
             <a:endParaRPr lang="en-US" dirty="0"/>
           </a:p>
@@ -2668,7 +2758,7 @@
           <a:p>
             <a:fld id="{D00C17FB-4FBA-944E-B839-065B374988CB}" type="datetime1">
               <a:rPr lang="it-IT" smtClean="0"/>
-              <a:t>02/03/16</a:t>
+              <a:t>03/03/16</a:t>
             </a:fld>
             <a:endParaRPr lang="en-US" dirty="0"/>
           </a:p>
@@ -3056,7 +3146,7 @@
           <a:p>
             <a:fld id="{FAC5DA2C-56E9-CA44-BE2F-260147980268}" type="datetime1">
               <a:rPr lang="it-IT" smtClean="0"/>
-              <a:t>02/03/16</a:t>
+              <a:t>03/03/16</a:t>
             </a:fld>
             <a:endParaRPr lang="en-US" dirty="0"/>
           </a:p>
@@ -3183,7 +3273,7 @@
           <a:p>
             <a:fld id="{502142DB-12DC-CE44-A8EE-DF78769FF985}" type="datetime1">
               <a:rPr lang="it-IT" smtClean="0"/>
-              <a:t>02/03/16</a:t>
+              <a:t>03/03/16</a:t>
             </a:fld>
             <a:endParaRPr lang="en-US" dirty="0"/>
           </a:p>
@@ -3358,7 +3448,7 @@
           <a:p>
             <a:fld id="{A7EA7B97-A760-0049-880A-BB396AE28676}" type="datetime1">
               <a:rPr lang="it-IT" smtClean="0"/>
-              <a:t>02/03/16</a:t>
+              <a:t>03/03/16</a:t>
             </a:fld>
             <a:endParaRPr lang="en-US" dirty="0"/>
           </a:p>
@@ -3716,7 +3806,7 @@
           <a:p>
             <a:fld id="{2C91DED7-3CDD-5849-8441-542D6EFF439F}" type="datetime1">
               <a:rPr lang="it-IT" smtClean="0"/>
-              <a:t>02/03/16</a:t>
+              <a:t>03/03/16</a:t>
             </a:fld>
             <a:endParaRPr lang="en-US" dirty="0"/>
           </a:p>
@@ -4102,7 +4192,7 @@
           <a:p>
             <a:fld id="{4E4FDF6B-73D8-E549-8603-39D6A36D7F35}" type="datetime1">
               <a:rPr lang="it-IT" smtClean="0"/>
-              <a:t>02/03/16</a:t>
+              <a:t>03/03/16</a:t>
             </a:fld>
             <a:endParaRPr lang="en-US" dirty="0"/>
           </a:p>
@@ -4393,7 +4483,7 @@
           <a:p>
             <a:fld id="{C65FEB8E-1DC7-E942-93E7-BB2F215906F3}" type="datetime1">
               <a:rPr lang="it-IT" smtClean="0"/>
-              <a:t>02/03/16</a:t>
+              <a:t>03/03/16</a:t>
             </a:fld>
             <a:endParaRPr lang="en-US" dirty="0"/>
           </a:p>
@@ -5875,11 +5965,7 @@
             </a:r>
             <a:r>
               <a:rPr lang="it-IT" dirty="0" err="1" smtClean="0"/>
-              <a:t>Fa</a:t>
-            </a:r>
-            <a:r>
-              <a:rPr lang="it-IT" dirty="0" err="1" smtClean="0"/>
-              <a:t>çade</a:t>
+              <a:t>Façade</a:t>
             </a:r>
             <a:endParaRPr lang="it-IT" dirty="0" smtClean="0"/>
           </a:p>
@@ -6274,7 +6360,6 @@
               <a:rPr lang="it-IT" dirty="0"/>
               <a:t> </a:t>
             </a:r>
-            <a:endParaRPr lang="it-IT" dirty="0"/>
           </a:p>
           <a:p>
             <a:pPr lvl="1">
@@ -7921,6 +8006,13 @@
   <p:clrMapOvr>
     <a:masterClrMapping/>
   </p:clrMapOvr>
+  <p:timing>
+    <p:tnLst>
+      <p:par>
+        <p:cTn id="1" dur="indefinite" restart="never" nodeType="tmRoot"/>
+      </p:par>
+    </p:tnLst>
+  </p:timing>
 </p:sld>
 </file>
 
@@ -8621,6 +8713,13 @@
   <p:clrMapOvr>
     <a:masterClrMapping/>
   </p:clrMapOvr>
+  <p:timing>
+    <p:tnLst>
+      <p:par>
+        <p:cTn id="1" dur="indefinite" restart="never" nodeType="tmRoot"/>
+      </p:par>
+    </p:tnLst>
+  </p:timing>
 </p:sld>
 </file>
 
@@ -9220,6 +9319,568 @@
     <p:extLst>
       <p:ext uri="{BB962C8B-B14F-4D97-AF65-F5344CB8AC3E}">
         <p14:creationId xmlns:p14="http://schemas.microsoft.com/office/powerpoint/2010/main" val="1812626327"/>
+      </p:ext>
+    </p:extLst>
+  </p:cSld>
+  <p:clrMapOvr>
+    <a:masterClrMapping/>
+  </p:clrMapOvr>
+  <p:timing>
+    <p:tnLst>
+      <p:par>
+        <p:cTn id="1" dur="indefinite" restart="never" nodeType="tmRoot"/>
+      </p:par>
+    </p:tnLst>
+  </p:timing>
+</p:sld>
+</file>
+
+<file path=ppt/slides/slide19.xml><?xml version="1.0" encoding="utf-8"?>
+<p:sld xmlns:a="http://schemas.openxmlformats.org/drawingml/2006/main" xmlns:r="http://schemas.openxmlformats.org/officeDocument/2006/relationships" xmlns:p="http://schemas.openxmlformats.org/presentationml/2006/main">
+  <p:cSld>
+    <p:spTree>
+      <p:nvGrpSpPr>
+        <p:cNvPr id="1" name=""/>
+        <p:cNvGrpSpPr/>
+        <p:nvPr/>
+      </p:nvGrpSpPr>
+      <p:grpSpPr>
+        <a:xfrm>
+          <a:off x="0" y="0"/>
+          <a:ext cx="0" cy="0"/>
+          <a:chOff x="0" y="0"/>
+          <a:chExt cx="0" cy="0"/>
+        </a:xfrm>
+      </p:grpSpPr>
+      <p:sp>
+        <p:nvSpPr>
+          <p:cNvPr id="2" name="Titolo 1"/>
+          <p:cNvSpPr>
+            <a:spLocks noGrp="1"/>
+          </p:cNvSpPr>
+          <p:nvPr>
+            <p:ph type="title"/>
+          </p:nvPr>
+        </p:nvSpPr>
+        <p:spPr/>
+        <p:txBody>
+          <a:bodyPr/>
+          <a:lstStyle/>
+          <a:p>
+            <a:r>
+              <a:rPr lang="it-IT" dirty="0" smtClean="0"/>
+              <a:t>Integration </a:t>
+            </a:r>
+            <a:r>
+              <a:rPr lang="it-IT" dirty="0" err="1" smtClean="0"/>
+              <a:t>Testing</a:t>
+            </a:r>
+            <a:endParaRPr lang="it-IT" dirty="0"/>
+          </a:p>
+        </p:txBody>
+      </p:sp>
+      <p:sp>
+        <p:nvSpPr>
+          <p:cNvPr id="3" name="Segnaposto testo 2"/>
+          <p:cNvSpPr>
+            <a:spLocks noGrp="1"/>
+          </p:cNvSpPr>
+          <p:nvPr>
+            <p:ph type="body" idx="1"/>
+          </p:nvPr>
+        </p:nvSpPr>
+        <p:spPr/>
+        <p:txBody>
+          <a:bodyPr/>
+          <a:lstStyle/>
+          <a:p>
+            <a:r>
+              <a:rPr lang="it-IT" dirty="0" smtClean="0"/>
+              <a:t>ENTRY CRITERIA</a:t>
+            </a:r>
+            <a:endParaRPr lang="it-IT" dirty="0"/>
+          </a:p>
+        </p:txBody>
+      </p:sp>
+      <p:sp>
+        <p:nvSpPr>
+          <p:cNvPr id="4" name="Segnaposto contenuto 3"/>
+          <p:cNvSpPr>
+            <a:spLocks noGrp="1"/>
+          </p:cNvSpPr>
+          <p:nvPr>
+            <p:ph sz="half" idx="2"/>
+          </p:nvPr>
+        </p:nvSpPr>
+        <p:spPr/>
+        <p:txBody>
+          <a:bodyPr>
+            <a:normAutofit/>
+          </a:bodyPr>
+          <a:lstStyle/>
+          <a:p>
+            <a:pPr>
+              <a:buFont typeface="Arial" charset="0"/>
+              <a:buChar char="•"/>
+            </a:pPr>
+            <a:r>
+              <a:rPr lang="it-IT" dirty="0"/>
+              <a:t> </a:t>
+            </a:r>
+            <a:r>
+              <a:rPr lang="it-IT" dirty="0" smtClean="0"/>
+              <a:t>RASD and DD </a:t>
+            </a:r>
+            <a:r>
+              <a:rPr lang="it-IT" dirty="0" err="1" smtClean="0"/>
+              <a:t>fully</a:t>
+            </a:r>
+            <a:r>
+              <a:rPr lang="it-IT" dirty="0" smtClean="0"/>
+              <a:t> </a:t>
+            </a:r>
+            <a:r>
+              <a:rPr lang="it-IT" dirty="0" err="1" smtClean="0"/>
+              <a:t>written</a:t>
+            </a:r>
+            <a:r>
+              <a:rPr lang="it-IT" dirty="0" smtClean="0"/>
+              <a:t> and </a:t>
+            </a:r>
+            <a:r>
+              <a:rPr lang="it-IT" dirty="0" err="1" smtClean="0"/>
+              <a:t>reviewed</a:t>
+            </a:r>
+            <a:endParaRPr lang="it-IT" dirty="0" smtClean="0"/>
+          </a:p>
+          <a:p>
+            <a:pPr>
+              <a:buFont typeface="Arial" charset="0"/>
+              <a:buChar char="•"/>
+            </a:pPr>
+            <a:r>
+              <a:rPr lang="it-IT" dirty="0"/>
+              <a:t> </a:t>
+            </a:r>
+            <a:r>
+              <a:rPr lang="it-IT" dirty="0" smtClean="0"/>
+              <a:t>Data Access Utilities: 100% complete</a:t>
+            </a:r>
+          </a:p>
+          <a:p>
+            <a:pPr>
+              <a:buFont typeface="Arial" charset="0"/>
+              <a:buChar char="•"/>
+            </a:pPr>
+            <a:r>
+              <a:rPr lang="it-IT" dirty="0"/>
+              <a:t> </a:t>
+            </a:r>
+            <a:r>
+              <a:rPr lang="it-IT" dirty="0" smtClean="0"/>
+              <a:t>Taxi Management System: 90% complete</a:t>
+            </a:r>
+          </a:p>
+          <a:p>
+            <a:pPr>
+              <a:buFont typeface="Arial" charset="0"/>
+              <a:buChar char="•"/>
+            </a:pPr>
+            <a:r>
+              <a:rPr lang="it-IT" dirty="0"/>
+              <a:t> </a:t>
+            </a:r>
+            <a:r>
+              <a:rPr lang="it-IT" dirty="0" smtClean="0"/>
+              <a:t>Account Management: 70% complete</a:t>
+            </a:r>
+          </a:p>
+          <a:p>
+            <a:pPr>
+              <a:buFont typeface="Arial" charset="0"/>
+              <a:buChar char="•"/>
+            </a:pPr>
+            <a:r>
+              <a:rPr lang="it-IT" dirty="0"/>
+              <a:t> </a:t>
+            </a:r>
+            <a:r>
+              <a:rPr lang="it-IT" dirty="0" smtClean="0"/>
+              <a:t>System Administration: 70% complete</a:t>
+            </a:r>
+          </a:p>
+          <a:p>
+            <a:pPr>
+              <a:buFont typeface="Arial" charset="0"/>
+              <a:buChar char="•"/>
+            </a:pPr>
+            <a:r>
+              <a:rPr lang="it-IT" dirty="0"/>
+              <a:t> </a:t>
+            </a:r>
+            <a:r>
+              <a:rPr lang="it-IT" dirty="0" smtClean="0"/>
+              <a:t>Client </a:t>
+            </a:r>
+            <a:r>
+              <a:rPr lang="it-IT" dirty="0" err="1" smtClean="0"/>
+              <a:t>Apps</a:t>
+            </a:r>
+            <a:r>
+              <a:rPr lang="it-IT" dirty="0" smtClean="0"/>
+              <a:t>: 50% complete</a:t>
+            </a:r>
+          </a:p>
+          <a:p>
+            <a:pPr>
+              <a:buFont typeface="Arial" charset="0"/>
+              <a:buChar char="•"/>
+            </a:pPr>
+            <a:endParaRPr lang="it-IT" dirty="0" smtClean="0"/>
+          </a:p>
+        </p:txBody>
+      </p:sp>
+      <p:sp>
+        <p:nvSpPr>
+          <p:cNvPr id="5" name="Segnaposto testo 4"/>
+          <p:cNvSpPr>
+            <a:spLocks noGrp="1"/>
+          </p:cNvSpPr>
+          <p:nvPr>
+            <p:ph type="body" sz="quarter" idx="3"/>
+          </p:nvPr>
+        </p:nvSpPr>
+        <p:spPr/>
+        <p:txBody>
+          <a:bodyPr/>
+          <a:lstStyle/>
+          <a:p>
+            <a:r>
+              <a:rPr lang="it-IT" dirty="0" smtClean="0"/>
+              <a:t>INTEGRATION STRATEGY</a:t>
+            </a:r>
+            <a:endParaRPr lang="it-IT" dirty="0"/>
+          </a:p>
+        </p:txBody>
+      </p:sp>
+      <p:sp>
+        <p:nvSpPr>
+          <p:cNvPr id="6" name="Segnaposto contenuto 5"/>
+          <p:cNvSpPr>
+            <a:spLocks noGrp="1"/>
+          </p:cNvSpPr>
+          <p:nvPr>
+            <p:ph sz="quarter" idx="4"/>
+          </p:nvPr>
+        </p:nvSpPr>
+        <p:spPr/>
+        <p:txBody>
+          <a:bodyPr/>
+          <a:lstStyle/>
+          <a:p>
+            <a:pPr>
+              <a:buFont typeface="Arial" charset="0"/>
+              <a:buChar char="•"/>
+            </a:pPr>
+            <a:r>
+              <a:rPr lang="it-IT" dirty="0"/>
+              <a:t> Components are </a:t>
+            </a:r>
+            <a:r>
+              <a:rPr lang="it-IT" dirty="0" err="1"/>
+              <a:t>integrated</a:t>
+            </a:r>
+            <a:r>
+              <a:rPr lang="it-IT" dirty="0"/>
+              <a:t> </a:t>
+            </a:r>
+            <a:r>
+              <a:rPr lang="it-IT" dirty="0" err="1"/>
+              <a:t>when</a:t>
+            </a:r>
+            <a:r>
+              <a:rPr lang="it-IT" dirty="0"/>
+              <a:t> </a:t>
+            </a:r>
+            <a:r>
+              <a:rPr lang="it-IT" dirty="0" err="1"/>
+              <a:t>they</a:t>
+            </a:r>
+            <a:r>
+              <a:rPr lang="it-IT" dirty="0"/>
+              <a:t> </a:t>
+            </a:r>
+            <a:r>
+              <a:rPr lang="it-IT" dirty="0" err="1"/>
+              <a:t>reach</a:t>
+            </a:r>
+            <a:r>
+              <a:rPr lang="it-IT" dirty="0"/>
+              <a:t> 90% </a:t>
+            </a:r>
+            <a:r>
+              <a:rPr lang="it-IT" dirty="0" err="1"/>
+              <a:t>completion</a:t>
+            </a:r>
+            <a:endParaRPr lang="it-IT" dirty="0"/>
+          </a:p>
+          <a:p>
+            <a:pPr>
+              <a:buFont typeface="Arial" charset="0"/>
+              <a:buChar char="•"/>
+            </a:pPr>
+            <a:r>
+              <a:rPr lang="it-IT" dirty="0" smtClean="0"/>
+              <a:t> Bottom up </a:t>
+            </a:r>
+            <a:r>
+              <a:rPr lang="it-IT" dirty="0" err="1" smtClean="0"/>
+              <a:t>approach</a:t>
+            </a:r>
+            <a:endParaRPr lang="it-IT" dirty="0" smtClean="0"/>
+          </a:p>
+          <a:p>
+            <a:pPr lvl="1">
+              <a:buFont typeface="Arial" charset="0"/>
+              <a:buChar char="•"/>
+            </a:pPr>
+            <a:r>
+              <a:rPr lang="it-IT" dirty="0" err="1" smtClean="0"/>
+              <a:t>Reflects</a:t>
+            </a:r>
+            <a:r>
+              <a:rPr lang="it-IT" dirty="0" smtClean="0"/>
+              <a:t> the </a:t>
+            </a:r>
+            <a:r>
+              <a:rPr lang="it-IT" dirty="0" err="1" smtClean="0"/>
+              <a:t>development</a:t>
+            </a:r>
+            <a:r>
+              <a:rPr lang="it-IT" dirty="0" smtClean="0"/>
+              <a:t> </a:t>
+            </a:r>
+            <a:r>
+              <a:rPr lang="it-IT" dirty="0" err="1" smtClean="0"/>
+              <a:t>process</a:t>
+            </a:r>
+            <a:endParaRPr lang="it-IT" dirty="0" smtClean="0"/>
+          </a:p>
+          <a:p>
+            <a:pPr lvl="1">
+              <a:buFont typeface="Arial" charset="0"/>
+              <a:buChar char="•"/>
+            </a:pPr>
+            <a:r>
+              <a:rPr lang="it-IT" dirty="0" err="1" smtClean="0"/>
+              <a:t>Discover</a:t>
+            </a:r>
+            <a:r>
+              <a:rPr lang="it-IT" dirty="0" smtClean="0"/>
+              <a:t> </a:t>
+            </a:r>
+            <a:r>
+              <a:rPr lang="it-IT" dirty="0" err="1" smtClean="0"/>
+              <a:t>errors</a:t>
+            </a:r>
+            <a:r>
+              <a:rPr lang="it-IT" dirty="0" smtClean="0"/>
+              <a:t> </a:t>
+            </a:r>
+            <a:r>
+              <a:rPr lang="it-IT" dirty="0" err="1" smtClean="0"/>
+              <a:t>earlier</a:t>
+            </a:r>
+            <a:endParaRPr lang="it-IT" dirty="0" smtClean="0"/>
+          </a:p>
+          <a:p>
+            <a:pPr>
+              <a:buFont typeface="Arial" charset="0"/>
+              <a:buChar char="•"/>
+            </a:pPr>
+            <a:r>
+              <a:rPr lang="it-IT" dirty="0"/>
+              <a:t> </a:t>
+            </a:r>
+            <a:r>
+              <a:rPr lang="it-IT" dirty="0" smtClean="0"/>
+              <a:t>In case of </a:t>
+            </a:r>
+            <a:r>
+              <a:rPr lang="it-IT" dirty="0" err="1" smtClean="0"/>
+              <a:t>ties</a:t>
+            </a:r>
+            <a:r>
+              <a:rPr lang="it-IT" dirty="0" smtClean="0"/>
+              <a:t>: </a:t>
+            </a:r>
+            <a:r>
+              <a:rPr lang="it-IT" dirty="0" err="1" smtClean="0"/>
+              <a:t>critical</a:t>
+            </a:r>
+            <a:r>
+              <a:rPr lang="it-IT" dirty="0" smtClean="0"/>
+              <a:t>-</a:t>
+            </a:r>
+            <a:r>
+              <a:rPr lang="it-IT" dirty="0" err="1" smtClean="0"/>
+              <a:t>module</a:t>
+            </a:r>
+            <a:r>
+              <a:rPr lang="it-IT" dirty="0" smtClean="0"/>
+              <a:t>-first </a:t>
+            </a:r>
+            <a:r>
+              <a:rPr lang="it-IT" dirty="0" err="1" smtClean="0"/>
+              <a:t>approach</a:t>
+            </a:r>
+            <a:endParaRPr lang="it-IT" dirty="0"/>
+          </a:p>
+          <a:p>
+            <a:pPr lvl="1">
+              <a:buFont typeface="Arial" charset="0"/>
+              <a:buChar char="•"/>
+            </a:pPr>
+            <a:r>
+              <a:rPr lang="it-IT" dirty="0" err="1" smtClean="0"/>
+              <a:t>Subsystems</a:t>
+            </a:r>
+            <a:r>
+              <a:rPr lang="it-IT" dirty="0" smtClean="0"/>
+              <a:t> are </a:t>
+            </a:r>
+            <a:r>
+              <a:rPr lang="it-IT" dirty="0" err="1" smtClean="0"/>
+              <a:t>fairly</a:t>
+            </a:r>
+            <a:r>
+              <a:rPr lang="it-IT" dirty="0" smtClean="0"/>
+              <a:t> </a:t>
+            </a:r>
+            <a:r>
+              <a:rPr lang="it-IT" dirty="0" err="1" smtClean="0"/>
+              <a:t>independent</a:t>
+            </a:r>
+            <a:r>
+              <a:rPr lang="it-IT" dirty="0" smtClean="0"/>
+              <a:t> from </a:t>
+            </a:r>
+            <a:r>
+              <a:rPr lang="it-IT" dirty="0" err="1" smtClean="0"/>
+              <a:t>one</a:t>
+            </a:r>
+            <a:r>
+              <a:rPr lang="it-IT" dirty="0" smtClean="0"/>
+              <a:t> </a:t>
+            </a:r>
+            <a:r>
+              <a:rPr lang="it-IT" dirty="0" err="1" smtClean="0"/>
+              <a:t>another</a:t>
+            </a:r>
+            <a:endParaRPr lang="it-IT" dirty="0"/>
+          </a:p>
+          <a:p>
+            <a:pPr lvl="1">
+              <a:buFont typeface="Arial" charset="0"/>
+              <a:buChar char="•"/>
+            </a:pPr>
+            <a:r>
+              <a:rPr lang="it-IT" dirty="0" err="1" smtClean="0"/>
+              <a:t>Gives</a:t>
+            </a:r>
+            <a:r>
+              <a:rPr lang="it-IT" dirty="0" smtClean="0"/>
+              <a:t> </a:t>
+            </a:r>
+            <a:r>
+              <a:rPr lang="it-IT" dirty="0" err="1" smtClean="0"/>
+              <a:t>precedence</a:t>
+            </a:r>
+            <a:r>
+              <a:rPr lang="it-IT" dirty="0" smtClean="0"/>
+              <a:t> to </a:t>
+            </a:r>
+            <a:r>
+              <a:rPr lang="it-IT" dirty="0" err="1" smtClean="0"/>
+              <a:t>most</a:t>
+            </a:r>
+            <a:r>
+              <a:rPr lang="it-IT" dirty="0" smtClean="0"/>
+              <a:t> </a:t>
+            </a:r>
+            <a:r>
+              <a:rPr lang="it-IT" dirty="0" err="1" smtClean="0"/>
+              <a:t>critical</a:t>
+            </a:r>
+            <a:r>
+              <a:rPr lang="it-IT" dirty="0" smtClean="0"/>
+              <a:t> </a:t>
+            </a:r>
+            <a:r>
+              <a:rPr lang="it-IT" dirty="0" err="1" smtClean="0"/>
+              <a:t>functionalities</a:t>
+            </a:r>
+            <a:endParaRPr lang="it-IT" dirty="0"/>
+          </a:p>
+          <a:p>
+            <a:pPr lvl="1">
+              <a:buFont typeface="Arial" charset="0"/>
+              <a:buChar char="•"/>
+            </a:pPr>
+            <a:endParaRPr lang="it-IT" dirty="0"/>
+          </a:p>
+        </p:txBody>
+      </p:sp>
+      <p:sp>
+        <p:nvSpPr>
+          <p:cNvPr id="7" name="Segnaposto piè di pagina 6"/>
+          <p:cNvSpPr>
+            <a:spLocks noGrp="1"/>
+          </p:cNvSpPr>
+          <p:nvPr>
+            <p:ph type="ftr" sz="quarter" idx="11"/>
+          </p:nvPr>
+        </p:nvSpPr>
+        <p:spPr/>
+        <p:txBody>
+          <a:bodyPr/>
+          <a:lstStyle/>
+          <a:p>
+            <a:r>
+              <a:rPr lang="en-US" smtClean="0"/>
+              <a:t>Software Engineering 2: myTaxiService - Casati Fabrizio, Castelli Valerio</a:t>
+            </a:r>
+            <a:endParaRPr lang="en-US" dirty="0"/>
+          </a:p>
+        </p:txBody>
+      </p:sp>
+      <p:sp>
+        <p:nvSpPr>
+          <p:cNvPr id="8" name="Segnaposto numero diapositiva 7"/>
+          <p:cNvSpPr>
+            <a:spLocks noGrp="1"/>
+          </p:cNvSpPr>
+          <p:nvPr>
+            <p:ph type="sldNum" sz="quarter" idx="12"/>
+          </p:nvPr>
+        </p:nvSpPr>
+        <p:spPr/>
+        <p:txBody>
+          <a:bodyPr/>
+          <a:lstStyle/>
+          <a:p>
+            <a:fld id="{6D22F896-40B5-4ADD-8801-0D06FADFA095}" type="slidenum">
+              <a:rPr lang="en-US" smtClean="0"/>
+              <a:t>19</a:t>
+            </a:fld>
+            <a:endParaRPr lang="en-US" dirty="0"/>
+          </a:p>
+        </p:txBody>
+      </p:sp>
+    </p:spTree>
+    <p:extLst>
+      <p:ext uri="{BB962C8B-B14F-4D97-AF65-F5344CB8AC3E}">
+        <p14:creationId xmlns:p14="http://schemas.microsoft.com/office/powerpoint/2010/main" val="83522726"/>
       </p:ext>
     </p:extLst>
   </p:cSld>
@@ -9694,6 +10355,2248 @@
 </p:sld>
 </file>
 
+<file path=ppt/slides/slide20.xml><?xml version="1.0" encoding="utf-8"?>
+<p:sld xmlns:a="http://schemas.openxmlformats.org/drawingml/2006/main" xmlns:r="http://schemas.openxmlformats.org/officeDocument/2006/relationships" xmlns:p="http://schemas.openxmlformats.org/presentationml/2006/main">
+  <p:cSld>
+    <p:spTree>
+      <p:nvGrpSpPr>
+        <p:cNvPr id="1" name=""/>
+        <p:cNvGrpSpPr/>
+        <p:nvPr/>
+      </p:nvGrpSpPr>
+      <p:grpSpPr>
+        <a:xfrm>
+          <a:off x="0" y="0"/>
+          <a:ext cx="0" cy="0"/>
+          <a:chOff x="0" y="0"/>
+          <a:chExt cx="0" cy="0"/>
+        </a:xfrm>
+      </p:grpSpPr>
+      <p:sp>
+        <p:nvSpPr>
+          <p:cNvPr id="2" name="Titolo 1"/>
+          <p:cNvSpPr>
+            <a:spLocks noGrp="1"/>
+          </p:cNvSpPr>
+          <p:nvPr>
+            <p:ph type="title"/>
+          </p:nvPr>
+        </p:nvSpPr>
+        <p:spPr/>
+        <p:txBody>
+          <a:bodyPr/>
+          <a:lstStyle/>
+          <a:p>
+            <a:r>
+              <a:rPr lang="it-IT" dirty="0" smtClean="0"/>
+              <a:t>Integration of </a:t>
+            </a:r>
+            <a:r>
+              <a:rPr lang="it-IT" dirty="0" err="1" smtClean="0"/>
+              <a:t>components</a:t>
+            </a:r>
+            <a:endParaRPr lang="it-IT" dirty="0"/>
+          </a:p>
+        </p:txBody>
+      </p:sp>
+      <p:sp>
+        <p:nvSpPr>
+          <p:cNvPr id="3" name="Segnaposto testo 2"/>
+          <p:cNvSpPr>
+            <a:spLocks noGrp="1"/>
+          </p:cNvSpPr>
+          <p:nvPr>
+            <p:ph type="body" idx="1"/>
+          </p:nvPr>
+        </p:nvSpPr>
+        <p:spPr>
+          <a:xfrm>
+            <a:off x="100851" y="1846052"/>
+            <a:ext cx="3944518" cy="736282"/>
+          </a:xfrm>
+        </p:spPr>
+        <p:txBody>
+          <a:bodyPr/>
+          <a:lstStyle/>
+          <a:p>
+            <a:r>
+              <a:rPr lang="it-IT" dirty="0" smtClean="0"/>
+              <a:t>      </a:t>
+            </a:r>
+            <a:r>
+              <a:rPr lang="it-IT" dirty="0" smtClean="0"/>
+              <a:t>TAXI MANAGEMENT SYSTEM</a:t>
+            </a:r>
+            <a:endParaRPr lang="it-IT" dirty="0"/>
+          </a:p>
+        </p:txBody>
+      </p:sp>
+      <p:sp>
+        <p:nvSpPr>
+          <p:cNvPr id="7" name="Segnaposto numero diapositiva 6"/>
+          <p:cNvSpPr>
+            <a:spLocks noGrp="1"/>
+          </p:cNvSpPr>
+          <p:nvPr>
+            <p:ph type="sldNum" sz="quarter" idx="12"/>
+          </p:nvPr>
+        </p:nvSpPr>
+        <p:spPr/>
+        <p:txBody>
+          <a:bodyPr/>
+          <a:lstStyle/>
+          <a:p>
+            <a:fld id="{6D22F896-40B5-4ADD-8801-0D06FADFA095}" type="slidenum">
+              <a:rPr lang="en-US" smtClean="0"/>
+              <a:t>20</a:t>
+            </a:fld>
+            <a:endParaRPr lang="en-US" dirty="0"/>
+          </a:p>
+        </p:txBody>
+      </p:sp>
+      <p:sp>
+        <p:nvSpPr>
+          <p:cNvPr id="8" name="Segnaposto piè di pagina 7"/>
+          <p:cNvSpPr>
+            <a:spLocks noGrp="1"/>
+          </p:cNvSpPr>
+          <p:nvPr>
+            <p:ph type="ftr" sz="quarter" idx="11"/>
+          </p:nvPr>
+        </p:nvSpPr>
+        <p:spPr/>
+        <p:txBody>
+          <a:bodyPr/>
+          <a:lstStyle/>
+          <a:p>
+            <a:r>
+              <a:rPr lang="en-US" smtClean="0"/>
+              <a:t>Software Engineering 2: myTaxiService - Casati Fabrizio, Castelli Valerio</a:t>
+            </a:r>
+            <a:endParaRPr lang="en-US" dirty="0"/>
+          </a:p>
+        </p:txBody>
+      </p:sp>
+      <p:pic>
+        <p:nvPicPr>
+          <p:cNvPr id="11" name="Segnaposto contenuto 10"/>
+          <p:cNvPicPr>
+            <a:picLocks noGrp="1" noChangeAspect="1"/>
+          </p:cNvPicPr>
+          <p:nvPr>
+            <p:ph sz="half" idx="2"/>
+          </p:nvPr>
+        </p:nvPicPr>
+        <p:blipFill>
+          <a:blip r:embed="rId3">
+            <a:extLst>
+              <a:ext uri="{28A0092B-C50C-407E-A947-70E740481C1C}">
+                <a14:useLocalDpi xmlns:a14="http://schemas.microsoft.com/office/drawing/2010/main" val="0"/>
+              </a:ext>
+            </a:extLst>
+          </a:blip>
+          <a:stretch>
+            <a:fillRect/>
+          </a:stretch>
+        </p:blipFill>
+        <p:spPr>
+          <a:xfrm>
+            <a:off x="48148" y="2944062"/>
+            <a:ext cx="3997221" cy="2309021"/>
+          </a:xfrm>
+        </p:spPr>
+      </p:pic>
+      <p:sp>
+        <p:nvSpPr>
+          <p:cNvPr id="13" name="Segnaposto testo 2"/>
+          <p:cNvSpPr>
+            <a:spLocks noGrp="1"/>
+          </p:cNvSpPr>
+          <p:nvPr>
+            <p:ph type="body" idx="1"/>
+          </p:nvPr>
+        </p:nvSpPr>
+        <p:spPr>
+          <a:xfrm>
+            <a:off x="4415881" y="1846052"/>
+            <a:ext cx="3548158" cy="736282"/>
+          </a:xfrm>
+        </p:spPr>
+        <p:txBody>
+          <a:bodyPr/>
+          <a:lstStyle/>
+          <a:p>
+            <a:pPr algn="ctr"/>
+            <a:r>
+              <a:rPr lang="it-IT" dirty="0" smtClean="0"/>
+              <a:t>SYSTEM ADMINISTRATION</a:t>
+            </a:r>
+            <a:endParaRPr lang="it-IT" dirty="0"/>
+          </a:p>
+        </p:txBody>
+      </p:sp>
+      <p:pic>
+        <p:nvPicPr>
+          <p:cNvPr id="14" name="Segnaposto contenuto 10"/>
+          <p:cNvPicPr>
+            <a:picLocks noGrp="1" noChangeAspect="1"/>
+          </p:cNvPicPr>
+          <p:nvPr>
+            <p:ph sz="half" idx="2"/>
+          </p:nvPr>
+        </p:nvPicPr>
+        <p:blipFill>
+          <a:blip r:embed="rId4">
+            <a:extLst>
+              <a:ext uri="{28A0092B-C50C-407E-A947-70E740481C1C}">
+                <a14:useLocalDpi xmlns:a14="http://schemas.microsoft.com/office/drawing/2010/main" val="0"/>
+              </a:ext>
+            </a:extLst>
+          </a:blip>
+          <a:stretch>
+            <a:fillRect/>
+          </a:stretch>
+        </p:blipFill>
+        <p:spPr>
+          <a:xfrm>
+            <a:off x="4291658" y="2486797"/>
+            <a:ext cx="3744150" cy="624025"/>
+          </a:xfrm>
+        </p:spPr>
+      </p:pic>
+      <p:sp>
+        <p:nvSpPr>
+          <p:cNvPr id="15" name="Segnaposto testo 2"/>
+          <p:cNvSpPr>
+            <a:spLocks noGrp="1"/>
+          </p:cNvSpPr>
+          <p:nvPr>
+            <p:ph type="body" idx="1"/>
+          </p:nvPr>
+        </p:nvSpPr>
+        <p:spPr>
+          <a:xfrm>
+            <a:off x="8315496" y="1846052"/>
+            <a:ext cx="3639476" cy="736282"/>
+          </a:xfrm>
+        </p:spPr>
+        <p:txBody>
+          <a:bodyPr/>
+          <a:lstStyle/>
+          <a:p>
+            <a:pPr algn="ctr"/>
+            <a:r>
+              <a:rPr lang="it-IT" dirty="0" smtClean="0"/>
+              <a:t>ACCOUNT MANAGEMENT</a:t>
+            </a:r>
+            <a:endParaRPr lang="it-IT" dirty="0"/>
+          </a:p>
+        </p:txBody>
+      </p:sp>
+      <p:pic>
+        <p:nvPicPr>
+          <p:cNvPr id="12" name="Segnaposto contenuto 10"/>
+          <p:cNvPicPr>
+            <a:picLocks noGrp="1" noChangeAspect="1"/>
+          </p:cNvPicPr>
+          <p:nvPr>
+            <p:ph sz="half" idx="2"/>
+          </p:nvPr>
+        </p:nvPicPr>
+        <p:blipFill>
+          <a:blip r:embed="rId5">
+            <a:extLst>
+              <a:ext uri="{28A0092B-C50C-407E-A947-70E740481C1C}">
+                <a14:useLocalDpi xmlns:a14="http://schemas.microsoft.com/office/drawing/2010/main" val="0"/>
+              </a:ext>
+            </a:extLst>
+          </a:blip>
+          <a:stretch>
+            <a:fillRect/>
+          </a:stretch>
+        </p:blipFill>
+        <p:spPr>
+          <a:xfrm>
+            <a:off x="4291658" y="3200884"/>
+            <a:ext cx="3744150" cy="624025"/>
+          </a:xfrm>
+        </p:spPr>
+      </p:pic>
+      <p:pic>
+        <p:nvPicPr>
+          <p:cNvPr id="17" name="Segnaposto contenuto 10"/>
+          <p:cNvPicPr>
+            <a:picLocks noGrp="1" noChangeAspect="1"/>
+          </p:cNvPicPr>
+          <p:nvPr>
+            <p:ph sz="half" idx="2"/>
+          </p:nvPr>
+        </p:nvPicPr>
+        <p:blipFill>
+          <a:blip r:embed="rId6">
+            <a:extLst>
+              <a:ext uri="{28A0092B-C50C-407E-A947-70E740481C1C}">
+                <a14:useLocalDpi xmlns:a14="http://schemas.microsoft.com/office/drawing/2010/main" val="0"/>
+              </a:ext>
+            </a:extLst>
+          </a:blip>
+          <a:stretch>
+            <a:fillRect/>
+          </a:stretch>
+        </p:blipFill>
+        <p:spPr>
+          <a:xfrm>
+            <a:off x="4291658" y="3914971"/>
+            <a:ext cx="3744150" cy="624025"/>
+          </a:xfrm>
+        </p:spPr>
+      </p:pic>
+      <p:pic>
+        <p:nvPicPr>
+          <p:cNvPr id="18" name="Segnaposto contenuto 10"/>
+          <p:cNvPicPr>
+            <a:picLocks noGrp="1" noChangeAspect="1"/>
+          </p:cNvPicPr>
+          <p:nvPr>
+            <p:ph sz="half" idx="2"/>
+          </p:nvPr>
+        </p:nvPicPr>
+        <p:blipFill>
+          <a:blip r:embed="rId7">
+            <a:extLst>
+              <a:ext uri="{28A0092B-C50C-407E-A947-70E740481C1C}">
+                <a14:useLocalDpi xmlns:a14="http://schemas.microsoft.com/office/drawing/2010/main" val="0"/>
+              </a:ext>
+            </a:extLst>
+          </a:blip>
+          <a:stretch>
+            <a:fillRect/>
+          </a:stretch>
+        </p:blipFill>
+        <p:spPr>
+          <a:xfrm>
+            <a:off x="4291658" y="4629058"/>
+            <a:ext cx="3744150" cy="624025"/>
+          </a:xfrm>
+        </p:spPr>
+      </p:pic>
+      <p:pic>
+        <p:nvPicPr>
+          <p:cNvPr id="19" name="Segnaposto contenuto 10"/>
+          <p:cNvPicPr>
+            <a:picLocks noGrp="1" noChangeAspect="1"/>
+          </p:cNvPicPr>
+          <p:nvPr>
+            <p:ph sz="half" idx="2"/>
+          </p:nvPr>
+        </p:nvPicPr>
+        <p:blipFill>
+          <a:blip r:embed="rId8">
+            <a:extLst>
+              <a:ext uri="{28A0092B-C50C-407E-A947-70E740481C1C}">
+                <a14:useLocalDpi xmlns:a14="http://schemas.microsoft.com/office/drawing/2010/main" val="0"/>
+              </a:ext>
+            </a:extLst>
+          </a:blip>
+          <a:stretch>
+            <a:fillRect/>
+          </a:stretch>
+        </p:blipFill>
+        <p:spPr>
+          <a:xfrm>
+            <a:off x="4291658" y="5302798"/>
+            <a:ext cx="3744150" cy="624025"/>
+          </a:xfrm>
+        </p:spPr>
+      </p:pic>
+      <p:pic>
+        <p:nvPicPr>
+          <p:cNvPr id="21" name="Segnaposto contenuto 10"/>
+          <p:cNvPicPr>
+            <a:picLocks noGrp="1" noChangeAspect="1"/>
+          </p:cNvPicPr>
+          <p:nvPr>
+            <p:ph sz="half" idx="2"/>
+          </p:nvPr>
+        </p:nvPicPr>
+        <p:blipFill>
+          <a:blip r:embed="rId9">
+            <a:extLst>
+              <a:ext uri="{28A0092B-C50C-407E-A947-70E740481C1C}">
+                <a14:useLocalDpi xmlns:a14="http://schemas.microsoft.com/office/drawing/2010/main" val="0"/>
+              </a:ext>
+            </a:extLst>
+          </a:blip>
+          <a:stretch>
+            <a:fillRect/>
+          </a:stretch>
+        </p:blipFill>
+        <p:spPr>
+          <a:xfrm>
+            <a:off x="8294215" y="2486797"/>
+            <a:ext cx="3744150" cy="624025"/>
+          </a:xfrm>
+        </p:spPr>
+      </p:pic>
+      <p:pic>
+        <p:nvPicPr>
+          <p:cNvPr id="22" name="Segnaposto contenuto 10"/>
+          <p:cNvPicPr>
+            <a:picLocks noGrp="1" noChangeAspect="1"/>
+          </p:cNvPicPr>
+          <p:nvPr>
+            <p:ph sz="half" idx="2"/>
+          </p:nvPr>
+        </p:nvPicPr>
+        <p:blipFill>
+          <a:blip r:embed="rId10">
+            <a:extLst>
+              <a:ext uri="{28A0092B-C50C-407E-A947-70E740481C1C}">
+                <a14:useLocalDpi xmlns:a14="http://schemas.microsoft.com/office/drawing/2010/main" val="0"/>
+              </a:ext>
+            </a:extLst>
+          </a:blip>
+          <a:stretch>
+            <a:fillRect/>
+          </a:stretch>
+        </p:blipFill>
+        <p:spPr>
+          <a:xfrm>
+            <a:off x="8294215" y="3200884"/>
+            <a:ext cx="3744150" cy="624025"/>
+          </a:xfrm>
+        </p:spPr>
+      </p:pic>
+      <p:pic>
+        <p:nvPicPr>
+          <p:cNvPr id="23" name="Segnaposto contenuto 10"/>
+          <p:cNvPicPr>
+            <a:picLocks noGrp="1" noChangeAspect="1"/>
+          </p:cNvPicPr>
+          <p:nvPr>
+            <p:ph sz="half" idx="2"/>
+          </p:nvPr>
+        </p:nvPicPr>
+        <p:blipFill>
+          <a:blip r:embed="rId11">
+            <a:extLst>
+              <a:ext uri="{28A0092B-C50C-407E-A947-70E740481C1C}">
+                <a14:useLocalDpi xmlns:a14="http://schemas.microsoft.com/office/drawing/2010/main" val="0"/>
+              </a:ext>
+            </a:extLst>
+          </a:blip>
+          <a:stretch>
+            <a:fillRect/>
+          </a:stretch>
+        </p:blipFill>
+        <p:spPr>
+          <a:xfrm>
+            <a:off x="8294215" y="3914971"/>
+            <a:ext cx="3744150" cy="624025"/>
+          </a:xfrm>
+        </p:spPr>
+      </p:pic>
+      <p:pic>
+        <p:nvPicPr>
+          <p:cNvPr id="24" name="Segnaposto contenuto 10"/>
+          <p:cNvPicPr>
+            <a:picLocks noGrp="1" noChangeAspect="1"/>
+          </p:cNvPicPr>
+          <p:nvPr>
+            <p:ph sz="half" idx="2"/>
+          </p:nvPr>
+        </p:nvPicPr>
+        <p:blipFill>
+          <a:blip r:embed="rId12">
+            <a:extLst>
+              <a:ext uri="{28A0092B-C50C-407E-A947-70E740481C1C}">
+                <a14:useLocalDpi xmlns:a14="http://schemas.microsoft.com/office/drawing/2010/main" val="0"/>
+              </a:ext>
+            </a:extLst>
+          </a:blip>
+          <a:stretch>
+            <a:fillRect/>
+          </a:stretch>
+        </p:blipFill>
+        <p:spPr>
+          <a:xfrm>
+            <a:off x="8294215" y="4629058"/>
+            <a:ext cx="3744150" cy="624025"/>
+          </a:xfrm>
+        </p:spPr>
+      </p:pic>
+    </p:spTree>
+    <p:extLst>
+      <p:ext uri="{BB962C8B-B14F-4D97-AF65-F5344CB8AC3E}">
+        <p14:creationId xmlns:p14="http://schemas.microsoft.com/office/powerpoint/2010/main" val="1501568947"/>
+      </p:ext>
+    </p:extLst>
+  </p:cSld>
+  <p:clrMapOvr>
+    <a:masterClrMapping/>
+  </p:clrMapOvr>
+  <p:timing>
+    <p:tnLst>
+      <p:par>
+        <p:cTn id="1" dur="indefinite" restart="never" nodeType="tmRoot"/>
+      </p:par>
+    </p:tnLst>
+  </p:timing>
+</p:sld>
+</file>
+
+<file path=ppt/slides/slide21.xml><?xml version="1.0" encoding="utf-8"?>
+<p:sld xmlns:a="http://schemas.openxmlformats.org/drawingml/2006/main" xmlns:r="http://schemas.openxmlformats.org/officeDocument/2006/relationships" xmlns:p="http://schemas.openxmlformats.org/presentationml/2006/main">
+  <p:cSld>
+    <p:spTree>
+      <p:nvGrpSpPr>
+        <p:cNvPr id="1" name=""/>
+        <p:cNvGrpSpPr/>
+        <p:nvPr/>
+      </p:nvGrpSpPr>
+      <p:grpSpPr>
+        <a:xfrm>
+          <a:off x="0" y="0"/>
+          <a:ext cx="0" cy="0"/>
+          <a:chOff x="0" y="0"/>
+          <a:chExt cx="0" cy="0"/>
+        </a:xfrm>
+      </p:grpSpPr>
+      <p:sp>
+        <p:nvSpPr>
+          <p:cNvPr id="2" name="Titolo 1"/>
+          <p:cNvSpPr>
+            <a:spLocks noGrp="1"/>
+          </p:cNvSpPr>
+          <p:nvPr>
+            <p:ph type="title"/>
+          </p:nvPr>
+        </p:nvSpPr>
+        <p:spPr>
+          <a:xfrm>
+            <a:off x="457200" y="594359"/>
+            <a:ext cx="3200400" cy="1209727"/>
+          </a:xfrm>
+        </p:spPr>
+        <p:txBody>
+          <a:bodyPr>
+            <a:normAutofit/>
+          </a:bodyPr>
+          <a:lstStyle/>
+          <a:p>
+            <a:r>
+              <a:rPr lang="it-IT" dirty="0" smtClean="0"/>
+              <a:t>Integration of </a:t>
+            </a:r>
+            <a:r>
+              <a:rPr lang="it-IT" dirty="0" err="1" smtClean="0"/>
+              <a:t>subsystems</a:t>
+            </a:r>
+            <a:endParaRPr lang="it-IT" dirty="0"/>
+          </a:p>
+        </p:txBody>
+      </p:sp>
+      <p:pic>
+        <p:nvPicPr>
+          <p:cNvPr id="7" name="Segnaposto contenuto 6"/>
+          <p:cNvPicPr>
+            <a:picLocks noGrp="1" noChangeAspect="1"/>
+          </p:cNvPicPr>
+          <p:nvPr>
+            <p:ph idx="1"/>
+          </p:nvPr>
+        </p:nvPicPr>
+        <p:blipFill>
+          <a:blip r:embed="rId2">
+            <a:extLst>
+              <a:ext uri="{28A0092B-C50C-407E-A947-70E740481C1C}">
+                <a14:useLocalDpi xmlns:a14="http://schemas.microsoft.com/office/drawing/2010/main" val="0"/>
+              </a:ext>
+            </a:extLst>
+          </a:blip>
+          <a:stretch>
+            <a:fillRect/>
+          </a:stretch>
+        </p:blipFill>
+        <p:spPr>
+          <a:xfrm>
+            <a:off x="4139514" y="997506"/>
+            <a:ext cx="7953451" cy="4810170"/>
+          </a:xfrm>
+        </p:spPr>
+      </p:pic>
+      <p:sp>
+        <p:nvSpPr>
+          <p:cNvPr id="4" name="Segnaposto testo 3"/>
+          <p:cNvSpPr>
+            <a:spLocks noGrp="1"/>
+          </p:cNvSpPr>
+          <p:nvPr>
+            <p:ph type="body" sz="half" idx="2"/>
+          </p:nvPr>
+        </p:nvSpPr>
+        <p:spPr>
+          <a:xfrm>
+            <a:off x="457200" y="1927654"/>
+            <a:ext cx="3200400" cy="4377550"/>
+          </a:xfrm>
+        </p:spPr>
+        <p:txBody>
+          <a:bodyPr/>
+          <a:lstStyle/>
+          <a:p>
+            <a:pPr marL="285750" indent="-285750">
+              <a:buFont typeface="Arial" charset="0"/>
+              <a:buChar char="•"/>
+            </a:pPr>
+            <a:r>
+              <a:rPr lang="it-IT" dirty="0" smtClean="0"/>
+              <a:t>Bottom-up: start with </a:t>
+            </a:r>
+            <a:r>
+              <a:rPr lang="it-IT" dirty="0" err="1" smtClean="0"/>
+              <a:t>components</a:t>
+            </a:r>
+            <a:r>
+              <a:rPr lang="it-IT" dirty="0" smtClean="0"/>
+              <a:t> </a:t>
+            </a:r>
+            <a:r>
+              <a:rPr lang="it-IT" dirty="0" err="1" smtClean="0"/>
+              <a:t>that</a:t>
+            </a:r>
+            <a:r>
+              <a:rPr lang="it-IT" dirty="0" smtClean="0"/>
+              <a:t> </a:t>
+            </a:r>
+            <a:r>
+              <a:rPr lang="it-IT" dirty="0" err="1" smtClean="0"/>
+              <a:t>haven’t</a:t>
+            </a:r>
+            <a:r>
+              <a:rPr lang="it-IT" dirty="0" smtClean="0"/>
+              <a:t> </a:t>
+            </a:r>
+            <a:r>
+              <a:rPr lang="it-IT" dirty="0" err="1" smtClean="0"/>
+              <a:t>got</a:t>
+            </a:r>
+            <a:r>
+              <a:rPr lang="it-IT" dirty="0" smtClean="0"/>
+              <a:t> </a:t>
+            </a:r>
+            <a:r>
+              <a:rPr lang="it-IT" dirty="0" err="1" smtClean="0"/>
+              <a:t>unfinished</a:t>
+            </a:r>
+            <a:r>
+              <a:rPr lang="it-IT" dirty="0" smtClean="0"/>
+              <a:t> </a:t>
+            </a:r>
+            <a:r>
+              <a:rPr lang="it-IT" dirty="0" err="1" smtClean="0"/>
+              <a:t>depencencies</a:t>
+            </a:r>
+            <a:endParaRPr lang="it-IT" dirty="0" smtClean="0"/>
+          </a:p>
+          <a:p>
+            <a:pPr marL="285750" indent="-285750">
+              <a:buFont typeface="Arial" charset="0"/>
+              <a:buChar char="•"/>
+            </a:pPr>
+            <a:r>
+              <a:rPr lang="it-IT" dirty="0" smtClean="0"/>
+              <a:t>To break </a:t>
+            </a:r>
+            <a:r>
+              <a:rPr lang="it-IT" dirty="0" err="1" smtClean="0"/>
+              <a:t>ties</a:t>
+            </a:r>
+            <a:r>
+              <a:rPr lang="it-IT" dirty="0" smtClean="0"/>
+              <a:t>: </a:t>
+            </a:r>
+            <a:r>
+              <a:rPr lang="it-IT" dirty="0" err="1" smtClean="0"/>
+              <a:t>critical</a:t>
+            </a:r>
+            <a:r>
+              <a:rPr lang="it-IT" dirty="0" smtClean="0"/>
+              <a:t>-</a:t>
+            </a:r>
+            <a:r>
+              <a:rPr lang="it-IT" dirty="0" err="1" smtClean="0"/>
+              <a:t>module</a:t>
+            </a:r>
+            <a:r>
+              <a:rPr lang="it-IT" dirty="0" smtClean="0"/>
+              <a:t>-first</a:t>
+            </a:r>
+          </a:p>
+          <a:p>
+            <a:pPr marL="742950" lvl="1" indent="-285750">
+              <a:buFont typeface="Arial" charset="0"/>
+              <a:buChar char="•"/>
+            </a:pPr>
+            <a:r>
+              <a:rPr lang="it-IT" dirty="0" smtClean="0">
+                <a:solidFill>
+                  <a:schemeClr val="bg1"/>
+                </a:solidFill>
+              </a:rPr>
+              <a:t>Start with Taxi Management System</a:t>
+            </a:r>
+          </a:p>
+          <a:p>
+            <a:pPr marL="742950" lvl="1" indent="-285750">
+              <a:buFont typeface="Arial" charset="0"/>
+              <a:buChar char="•"/>
+            </a:pPr>
+            <a:r>
+              <a:rPr lang="it-IT" dirty="0" err="1" smtClean="0">
+                <a:solidFill>
+                  <a:schemeClr val="bg1"/>
+                </a:solidFill>
+              </a:rPr>
+              <a:t>Then</a:t>
+            </a:r>
+            <a:r>
+              <a:rPr lang="it-IT" dirty="0" smtClean="0">
+                <a:solidFill>
+                  <a:schemeClr val="bg1"/>
+                </a:solidFill>
+              </a:rPr>
+              <a:t> System Administration</a:t>
+            </a:r>
+          </a:p>
+          <a:p>
+            <a:pPr marL="742950" lvl="1" indent="-285750">
+              <a:buFont typeface="Arial" charset="0"/>
+              <a:buChar char="•"/>
+            </a:pPr>
+            <a:r>
+              <a:rPr lang="it-IT" dirty="0" err="1" smtClean="0">
+                <a:solidFill>
+                  <a:schemeClr val="bg1"/>
+                </a:solidFill>
+              </a:rPr>
+              <a:t>Finally</a:t>
+            </a:r>
+            <a:r>
+              <a:rPr lang="it-IT" dirty="0" smtClean="0">
+                <a:solidFill>
+                  <a:schemeClr val="bg1"/>
+                </a:solidFill>
+              </a:rPr>
+              <a:t> Account Management</a:t>
+            </a:r>
+          </a:p>
+          <a:p>
+            <a:pPr marL="285750" indent="-285750">
+              <a:buFont typeface="Arial" charset="0"/>
+              <a:buChar char="•"/>
+            </a:pPr>
+            <a:r>
+              <a:rPr lang="it-IT" dirty="0" err="1" smtClean="0"/>
+              <a:t>When</a:t>
+            </a:r>
+            <a:r>
+              <a:rPr lang="it-IT" dirty="0" smtClean="0"/>
+              <a:t> business </a:t>
+            </a:r>
+            <a:r>
+              <a:rPr lang="it-IT" dirty="0" err="1" smtClean="0"/>
+              <a:t>logic</a:t>
+            </a:r>
+            <a:r>
+              <a:rPr lang="it-IT" dirty="0" smtClean="0"/>
+              <a:t> </a:t>
+            </a:r>
+            <a:r>
+              <a:rPr lang="it-IT" dirty="0" err="1" smtClean="0"/>
+              <a:t>is</a:t>
+            </a:r>
+            <a:r>
+              <a:rPr lang="it-IT" dirty="0" smtClean="0"/>
+              <a:t> </a:t>
+            </a:r>
+            <a:r>
+              <a:rPr lang="it-IT" dirty="0" err="1" smtClean="0"/>
+              <a:t>integrated</a:t>
+            </a:r>
+            <a:r>
+              <a:rPr lang="it-IT" dirty="0" smtClean="0"/>
+              <a:t>, </a:t>
+            </a:r>
+            <a:r>
+              <a:rPr lang="it-IT" dirty="0" err="1" smtClean="0"/>
+              <a:t>add</a:t>
+            </a:r>
+            <a:r>
+              <a:rPr lang="it-IT" dirty="0" smtClean="0"/>
+              <a:t> the Remote Services and the Notification System</a:t>
+            </a:r>
+          </a:p>
+          <a:p>
+            <a:pPr marL="285750" indent="-285750">
+              <a:buFont typeface="Arial" charset="0"/>
+              <a:buChar char="•"/>
+            </a:pPr>
+            <a:r>
+              <a:rPr lang="it-IT" dirty="0" smtClean="0"/>
+              <a:t>Last </a:t>
+            </a:r>
+            <a:r>
+              <a:rPr lang="it-IT" dirty="0" err="1" smtClean="0"/>
+              <a:t>step</a:t>
+            </a:r>
+            <a:r>
+              <a:rPr lang="it-IT" dirty="0" smtClean="0"/>
+              <a:t>: integrate the client </a:t>
+            </a:r>
+            <a:r>
+              <a:rPr lang="it-IT" dirty="0" err="1" smtClean="0"/>
+              <a:t>apps</a:t>
+            </a:r>
+            <a:endParaRPr lang="it-IT" dirty="0" smtClean="0"/>
+          </a:p>
+        </p:txBody>
+      </p:sp>
+      <p:sp>
+        <p:nvSpPr>
+          <p:cNvPr id="5" name="Segnaposto piè di pagina 4"/>
+          <p:cNvSpPr>
+            <a:spLocks noGrp="1"/>
+          </p:cNvSpPr>
+          <p:nvPr>
+            <p:ph type="ftr" sz="quarter" idx="11"/>
+          </p:nvPr>
+        </p:nvSpPr>
+        <p:spPr/>
+        <p:txBody>
+          <a:bodyPr/>
+          <a:lstStyle/>
+          <a:p>
+            <a:r>
+              <a:rPr lang="en-US" smtClean="0"/>
+              <a:t>Software Engineering 2: myTaxiService - Casati Fabrizio, Castelli Valerio</a:t>
+            </a:r>
+            <a:endParaRPr lang="en-US" dirty="0"/>
+          </a:p>
+        </p:txBody>
+      </p:sp>
+      <p:sp>
+        <p:nvSpPr>
+          <p:cNvPr id="6" name="Segnaposto numero diapositiva 5"/>
+          <p:cNvSpPr>
+            <a:spLocks noGrp="1"/>
+          </p:cNvSpPr>
+          <p:nvPr>
+            <p:ph type="sldNum" sz="quarter" idx="12"/>
+          </p:nvPr>
+        </p:nvSpPr>
+        <p:spPr/>
+        <p:txBody>
+          <a:bodyPr/>
+          <a:lstStyle/>
+          <a:p>
+            <a:fld id="{6D22F896-40B5-4ADD-8801-0D06FADFA095}" type="slidenum">
+              <a:rPr lang="en-US" smtClean="0"/>
+              <a:t>21</a:t>
+            </a:fld>
+            <a:endParaRPr lang="en-US" dirty="0"/>
+          </a:p>
+        </p:txBody>
+      </p:sp>
+    </p:spTree>
+    <p:extLst>
+      <p:ext uri="{BB962C8B-B14F-4D97-AF65-F5344CB8AC3E}">
+        <p14:creationId xmlns:p14="http://schemas.microsoft.com/office/powerpoint/2010/main" val="2119617983"/>
+      </p:ext>
+    </p:extLst>
+  </p:cSld>
+  <p:clrMapOvr>
+    <a:masterClrMapping/>
+  </p:clrMapOvr>
+</p:sld>
+</file>
+
+<file path=ppt/slides/slide22.xml><?xml version="1.0" encoding="utf-8"?>
+<p:sld xmlns:a="http://schemas.openxmlformats.org/drawingml/2006/main" xmlns:r="http://schemas.openxmlformats.org/officeDocument/2006/relationships" xmlns:p="http://schemas.openxmlformats.org/presentationml/2006/main">
+  <p:cSld>
+    <p:spTree>
+      <p:nvGrpSpPr>
+        <p:cNvPr id="1" name=""/>
+        <p:cNvGrpSpPr/>
+        <p:nvPr/>
+      </p:nvGrpSpPr>
+      <p:grpSpPr>
+        <a:xfrm>
+          <a:off x="0" y="0"/>
+          <a:ext cx="0" cy="0"/>
+          <a:chOff x="0" y="0"/>
+          <a:chExt cx="0" cy="0"/>
+        </a:xfrm>
+      </p:grpSpPr>
+      <p:sp>
+        <p:nvSpPr>
+          <p:cNvPr id="2" name="Titolo 1"/>
+          <p:cNvSpPr>
+            <a:spLocks noGrp="1"/>
+          </p:cNvSpPr>
+          <p:nvPr>
+            <p:ph type="title"/>
+          </p:nvPr>
+        </p:nvSpPr>
+        <p:spPr/>
+        <p:txBody>
+          <a:bodyPr/>
+          <a:lstStyle/>
+          <a:p>
+            <a:r>
+              <a:rPr lang="it-IT" dirty="0"/>
+              <a:t>Test </a:t>
+            </a:r>
+            <a:r>
+              <a:rPr lang="it-IT" dirty="0" err="1"/>
+              <a:t>Equipment</a:t>
+            </a:r>
+            <a:r>
+              <a:rPr lang="it-IT" dirty="0"/>
+              <a:t> and Tools</a:t>
+            </a:r>
+          </a:p>
+        </p:txBody>
+      </p:sp>
+      <p:sp>
+        <p:nvSpPr>
+          <p:cNvPr id="3" name="Segnaposto testo 2"/>
+          <p:cNvSpPr>
+            <a:spLocks noGrp="1"/>
+          </p:cNvSpPr>
+          <p:nvPr>
+            <p:ph type="body" idx="1"/>
+          </p:nvPr>
+        </p:nvSpPr>
+        <p:spPr/>
+        <p:txBody>
+          <a:bodyPr/>
+          <a:lstStyle/>
+          <a:p>
+            <a:r>
+              <a:rPr lang="it-IT" dirty="0" smtClean="0"/>
+              <a:t>Test </a:t>
+            </a:r>
+            <a:r>
+              <a:rPr lang="it-IT" dirty="0" err="1" smtClean="0"/>
+              <a:t>equipment</a:t>
+            </a:r>
+            <a:endParaRPr lang="it-IT" dirty="0"/>
+          </a:p>
+        </p:txBody>
+      </p:sp>
+      <p:sp>
+        <p:nvSpPr>
+          <p:cNvPr id="4" name="Segnaposto contenuto 3"/>
+          <p:cNvSpPr>
+            <a:spLocks noGrp="1"/>
+          </p:cNvSpPr>
+          <p:nvPr>
+            <p:ph sz="half" idx="2"/>
+          </p:nvPr>
+        </p:nvSpPr>
+        <p:spPr/>
+        <p:txBody>
+          <a:bodyPr>
+            <a:normAutofit/>
+          </a:bodyPr>
+          <a:lstStyle/>
+          <a:p>
+            <a:pPr>
+              <a:buFont typeface="Arial" charset="0"/>
+              <a:buChar char="•"/>
+            </a:pPr>
+            <a:r>
+              <a:rPr lang="it-IT" dirty="0" smtClean="0"/>
+              <a:t> Mobile </a:t>
+            </a:r>
+            <a:r>
+              <a:rPr lang="it-IT" dirty="0" err="1" smtClean="0"/>
+              <a:t>devices</a:t>
+            </a:r>
+            <a:endParaRPr lang="it-IT" dirty="0" smtClean="0"/>
+          </a:p>
+          <a:p>
+            <a:pPr lvl="1">
+              <a:buFont typeface="Arial" charset="0"/>
+              <a:buChar char="•"/>
+            </a:pPr>
+            <a:r>
+              <a:rPr lang="it-IT" dirty="0" err="1" smtClean="0"/>
+              <a:t>All</a:t>
+            </a:r>
+            <a:r>
+              <a:rPr lang="it-IT" dirty="0" smtClean="0"/>
+              <a:t> </a:t>
+            </a:r>
+            <a:r>
+              <a:rPr lang="it-IT" dirty="0" err="1" smtClean="0"/>
+              <a:t>supported</a:t>
+            </a:r>
+            <a:r>
+              <a:rPr lang="it-IT" dirty="0" smtClean="0"/>
+              <a:t> </a:t>
+            </a:r>
+            <a:r>
+              <a:rPr lang="it-IT" dirty="0" err="1" smtClean="0"/>
+              <a:t>platforms</a:t>
+            </a:r>
+            <a:r>
+              <a:rPr lang="it-IT" dirty="0" smtClean="0"/>
+              <a:t> (</a:t>
+            </a:r>
+            <a:r>
+              <a:rPr lang="it-IT" dirty="0" err="1" smtClean="0"/>
+              <a:t>Android</a:t>
+            </a:r>
+            <a:r>
+              <a:rPr lang="it-IT" dirty="0" smtClean="0"/>
+              <a:t>, </a:t>
+            </a:r>
+            <a:r>
+              <a:rPr lang="it-IT" dirty="0" err="1" smtClean="0"/>
+              <a:t>iOS</a:t>
+            </a:r>
+            <a:r>
+              <a:rPr lang="it-IT" dirty="0" smtClean="0"/>
+              <a:t>, Windows)</a:t>
+            </a:r>
+          </a:p>
+          <a:p>
+            <a:pPr lvl="1">
+              <a:buFont typeface="Arial" charset="0"/>
+              <a:buChar char="•"/>
+            </a:pPr>
+            <a:r>
+              <a:rPr lang="it-IT" dirty="0" err="1" smtClean="0"/>
+              <a:t>All</a:t>
+            </a:r>
+            <a:r>
+              <a:rPr lang="it-IT" dirty="0" smtClean="0"/>
+              <a:t> </a:t>
+            </a:r>
+            <a:r>
+              <a:rPr lang="it-IT" dirty="0" err="1" smtClean="0"/>
+              <a:t>supported</a:t>
+            </a:r>
+            <a:r>
+              <a:rPr lang="it-IT" dirty="0" smtClean="0"/>
+              <a:t> </a:t>
+            </a:r>
+            <a:r>
+              <a:rPr lang="it-IT" dirty="0" err="1" smtClean="0"/>
+              <a:t>screens</a:t>
+            </a:r>
+            <a:r>
+              <a:rPr lang="it-IT" dirty="0" smtClean="0"/>
+              <a:t> (3”-6” </a:t>
+            </a:r>
+            <a:r>
+              <a:rPr lang="it-IT" dirty="0" err="1" smtClean="0"/>
+              <a:t>phone</a:t>
+            </a:r>
+            <a:r>
+              <a:rPr lang="it-IT" dirty="0" smtClean="0"/>
+              <a:t>, 7”-12” </a:t>
+            </a:r>
+            <a:r>
+              <a:rPr lang="it-IT" dirty="0" err="1" smtClean="0"/>
+              <a:t>tablet</a:t>
+            </a:r>
+            <a:r>
+              <a:rPr lang="it-IT" dirty="0" smtClean="0"/>
+              <a:t>)</a:t>
+            </a:r>
+          </a:p>
+          <a:p>
+            <a:pPr lvl="1">
+              <a:buFont typeface="Arial" charset="0"/>
+              <a:buChar char="•"/>
+            </a:pPr>
+            <a:r>
+              <a:rPr lang="it-IT" dirty="0" err="1" smtClean="0"/>
+              <a:t>Subject</a:t>
+            </a:r>
+            <a:r>
+              <a:rPr lang="it-IT" dirty="0" smtClean="0"/>
+              <a:t> to </a:t>
+            </a:r>
+            <a:r>
+              <a:rPr lang="it-IT" dirty="0" err="1" smtClean="0"/>
+              <a:t>revision</a:t>
+            </a:r>
+            <a:r>
+              <a:rPr lang="it-IT" dirty="0" smtClean="0"/>
+              <a:t> </a:t>
+            </a:r>
+            <a:r>
+              <a:rPr lang="it-IT" dirty="0" err="1" smtClean="0"/>
+              <a:t>depending</a:t>
+            </a:r>
+            <a:r>
+              <a:rPr lang="it-IT" dirty="0" smtClean="0"/>
+              <a:t> on </a:t>
+            </a:r>
+            <a:r>
+              <a:rPr lang="it-IT" dirty="0" err="1" smtClean="0"/>
+              <a:t>actual</a:t>
+            </a:r>
+            <a:r>
+              <a:rPr lang="it-IT" dirty="0" smtClean="0"/>
+              <a:t> market share of the </a:t>
+            </a:r>
+            <a:r>
+              <a:rPr lang="it-IT" dirty="0" err="1" smtClean="0"/>
+              <a:t>devices</a:t>
+            </a:r>
+            <a:endParaRPr lang="it-IT" dirty="0" smtClean="0"/>
+          </a:p>
+          <a:p>
+            <a:pPr>
+              <a:buFont typeface="Arial" charset="0"/>
+              <a:buChar char="•"/>
+            </a:pPr>
+            <a:r>
+              <a:rPr lang="it-IT" dirty="0" smtClean="0"/>
+              <a:t> Desktop and notebook: no </a:t>
+            </a:r>
+            <a:r>
+              <a:rPr lang="it-IT" dirty="0" err="1" smtClean="0"/>
+              <a:t>particular</a:t>
+            </a:r>
+            <a:r>
+              <a:rPr lang="it-IT" dirty="0" smtClean="0"/>
+              <a:t> </a:t>
+            </a:r>
+            <a:r>
+              <a:rPr lang="it-IT" dirty="0" err="1" smtClean="0"/>
+              <a:t>req</a:t>
+            </a:r>
+            <a:r>
+              <a:rPr lang="it-IT" dirty="0" smtClean="0"/>
+              <a:t>.</a:t>
+            </a:r>
+          </a:p>
+          <a:p>
+            <a:pPr>
+              <a:buFont typeface="Arial" charset="0"/>
+              <a:buChar char="•"/>
+            </a:pPr>
+            <a:r>
+              <a:rPr lang="it-IT" dirty="0"/>
+              <a:t> </a:t>
+            </a:r>
+            <a:r>
+              <a:rPr lang="it-IT" dirty="0" err="1" smtClean="0"/>
+              <a:t>Cloud</a:t>
+            </a:r>
+            <a:r>
+              <a:rPr lang="it-IT" dirty="0" smtClean="0"/>
+              <a:t> </a:t>
+            </a:r>
+            <a:r>
+              <a:rPr lang="it-IT" dirty="0" err="1" smtClean="0"/>
+              <a:t>infrastructure</a:t>
+            </a:r>
+            <a:endParaRPr lang="it-IT" dirty="0"/>
+          </a:p>
+          <a:p>
+            <a:pPr lvl="1">
+              <a:buFont typeface="Arial" charset="0"/>
+              <a:buChar char="•"/>
+            </a:pPr>
+            <a:r>
+              <a:rPr lang="it-IT" dirty="0" err="1" smtClean="0"/>
+              <a:t>Possibly</a:t>
+            </a:r>
+            <a:r>
+              <a:rPr lang="it-IT" dirty="0" smtClean="0"/>
+              <a:t> </a:t>
+            </a:r>
+            <a:r>
+              <a:rPr lang="it-IT" dirty="0" err="1" smtClean="0"/>
+              <a:t>already</a:t>
+            </a:r>
+            <a:r>
+              <a:rPr lang="it-IT" dirty="0" smtClean="0"/>
+              <a:t> the </a:t>
+            </a:r>
+            <a:r>
+              <a:rPr lang="it-IT" dirty="0" err="1" smtClean="0"/>
+              <a:t>final</a:t>
+            </a:r>
+            <a:r>
+              <a:rPr lang="it-IT" dirty="0" smtClean="0"/>
+              <a:t> </a:t>
+            </a:r>
+            <a:r>
+              <a:rPr lang="it-IT" dirty="0" err="1" smtClean="0"/>
+              <a:t>one</a:t>
+            </a:r>
+            <a:endParaRPr lang="it-IT" dirty="0"/>
+          </a:p>
+          <a:p>
+            <a:pPr>
+              <a:buFont typeface="Arial" charset="0"/>
+              <a:buChar char="•"/>
+            </a:pPr>
+            <a:endParaRPr lang="it-IT" dirty="0" smtClean="0"/>
+          </a:p>
+        </p:txBody>
+      </p:sp>
+      <p:sp>
+        <p:nvSpPr>
+          <p:cNvPr id="5" name="Segnaposto testo 4"/>
+          <p:cNvSpPr>
+            <a:spLocks noGrp="1"/>
+          </p:cNvSpPr>
+          <p:nvPr>
+            <p:ph type="body" sz="quarter" idx="3"/>
+          </p:nvPr>
+        </p:nvSpPr>
+        <p:spPr/>
+        <p:txBody>
+          <a:bodyPr/>
+          <a:lstStyle/>
+          <a:p>
+            <a:r>
+              <a:rPr lang="it-IT" dirty="0" err="1" smtClean="0"/>
+              <a:t>tools</a:t>
+            </a:r>
+            <a:endParaRPr lang="it-IT" dirty="0"/>
+          </a:p>
+        </p:txBody>
+      </p:sp>
+      <p:sp>
+        <p:nvSpPr>
+          <p:cNvPr id="6" name="Segnaposto contenuto 5"/>
+          <p:cNvSpPr>
+            <a:spLocks noGrp="1"/>
+          </p:cNvSpPr>
+          <p:nvPr>
+            <p:ph sz="quarter" idx="4"/>
+          </p:nvPr>
+        </p:nvSpPr>
+        <p:spPr/>
+        <p:txBody>
+          <a:bodyPr/>
+          <a:lstStyle/>
+          <a:p>
+            <a:pPr>
+              <a:buFont typeface="Arial" charset="0"/>
+              <a:buChar char="•"/>
+            </a:pPr>
+            <a:r>
+              <a:rPr lang="it-IT" dirty="0"/>
+              <a:t> </a:t>
+            </a:r>
+            <a:r>
+              <a:rPr lang="it-IT" dirty="0" err="1" smtClean="0"/>
+              <a:t>JUnit</a:t>
+            </a:r>
+            <a:endParaRPr lang="it-IT" dirty="0" smtClean="0"/>
+          </a:p>
+          <a:p>
+            <a:pPr lvl="1">
+              <a:buFont typeface="Arial" charset="0"/>
+              <a:buChar char="•"/>
+            </a:pPr>
+            <a:r>
+              <a:rPr lang="it-IT" dirty="0" err="1" smtClean="0"/>
+              <a:t>Both</a:t>
+            </a:r>
+            <a:r>
+              <a:rPr lang="it-IT" dirty="0" smtClean="0"/>
+              <a:t> </a:t>
+            </a:r>
+            <a:r>
+              <a:rPr lang="it-IT" dirty="0" err="1" smtClean="0"/>
+              <a:t>unit</a:t>
+            </a:r>
+            <a:r>
+              <a:rPr lang="it-IT" dirty="0" smtClean="0"/>
+              <a:t> </a:t>
+            </a:r>
+            <a:r>
+              <a:rPr lang="it-IT" dirty="0" err="1" smtClean="0"/>
+              <a:t>testing</a:t>
+            </a:r>
+            <a:r>
+              <a:rPr lang="it-IT" dirty="0" smtClean="0"/>
+              <a:t> and </a:t>
+            </a:r>
+            <a:r>
+              <a:rPr lang="it-IT" dirty="0" err="1" smtClean="0"/>
+              <a:t>integration</a:t>
+            </a:r>
+            <a:r>
+              <a:rPr lang="it-IT" dirty="0" smtClean="0"/>
+              <a:t> </a:t>
+            </a:r>
+            <a:r>
+              <a:rPr lang="it-IT" dirty="0" err="1" smtClean="0"/>
+              <a:t>testing</a:t>
+            </a:r>
+            <a:endParaRPr lang="it-IT" dirty="0" smtClean="0"/>
+          </a:p>
+          <a:p>
+            <a:pPr lvl="1">
+              <a:buFont typeface="Arial" charset="0"/>
+              <a:buChar char="•"/>
+            </a:pPr>
+            <a:r>
+              <a:rPr lang="it-IT" dirty="0" smtClean="0"/>
+              <a:t>In </a:t>
+            </a:r>
+            <a:r>
+              <a:rPr lang="it-IT" dirty="0" err="1" smtClean="0"/>
+              <a:t>conjunction</a:t>
+            </a:r>
+            <a:r>
+              <a:rPr lang="it-IT" dirty="0" smtClean="0"/>
+              <a:t> with </a:t>
+            </a:r>
+            <a:r>
+              <a:rPr lang="it-IT" dirty="0" err="1" smtClean="0"/>
+              <a:t>Mockito</a:t>
+            </a:r>
+            <a:endParaRPr lang="it-IT" dirty="0" smtClean="0"/>
+          </a:p>
+          <a:p>
+            <a:pPr>
+              <a:buFont typeface="Arial" charset="0"/>
+              <a:buChar char="•"/>
+            </a:pPr>
+            <a:r>
+              <a:rPr lang="it-IT" dirty="0"/>
+              <a:t> </a:t>
+            </a:r>
+            <a:r>
+              <a:rPr lang="it-IT" dirty="0" err="1" smtClean="0"/>
+              <a:t>Arquillian</a:t>
+            </a:r>
+            <a:endParaRPr lang="it-IT" dirty="0"/>
+          </a:p>
+          <a:p>
+            <a:pPr lvl="1">
+              <a:buFont typeface="Arial" charset="0"/>
+              <a:buChar char="•"/>
+            </a:pPr>
+            <a:r>
+              <a:rPr lang="it-IT" dirty="0" smtClean="0"/>
+              <a:t>Test </a:t>
+            </a:r>
+            <a:r>
+              <a:rPr lang="it-IT" dirty="0" err="1" smtClean="0"/>
+              <a:t>how</a:t>
+            </a:r>
+            <a:r>
+              <a:rPr lang="it-IT" dirty="0" smtClean="0"/>
+              <a:t> the containers </a:t>
+            </a:r>
+            <a:r>
+              <a:rPr lang="it-IT" dirty="0" err="1" smtClean="0"/>
+              <a:t>interact</a:t>
+            </a:r>
+            <a:r>
+              <a:rPr lang="it-IT" dirty="0" smtClean="0"/>
+              <a:t> with the </a:t>
+            </a:r>
+            <a:r>
+              <a:rPr lang="it-IT" dirty="0" err="1" smtClean="0"/>
+              <a:t>beans</a:t>
+            </a:r>
+            <a:endParaRPr lang="it-IT" dirty="0" smtClean="0"/>
+          </a:p>
+          <a:p>
+            <a:pPr>
+              <a:buFont typeface="Arial" charset="0"/>
+              <a:buChar char="•"/>
+            </a:pPr>
+            <a:r>
+              <a:rPr lang="it-IT" dirty="0" smtClean="0"/>
+              <a:t> Preliminary performance </a:t>
+            </a:r>
+            <a:r>
+              <a:rPr lang="it-IT" dirty="0" err="1" smtClean="0"/>
+              <a:t>testing</a:t>
+            </a:r>
+            <a:endParaRPr lang="it-IT" dirty="0"/>
+          </a:p>
+          <a:p>
+            <a:pPr lvl="1">
+              <a:buFont typeface="Arial" charset="0"/>
+              <a:buChar char="•"/>
+            </a:pPr>
+            <a:r>
+              <a:rPr lang="it-IT" dirty="0" smtClean="0"/>
+              <a:t>Analysis </a:t>
+            </a:r>
+            <a:r>
+              <a:rPr lang="it-IT" dirty="0" err="1" smtClean="0"/>
+              <a:t>tools</a:t>
+            </a:r>
+            <a:r>
+              <a:rPr lang="it-IT" dirty="0" smtClean="0"/>
+              <a:t> for </a:t>
+            </a:r>
+            <a:r>
+              <a:rPr lang="it-IT" dirty="0" err="1" smtClean="0"/>
+              <a:t>each</a:t>
+            </a:r>
+            <a:r>
+              <a:rPr lang="it-IT" dirty="0" smtClean="0"/>
+              <a:t> mobile </a:t>
+            </a:r>
+            <a:r>
+              <a:rPr lang="it-IT" dirty="0" err="1" smtClean="0"/>
+              <a:t>platform</a:t>
+            </a:r>
+            <a:endParaRPr lang="it-IT" dirty="0" smtClean="0"/>
+          </a:p>
+          <a:p>
+            <a:pPr lvl="1">
+              <a:buFont typeface="Arial" charset="0"/>
+              <a:buChar char="•"/>
+            </a:pPr>
+            <a:r>
+              <a:rPr lang="it-IT" dirty="0" smtClean="0"/>
+              <a:t>Apache </a:t>
+            </a:r>
+            <a:r>
+              <a:rPr lang="it-IT" dirty="0" err="1" smtClean="0"/>
+              <a:t>JMeter</a:t>
+            </a:r>
+            <a:r>
+              <a:rPr lang="it-IT" dirty="0" smtClean="0"/>
+              <a:t> to test </a:t>
+            </a:r>
+            <a:r>
+              <a:rPr lang="it-IT" dirty="0" err="1" smtClean="0"/>
+              <a:t>loads</a:t>
+            </a:r>
+            <a:r>
+              <a:rPr lang="it-IT" dirty="0" smtClean="0"/>
+              <a:t> on </a:t>
+            </a:r>
+            <a:r>
+              <a:rPr lang="it-IT" dirty="0" err="1" smtClean="0"/>
+              <a:t>both</a:t>
+            </a:r>
+            <a:r>
+              <a:rPr lang="it-IT" dirty="0" smtClean="0"/>
+              <a:t> web </a:t>
+            </a:r>
+            <a:r>
+              <a:rPr lang="it-IT" dirty="0" err="1" smtClean="0"/>
+              <a:t>layer</a:t>
+            </a:r>
+            <a:r>
+              <a:rPr lang="it-IT" dirty="0" smtClean="0"/>
+              <a:t> and business </a:t>
+            </a:r>
+            <a:r>
+              <a:rPr lang="it-IT" dirty="0" err="1" smtClean="0"/>
+              <a:t>layer</a:t>
+            </a:r>
+            <a:endParaRPr lang="it-IT" dirty="0"/>
+          </a:p>
+        </p:txBody>
+      </p:sp>
+      <p:sp>
+        <p:nvSpPr>
+          <p:cNvPr id="7" name="Segnaposto piè di pagina 6"/>
+          <p:cNvSpPr>
+            <a:spLocks noGrp="1"/>
+          </p:cNvSpPr>
+          <p:nvPr>
+            <p:ph type="ftr" sz="quarter" idx="11"/>
+          </p:nvPr>
+        </p:nvSpPr>
+        <p:spPr/>
+        <p:txBody>
+          <a:bodyPr/>
+          <a:lstStyle/>
+          <a:p>
+            <a:r>
+              <a:rPr lang="en-US" smtClean="0"/>
+              <a:t>Software Engineering 2: myTaxiService - Casati Fabrizio, Castelli Valerio</a:t>
+            </a:r>
+            <a:endParaRPr lang="en-US" dirty="0"/>
+          </a:p>
+        </p:txBody>
+      </p:sp>
+      <p:sp>
+        <p:nvSpPr>
+          <p:cNvPr id="8" name="Segnaposto numero diapositiva 7"/>
+          <p:cNvSpPr>
+            <a:spLocks noGrp="1"/>
+          </p:cNvSpPr>
+          <p:nvPr>
+            <p:ph type="sldNum" sz="quarter" idx="12"/>
+          </p:nvPr>
+        </p:nvSpPr>
+        <p:spPr/>
+        <p:txBody>
+          <a:bodyPr/>
+          <a:lstStyle/>
+          <a:p>
+            <a:fld id="{6D22F896-40B5-4ADD-8801-0D06FADFA095}" type="slidenum">
+              <a:rPr lang="en-US" smtClean="0"/>
+              <a:t>22</a:t>
+            </a:fld>
+            <a:endParaRPr lang="en-US" dirty="0"/>
+          </a:p>
+        </p:txBody>
+      </p:sp>
+    </p:spTree>
+    <p:extLst>
+      <p:ext uri="{BB962C8B-B14F-4D97-AF65-F5344CB8AC3E}">
+        <p14:creationId xmlns:p14="http://schemas.microsoft.com/office/powerpoint/2010/main" val="1865866845"/>
+      </p:ext>
+    </p:extLst>
+  </p:cSld>
+  <p:clrMapOvr>
+    <a:masterClrMapping/>
+  </p:clrMapOvr>
+</p:sld>
+</file>
+
+<file path=ppt/slides/slide23.xml><?xml version="1.0" encoding="utf-8"?>
+<p:sld xmlns:a="http://schemas.openxmlformats.org/drawingml/2006/main" xmlns:r="http://schemas.openxmlformats.org/officeDocument/2006/relationships" xmlns:p="http://schemas.openxmlformats.org/presentationml/2006/main">
+  <p:cSld>
+    <p:spTree>
+      <p:nvGrpSpPr>
+        <p:cNvPr id="1" name=""/>
+        <p:cNvGrpSpPr/>
+        <p:nvPr/>
+      </p:nvGrpSpPr>
+      <p:grpSpPr>
+        <a:xfrm>
+          <a:off x="0" y="0"/>
+          <a:ext cx="0" cy="0"/>
+          <a:chOff x="0" y="0"/>
+          <a:chExt cx="0" cy="0"/>
+        </a:xfrm>
+      </p:grpSpPr>
+      <p:sp>
+        <p:nvSpPr>
+          <p:cNvPr id="2" name="Titolo 1"/>
+          <p:cNvSpPr>
+            <a:spLocks noGrp="1"/>
+          </p:cNvSpPr>
+          <p:nvPr>
+            <p:ph type="title"/>
+          </p:nvPr>
+        </p:nvSpPr>
+        <p:spPr/>
+        <p:txBody>
+          <a:bodyPr/>
+          <a:lstStyle/>
+          <a:p>
+            <a:r>
+              <a:rPr lang="it-IT" dirty="0" err="1" smtClean="0"/>
+              <a:t>Stubs</a:t>
+            </a:r>
+            <a:r>
+              <a:rPr lang="it-IT" dirty="0" smtClean="0"/>
+              <a:t>, drivers and test data</a:t>
+            </a:r>
+            <a:endParaRPr lang="it-IT" dirty="0"/>
+          </a:p>
+        </p:txBody>
+      </p:sp>
+      <p:sp>
+        <p:nvSpPr>
+          <p:cNvPr id="3" name="Segnaposto contenuto 2"/>
+          <p:cNvSpPr>
+            <a:spLocks noGrp="1"/>
+          </p:cNvSpPr>
+          <p:nvPr>
+            <p:ph idx="1"/>
+          </p:nvPr>
+        </p:nvSpPr>
+        <p:spPr/>
+        <p:txBody>
+          <a:bodyPr>
+            <a:normAutofit/>
+          </a:bodyPr>
+          <a:lstStyle/>
+          <a:p>
+            <a:pPr>
+              <a:buFont typeface="Arial" charset="0"/>
+              <a:buChar char="•"/>
+            </a:pPr>
+            <a:r>
+              <a:rPr lang="it-IT" dirty="0" smtClean="0"/>
+              <a:t> Bottom-up </a:t>
+            </a:r>
+            <a:r>
+              <a:rPr lang="it-IT" dirty="0" err="1" smtClean="0"/>
+              <a:t>approach</a:t>
+            </a:r>
+            <a:r>
+              <a:rPr lang="it-IT" dirty="0" smtClean="0"/>
+              <a:t>: a driver for </a:t>
+            </a:r>
+            <a:r>
+              <a:rPr lang="it-IT" dirty="0" err="1" smtClean="0"/>
+              <a:t>each</a:t>
+            </a:r>
+            <a:r>
+              <a:rPr lang="it-IT" dirty="0" smtClean="0"/>
+              <a:t> component and </a:t>
+            </a:r>
+            <a:r>
+              <a:rPr lang="it-IT" dirty="0" err="1" smtClean="0"/>
+              <a:t>subsystem</a:t>
+            </a:r>
+            <a:endParaRPr lang="it-IT" dirty="0" smtClean="0"/>
+          </a:p>
+          <a:p>
+            <a:pPr>
+              <a:buFont typeface="Arial" charset="0"/>
+              <a:buChar char="•"/>
+            </a:pPr>
+            <a:r>
+              <a:rPr lang="it-IT" dirty="0"/>
+              <a:t> </a:t>
+            </a:r>
+            <a:r>
+              <a:rPr lang="it-IT" dirty="0" err="1" smtClean="0"/>
+              <a:t>Stubs</a:t>
+            </a:r>
+            <a:r>
+              <a:rPr lang="it-IT" dirty="0" smtClean="0"/>
+              <a:t> to </a:t>
+            </a:r>
+            <a:r>
+              <a:rPr lang="it-IT" dirty="0" err="1" smtClean="0"/>
+              <a:t>replace</a:t>
+            </a:r>
+            <a:r>
+              <a:rPr lang="it-IT" dirty="0" smtClean="0"/>
+              <a:t> clients </a:t>
+            </a:r>
+            <a:r>
+              <a:rPr lang="it-IT" dirty="0" err="1" smtClean="0"/>
+              <a:t>when</a:t>
+            </a:r>
+            <a:r>
+              <a:rPr lang="it-IT" dirty="0" smtClean="0"/>
+              <a:t> </a:t>
+            </a:r>
+            <a:r>
+              <a:rPr lang="it-IT" dirty="0" err="1" smtClean="0"/>
+              <a:t>developing</a:t>
+            </a:r>
+            <a:r>
+              <a:rPr lang="it-IT" dirty="0" smtClean="0"/>
+              <a:t> the core </a:t>
+            </a:r>
+            <a:r>
+              <a:rPr lang="it-IT" dirty="0" err="1" smtClean="0"/>
+              <a:t>system</a:t>
+            </a:r>
+            <a:endParaRPr lang="it-IT" dirty="0" smtClean="0"/>
+          </a:p>
+          <a:p>
+            <a:pPr lvl="1">
+              <a:buFont typeface="Arial" charset="0"/>
+              <a:buChar char="•"/>
+            </a:pPr>
+            <a:r>
+              <a:rPr lang="it-IT" dirty="0" err="1" smtClean="0"/>
+              <a:t>Allow</a:t>
+            </a:r>
+            <a:r>
+              <a:rPr lang="it-IT" dirty="0" smtClean="0"/>
+              <a:t> </a:t>
+            </a:r>
+            <a:r>
+              <a:rPr lang="it-IT" dirty="0" err="1" smtClean="0"/>
+              <a:t>us</a:t>
+            </a:r>
+            <a:r>
+              <a:rPr lang="it-IT" dirty="0" smtClean="0"/>
+              <a:t> to test the </a:t>
+            </a:r>
+            <a:r>
+              <a:rPr lang="it-IT" dirty="0" err="1" smtClean="0"/>
+              <a:t>notification</a:t>
+            </a:r>
+            <a:r>
+              <a:rPr lang="it-IT" dirty="0" smtClean="0"/>
+              <a:t> </a:t>
+            </a:r>
+            <a:r>
+              <a:rPr lang="it-IT" dirty="0" err="1" smtClean="0"/>
+              <a:t>system</a:t>
+            </a:r>
+            <a:r>
+              <a:rPr lang="it-IT" dirty="0" smtClean="0"/>
+              <a:t> </a:t>
+            </a:r>
+            <a:r>
+              <a:rPr lang="it-IT" dirty="0" err="1" smtClean="0"/>
+              <a:t>without</a:t>
+            </a:r>
+            <a:r>
+              <a:rPr lang="it-IT" dirty="0" smtClean="0"/>
+              <a:t> </a:t>
+            </a:r>
+            <a:r>
+              <a:rPr lang="it-IT" dirty="0" err="1" smtClean="0"/>
+              <a:t>having</a:t>
+            </a:r>
+            <a:r>
+              <a:rPr lang="it-IT" dirty="0" smtClean="0"/>
+              <a:t> the clients</a:t>
+            </a:r>
+          </a:p>
+          <a:p>
+            <a:pPr lvl="1">
+              <a:buFont typeface="Arial" charset="0"/>
+              <a:buChar char="•"/>
+            </a:pPr>
+            <a:r>
+              <a:rPr lang="it-IT" dirty="0" err="1" smtClean="0"/>
+              <a:t>Simply</a:t>
+            </a:r>
+            <a:r>
+              <a:rPr lang="it-IT" dirty="0" smtClean="0"/>
+              <a:t> </a:t>
+            </a:r>
+            <a:r>
+              <a:rPr lang="it-IT" dirty="0" err="1" smtClean="0"/>
+              <a:t>write</a:t>
+            </a:r>
+            <a:r>
+              <a:rPr lang="it-IT" dirty="0" smtClean="0"/>
+              <a:t> the </a:t>
+            </a:r>
+            <a:r>
+              <a:rPr lang="it-IT" dirty="0" err="1" smtClean="0"/>
+              <a:t>calls</a:t>
+            </a:r>
+            <a:r>
+              <a:rPr lang="it-IT" dirty="0" smtClean="0"/>
+              <a:t> on a log</a:t>
+            </a:r>
+          </a:p>
+          <a:p>
+            <a:pPr>
+              <a:buFont typeface="Arial" charset="0"/>
+              <a:buChar char="•"/>
+            </a:pPr>
+            <a:r>
+              <a:rPr lang="it-IT" dirty="0"/>
+              <a:t> </a:t>
+            </a:r>
+            <a:r>
+              <a:rPr lang="it-IT" dirty="0" smtClean="0"/>
+              <a:t>Test data: stress the </a:t>
+            </a:r>
+            <a:r>
+              <a:rPr lang="it-IT" dirty="0" err="1" smtClean="0"/>
+              <a:t>possible</a:t>
+            </a:r>
+            <a:r>
+              <a:rPr lang="it-IT" dirty="0" smtClean="0"/>
+              <a:t> </a:t>
+            </a:r>
+            <a:r>
+              <a:rPr lang="it-IT" dirty="0" err="1" smtClean="0"/>
+              <a:t>sources</a:t>
+            </a:r>
+            <a:r>
+              <a:rPr lang="it-IT" dirty="0" smtClean="0"/>
+              <a:t> of </a:t>
+            </a:r>
+            <a:r>
+              <a:rPr lang="it-IT" dirty="0" err="1" smtClean="0"/>
+              <a:t>anomalies</a:t>
+            </a:r>
+            <a:endParaRPr lang="it-IT" dirty="0" smtClean="0"/>
+          </a:p>
+          <a:p>
+            <a:pPr lvl="1">
+              <a:buFont typeface="Arial" charset="0"/>
+              <a:buChar char="•"/>
+            </a:pPr>
+            <a:r>
+              <a:rPr lang="it-IT" dirty="0" smtClean="0"/>
+              <a:t>Taxi drivers: </a:t>
+            </a:r>
+            <a:r>
+              <a:rPr lang="it-IT" dirty="0" err="1" smtClean="0"/>
+              <a:t>invalid</a:t>
+            </a:r>
+            <a:r>
+              <a:rPr lang="it-IT" dirty="0" smtClean="0"/>
+              <a:t> taxi </a:t>
+            </a:r>
+            <a:r>
+              <a:rPr lang="it-IT" dirty="0" err="1" smtClean="0"/>
+              <a:t>license</a:t>
+            </a:r>
+            <a:r>
+              <a:rPr lang="it-IT" dirty="0" smtClean="0"/>
+              <a:t>, </a:t>
+            </a:r>
+            <a:r>
+              <a:rPr lang="it-IT" dirty="0" err="1" smtClean="0"/>
+              <a:t>invalid</a:t>
+            </a:r>
+            <a:r>
+              <a:rPr lang="it-IT" dirty="0" smtClean="0"/>
+              <a:t> </a:t>
+            </a:r>
+            <a:r>
+              <a:rPr lang="it-IT" dirty="0" err="1" smtClean="0"/>
+              <a:t>driving</a:t>
+            </a:r>
+            <a:r>
+              <a:rPr lang="it-IT" dirty="0" smtClean="0"/>
+              <a:t> </a:t>
+            </a:r>
+            <a:r>
+              <a:rPr lang="it-IT" dirty="0" err="1" smtClean="0"/>
+              <a:t>license</a:t>
+            </a:r>
+            <a:r>
+              <a:rPr lang="it-IT" dirty="0" smtClean="0"/>
+              <a:t>, </a:t>
+            </a:r>
+            <a:r>
+              <a:rPr lang="it-IT" dirty="0" err="1" smtClean="0"/>
+              <a:t>already</a:t>
+            </a:r>
+            <a:r>
+              <a:rPr lang="it-IT" dirty="0" smtClean="0"/>
+              <a:t> </a:t>
+            </a:r>
+            <a:r>
+              <a:rPr lang="it-IT" dirty="0" err="1" smtClean="0"/>
+              <a:t>existing</a:t>
+            </a:r>
+            <a:r>
+              <a:rPr lang="it-IT" dirty="0" smtClean="0"/>
+              <a:t> id</a:t>
+            </a:r>
+            <a:r>
+              <a:rPr lang="is-IS" dirty="0" smtClean="0"/>
+              <a:t>…</a:t>
+            </a:r>
+          </a:p>
+          <a:p>
+            <a:pPr lvl="1">
+              <a:buFont typeface="Arial" charset="0"/>
+              <a:buChar char="•"/>
+            </a:pPr>
+            <a:r>
+              <a:rPr lang="is-IS" dirty="0" smtClean="0"/>
+              <a:t>Passengers: invalid email, address, phone number, </a:t>
+            </a:r>
+            <a:r>
+              <a:rPr lang="it-IT" dirty="0" err="1"/>
+              <a:t>already</a:t>
+            </a:r>
+            <a:r>
+              <a:rPr lang="it-IT" dirty="0"/>
+              <a:t> </a:t>
+            </a:r>
+            <a:r>
+              <a:rPr lang="it-IT" dirty="0" err="1"/>
+              <a:t>existing</a:t>
+            </a:r>
+            <a:r>
+              <a:rPr lang="it-IT" dirty="0"/>
+              <a:t> id</a:t>
+            </a:r>
+            <a:r>
+              <a:rPr lang="is-IS" dirty="0" smtClean="0"/>
+              <a:t>…</a:t>
+            </a:r>
+          </a:p>
+          <a:p>
+            <a:pPr lvl="1">
+              <a:buFont typeface="Arial" charset="0"/>
+              <a:buChar char="•"/>
+            </a:pPr>
+            <a:r>
+              <a:rPr lang="is-IS" dirty="0" smtClean="0"/>
+              <a:t>Zones: overlapping zones, location vertices not producing a convex area, invalid or null locations..</a:t>
+            </a:r>
+          </a:p>
+          <a:p>
+            <a:pPr lvl="1">
+              <a:buFont typeface="Arial" charset="0"/>
+              <a:buChar char="•"/>
+            </a:pPr>
+            <a:r>
+              <a:rPr lang="is-IS" dirty="0" smtClean="0"/>
+              <a:t>Requests: location outside city</a:t>
+            </a:r>
+          </a:p>
+          <a:p>
+            <a:pPr lvl="1">
+              <a:buFont typeface="Arial" charset="0"/>
+              <a:buChar char="•"/>
+            </a:pPr>
+            <a:r>
+              <a:rPr lang="is-IS" dirty="0" smtClean="0"/>
+              <a:t>Reservations: source location outside city, meeting time outside the validity range</a:t>
+            </a:r>
+          </a:p>
+          <a:p>
+            <a:pPr lvl="1">
+              <a:buFont typeface="Arial" charset="0"/>
+              <a:buChar char="•"/>
+            </a:pPr>
+            <a:r>
+              <a:rPr lang="is-IS" dirty="0" smtClean="0"/>
+              <a:t>In general: null objects and/or fields</a:t>
+            </a:r>
+            <a:endParaRPr lang="it-IT" dirty="0"/>
+          </a:p>
+        </p:txBody>
+      </p:sp>
+      <p:sp>
+        <p:nvSpPr>
+          <p:cNvPr id="4" name="Segnaposto piè di pagina 3"/>
+          <p:cNvSpPr>
+            <a:spLocks noGrp="1"/>
+          </p:cNvSpPr>
+          <p:nvPr>
+            <p:ph type="ftr" sz="quarter" idx="11"/>
+          </p:nvPr>
+        </p:nvSpPr>
+        <p:spPr/>
+        <p:txBody>
+          <a:bodyPr/>
+          <a:lstStyle/>
+          <a:p>
+            <a:r>
+              <a:rPr lang="en-US" smtClean="0"/>
+              <a:t>Software Engineering 2: myTaxiService - Casati Fabrizio, Castelli Valerio</a:t>
+            </a:r>
+            <a:endParaRPr lang="en-US" dirty="0"/>
+          </a:p>
+        </p:txBody>
+      </p:sp>
+      <p:sp>
+        <p:nvSpPr>
+          <p:cNvPr id="5" name="Segnaposto numero diapositiva 4"/>
+          <p:cNvSpPr>
+            <a:spLocks noGrp="1"/>
+          </p:cNvSpPr>
+          <p:nvPr>
+            <p:ph type="sldNum" sz="quarter" idx="12"/>
+          </p:nvPr>
+        </p:nvSpPr>
+        <p:spPr/>
+        <p:txBody>
+          <a:bodyPr/>
+          <a:lstStyle/>
+          <a:p>
+            <a:fld id="{6D22F896-40B5-4ADD-8801-0D06FADFA095}" type="slidenum">
+              <a:rPr lang="en-US" smtClean="0"/>
+              <a:t>23</a:t>
+            </a:fld>
+            <a:endParaRPr lang="en-US" dirty="0"/>
+          </a:p>
+        </p:txBody>
+      </p:sp>
+    </p:spTree>
+    <p:extLst>
+      <p:ext uri="{BB962C8B-B14F-4D97-AF65-F5344CB8AC3E}">
+        <p14:creationId xmlns:p14="http://schemas.microsoft.com/office/powerpoint/2010/main" val="996458278"/>
+      </p:ext>
+    </p:extLst>
+  </p:cSld>
+  <p:clrMapOvr>
+    <a:masterClrMapping/>
+  </p:clrMapOvr>
+</p:sld>
+</file>
+
+<file path=ppt/slides/slide24.xml><?xml version="1.0" encoding="utf-8"?>
+<p:sld xmlns:a="http://schemas.openxmlformats.org/drawingml/2006/main" xmlns:r="http://schemas.openxmlformats.org/officeDocument/2006/relationships" xmlns:p="http://schemas.openxmlformats.org/presentationml/2006/main">
+  <p:cSld>
+    <p:spTree>
+      <p:nvGrpSpPr>
+        <p:cNvPr id="1" name=""/>
+        <p:cNvGrpSpPr/>
+        <p:nvPr/>
+      </p:nvGrpSpPr>
+      <p:grpSpPr>
+        <a:xfrm>
+          <a:off x="0" y="0"/>
+          <a:ext cx="0" cy="0"/>
+          <a:chOff x="0" y="0"/>
+          <a:chExt cx="0" cy="0"/>
+        </a:xfrm>
+      </p:grpSpPr>
+      <p:sp>
+        <p:nvSpPr>
+          <p:cNvPr id="2" name="Titolo 1"/>
+          <p:cNvSpPr>
+            <a:spLocks noGrp="1"/>
+          </p:cNvSpPr>
+          <p:nvPr>
+            <p:ph type="title"/>
+          </p:nvPr>
+        </p:nvSpPr>
+        <p:spPr>
+          <a:xfrm>
+            <a:off x="457200" y="594359"/>
+            <a:ext cx="3200400" cy="1134080"/>
+          </a:xfrm>
+        </p:spPr>
+        <p:txBody>
+          <a:bodyPr/>
+          <a:lstStyle/>
+          <a:p>
+            <a:r>
+              <a:rPr lang="it-IT" dirty="0" err="1" smtClean="0"/>
+              <a:t>Function</a:t>
+            </a:r>
+            <a:r>
+              <a:rPr lang="it-IT" dirty="0" smtClean="0"/>
+              <a:t> </a:t>
+            </a:r>
+            <a:r>
+              <a:rPr lang="it-IT" dirty="0" err="1" smtClean="0"/>
+              <a:t>Points</a:t>
+            </a:r>
+            <a:r>
+              <a:rPr lang="it-IT" dirty="0" smtClean="0"/>
+              <a:t/>
+            </a:r>
+            <a:br>
+              <a:rPr lang="it-IT" dirty="0" smtClean="0"/>
+            </a:br>
+            <a:r>
+              <a:rPr lang="it-IT" dirty="0" smtClean="0"/>
+              <a:t>and COCOMO II</a:t>
+            </a:r>
+            <a:endParaRPr lang="it-IT" dirty="0"/>
+          </a:p>
+        </p:txBody>
+      </p:sp>
+      <p:pic>
+        <p:nvPicPr>
+          <p:cNvPr id="7" name="Segnaposto contenuto 6"/>
+          <p:cNvPicPr>
+            <a:picLocks noGrp="1" noChangeAspect="1"/>
+          </p:cNvPicPr>
+          <p:nvPr>
+            <p:ph idx="1"/>
+          </p:nvPr>
+        </p:nvPicPr>
+        <p:blipFill>
+          <a:blip r:embed="rId2">
+            <a:extLst>
+              <a:ext uri="{28A0092B-C50C-407E-A947-70E740481C1C}">
+                <a14:useLocalDpi xmlns:a14="http://schemas.microsoft.com/office/drawing/2010/main" val="0"/>
+              </a:ext>
+            </a:extLst>
+          </a:blip>
+          <a:stretch>
+            <a:fillRect/>
+          </a:stretch>
+        </p:blipFill>
+        <p:spPr>
+          <a:xfrm>
+            <a:off x="4451608" y="594359"/>
+            <a:ext cx="3555562" cy="5257800"/>
+          </a:xfrm>
+        </p:spPr>
+      </p:pic>
+      <p:sp>
+        <p:nvSpPr>
+          <p:cNvPr id="4" name="Segnaposto testo 3"/>
+          <p:cNvSpPr>
+            <a:spLocks noGrp="1"/>
+          </p:cNvSpPr>
+          <p:nvPr>
+            <p:ph type="body" sz="half" idx="2"/>
+          </p:nvPr>
+        </p:nvSpPr>
+        <p:spPr>
+          <a:xfrm>
+            <a:off x="457200" y="1728439"/>
+            <a:ext cx="3200400" cy="4576765"/>
+          </a:xfrm>
+        </p:spPr>
+        <p:txBody>
+          <a:bodyPr/>
+          <a:lstStyle/>
+          <a:p>
+            <a:endParaRPr lang="it-IT"/>
+          </a:p>
+        </p:txBody>
+      </p:sp>
+      <p:sp>
+        <p:nvSpPr>
+          <p:cNvPr id="5" name="Segnaposto piè di pagina 4"/>
+          <p:cNvSpPr>
+            <a:spLocks noGrp="1"/>
+          </p:cNvSpPr>
+          <p:nvPr>
+            <p:ph type="ftr" sz="quarter" idx="11"/>
+          </p:nvPr>
+        </p:nvSpPr>
+        <p:spPr/>
+        <p:txBody>
+          <a:bodyPr/>
+          <a:lstStyle/>
+          <a:p>
+            <a:r>
+              <a:rPr lang="en-US" smtClean="0"/>
+              <a:t>Software Engineering 2: myTaxiService - Casati Fabrizio, Castelli Valerio</a:t>
+            </a:r>
+            <a:endParaRPr lang="en-US" dirty="0"/>
+          </a:p>
+        </p:txBody>
+      </p:sp>
+      <p:sp>
+        <p:nvSpPr>
+          <p:cNvPr id="6" name="Segnaposto numero diapositiva 5"/>
+          <p:cNvSpPr>
+            <a:spLocks noGrp="1"/>
+          </p:cNvSpPr>
+          <p:nvPr>
+            <p:ph type="sldNum" sz="quarter" idx="12"/>
+          </p:nvPr>
+        </p:nvSpPr>
+        <p:spPr/>
+        <p:txBody>
+          <a:bodyPr/>
+          <a:lstStyle/>
+          <a:p>
+            <a:fld id="{6D22F896-40B5-4ADD-8801-0D06FADFA095}" type="slidenum">
+              <a:rPr lang="en-US" smtClean="0"/>
+              <a:t>24</a:t>
+            </a:fld>
+            <a:endParaRPr lang="en-US" dirty="0"/>
+          </a:p>
+        </p:txBody>
+      </p:sp>
+      <p:pic>
+        <p:nvPicPr>
+          <p:cNvPr id="8" name="Segnaposto contenuto 6"/>
+          <p:cNvPicPr>
+            <a:picLocks noChangeAspect="1"/>
+          </p:cNvPicPr>
+          <p:nvPr/>
+        </p:nvPicPr>
+        <p:blipFill>
+          <a:blip r:embed="rId3">
+            <a:extLst>
+              <a:ext uri="{28A0092B-C50C-407E-A947-70E740481C1C}">
+                <a14:useLocalDpi xmlns:a14="http://schemas.microsoft.com/office/drawing/2010/main" val="0"/>
+              </a:ext>
+            </a:extLst>
+          </a:blip>
+          <a:stretch>
+            <a:fillRect/>
+          </a:stretch>
+        </p:blipFill>
+        <p:spPr>
+          <a:xfrm>
+            <a:off x="8419766" y="594359"/>
+            <a:ext cx="3555562" cy="2588527"/>
+          </a:xfrm>
+          <a:prstGeom prst="rect">
+            <a:avLst/>
+          </a:prstGeom>
+        </p:spPr>
+      </p:pic>
+      <p:pic>
+        <p:nvPicPr>
+          <p:cNvPr id="9" name="Segnaposto contenuto 6"/>
+          <p:cNvPicPr>
+            <a:picLocks noChangeAspect="1"/>
+          </p:cNvPicPr>
+          <p:nvPr/>
+        </p:nvPicPr>
+        <p:blipFill>
+          <a:blip r:embed="rId4">
+            <a:extLst>
+              <a:ext uri="{28A0092B-C50C-407E-A947-70E740481C1C}">
+                <a14:useLocalDpi xmlns:a14="http://schemas.microsoft.com/office/drawing/2010/main" val="0"/>
+              </a:ext>
+            </a:extLst>
+          </a:blip>
+          <a:stretch>
+            <a:fillRect/>
+          </a:stretch>
+        </p:blipFill>
+        <p:spPr>
+          <a:xfrm>
+            <a:off x="8419766" y="3568257"/>
+            <a:ext cx="3555562" cy="1141786"/>
+          </a:xfrm>
+          <a:prstGeom prst="rect">
+            <a:avLst/>
+          </a:prstGeom>
+        </p:spPr>
+      </p:pic>
+      <p:pic>
+        <p:nvPicPr>
+          <p:cNvPr id="10" name="Segnaposto contenuto 6"/>
+          <p:cNvPicPr>
+            <a:picLocks noChangeAspect="1"/>
+          </p:cNvPicPr>
+          <p:nvPr/>
+        </p:nvPicPr>
+        <p:blipFill>
+          <a:blip r:embed="rId5">
+            <a:extLst>
+              <a:ext uri="{28A0092B-C50C-407E-A947-70E740481C1C}">
+                <a14:useLocalDpi xmlns:a14="http://schemas.microsoft.com/office/drawing/2010/main" val="0"/>
+              </a:ext>
+            </a:extLst>
+          </a:blip>
+          <a:stretch>
+            <a:fillRect/>
+          </a:stretch>
+        </p:blipFill>
+        <p:spPr>
+          <a:xfrm>
+            <a:off x="8419766" y="5013856"/>
+            <a:ext cx="3555562" cy="838303"/>
+          </a:xfrm>
+          <a:prstGeom prst="rect">
+            <a:avLst/>
+          </a:prstGeom>
+        </p:spPr>
+      </p:pic>
+    </p:spTree>
+    <p:extLst>
+      <p:ext uri="{BB962C8B-B14F-4D97-AF65-F5344CB8AC3E}">
+        <p14:creationId xmlns:p14="http://schemas.microsoft.com/office/powerpoint/2010/main" val="56794792"/>
+      </p:ext>
+    </p:extLst>
+  </p:cSld>
+  <p:clrMapOvr>
+    <a:masterClrMapping/>
+  </p:clrMapOvr>
+</p:sld>
+</file>
+
 <file path=ppt/slides/slide3.xml><?xml version="1.0" encoding="utf-8"?>
 <p:sld xmlns:a="http://schemas.openxmlformats.org/drawingml/2006/main" xmlns:r="http://schemas.openxmlformats.org/officeDocument/2006/relationships" xmlns:p="http://schemas.openxmlformats.org/presentationml/2006/main">
   <p:cSld>
@@ -9944,7 +12847,6 @@
               <a:rPr lang="it-IT" dirty="0" smtClean="0"/>
               <a:t> </a:t>
             </a:r>
-            <a:endParaRPr lang="it-IT" dirty="0" smtClean="0"/>
           </a:p>
           <a:p>
             <a:pPr>
@@ -12731,11 +15633,7 @@
           <a:p>
             <a:r>
               <a:rPr lang="it-IT" dirty="0" smtClean="0"/>
-              <a:t>PASSENGER </a:t>
-            </a:r>
-            <a:r>
-              <a:rPr lang="it-IT" dirty="0" smtClean="0"/>
-              <a:t>REQUEST</a:t>
+              <a:t>PASSENGER REQUEST</a:t>
             </a:r>
             <a:endParaRPr lang="it-IT" dirty="0"/>
           </a:p>

--- a/Final_Presentation/Presentation.pptx
+++ b/Final_Presentation/Presentation.pptx
@@ -5,7 +5,7 @@
     <p:sldMasterId id="2147483889" r:id="rId1"/>
   </p:sldMasterIdLst>
   <p:notesMasterIdLst>
-    <p:notesMasterId r:id="rId26"/>
+    <p:notesMasterId r:id="rId29"/>
   </p:notesMasterIdLst>
   <p:sldIdLst>
     <p:sldId id="256" r:id="rId2"/>
@@ -32,6 +32,9 @@
     <p:sldId id="278" r:id="rId23"/>
     <p:sldId id="279" r:id="rId24"/>
     <p:sldId id="280" r:id="rId25"/>
+    <p:sldId id="281" r:id="rId26"/>
+    <p:sldId id="282" r:id="rId27"/>
+    <p:sldId id="283" r:id="rId28"/>
   </p:sldIdLst>
   <p:sldSz cx="12192000" cy="6858000"/>
   <p:notesSz cx="6858000" cy="9144000"/>
@@ -12444,7 +12447,760 @@
           <a:bodyPr/>
           <a:lstStyle/>
           <a:p>
-            <a:endParaRPr lang="it-IT"/>
+            <a:r>
+              <a:rPr lang="it-IT" dirty="0" smtClean="0"/>
+              <a:t>COCOMO II Scale Drivers:</a:t>
+            </a:r>
+          </a:p>
+          <a:p>
+            <a:pPr marL="285750" indent="-285750">
+              <a:buFont typeface="Arial" charset="0"/>
+              <a:buChar char="•"/>
+            </a:pPr>
+            <a:r>
+              <a:rPr lang="it-IT" dirty="0" err="1" smtClean="0"/>
+              <a:t>Precedentedness</a:t>
+            </a:r>
+            <a:r>
+              <a:rPr lang="it-IT" dirty="0" smtClean="0"/>
+              <a:t>: </a:t>
+            </a:r>
+            <a:r>
+              <a:rPr lang="it-IT" dirty="0" err="1" smtClean="0"/>
+              <a:t>low</a:t>
+            </a:r>
+            <a:endParaRPr lang="it-IT" dirty="0" smtClean="0"/>
+          </a:p>
+          <a:p>
+            <a:pPr marL="742950" lvl="1" indent="-285750">
+              <a:buFont typeface="Arial" charset="0"/>
+              <a:buChar char="•"/>
+            </a:pPr>
+            <a:r>
+              <a:rPr lang="it-IT" dirty="0" err="1" smtClean="0">
+                <a:solidFill>
+                  <a:schemeClr val="bg1"/>
+                </a:solidFill>
+              </a:rPr>
+              <a:t>We</a:t>
+            </a:r>
+            <a:r>
+              <a:rPr lang="it-IT" dirty="0" smtClean="0">
+                <a:solidFill>
+                  <a:schemeClr val="bg1"/>
+                </a:solidFill>
+              </a:rPr>
+              <a:t> </a:t>
+            </a:r>
+            <a:r>
+              <a:rPr lang="it-IT" dirty="0" err="1" smtClean="0">
+                <a:solidFill>
+                  <a:schemeClr val="bg1"/>
+                </a:solidFill>
+              </a:rPr>
+              <a:t>have</a:t>
+            </a:r>
+            <a:r>
+              <a:rPr lang="it-IT" dirty="0" smtClean="0">
+                <a:solidFill>
+                  <a:schemeClr val="bg1"/>
+                </a:solidFill>
+              </a:rPr>
+              <a:t> some </a:t>
+            </a:r>
+            <a:r>
+              <a:rPr lang="it-IT" dirty="0" err="1" smtClean="0">
+                <a:solidFill>
+                  <a:schemeClr val="bg1"/>
+                </a:solidFill>
+              </a:rPr>
+              <a:t>experience</a:t>
+            </a:r>
+            <a:r>
+              <a:rPr lang="it-IT" dirty="0" smtClean="0">
+                <a:solidFill>
+                  <a:schemeClr val="bg1"/>
+                </a:solidFill>
+              </a:rPr>
+              <a:t> in </a:t>
+            </a:r>
+            <a:r>
+              <a:rPr lang="it-IT" dirty="0" err="1" smtClean="0">
+                <a:solidFill>
+                  <a:schemeClr val="bg1"/>
+                </a:solidFill>
+              </a:rPr>
+              <a:t>designing</a:t>
+            </a:r>
+            <a:r>
+              <a:rPr lang="it-IT" dirty="0" smtClean="0">
+                <a:solidFill>
+                  <a:schemeClr val="bg1"/>
+                </a:solidFill>
+              </a:rPr>
+              <a:t> software, </a:t>
+            </a:r>
+            <a:r>
+              <a:rPr lang="it-IT" dirty="0" err="1" smtClean="0">
+                <a:solidFill>
+                  <a:schemeClr val="bg1"/>
+                </a:solidFill>
+              </a:rPr>
+              <a:t>but</a:t>
+            </a:r>
+            <a:r>
+              <a:rPr lang="it-IT" dirty="0" smtClean="0">
+                <a:solidFill>
+                  <a:schemeClr val="bg1"/>
+                </a:solidFill>
+              </a:rPr>
+              <a:t> </a:t>
+            </a:r>
+            <a:r>
+              <a:rPr lang="it-IT" dirty="0" err="1" smtClean="0">
+                <a:solidFill>
+                  <a:schemeClr val="bg1"/>
+                </a:solidFill>
+              </a:rPr>
+              <a:t>not</a:t>
+            </a:r>
+            <a:r>
+              <a:rPr lang="it-IT" dirty="0" smtClean="0">
+                <a:solidFill>
+                  <a:schemeClr val="bg1"/>
+                </a:solidFill>
+              </a:rPr>
+              <a:t> </a:t>
+            </a:r>
+            <a:r>
+              <a:rPr lang="it-IT" dirty="0" err="1" smtClean="0">
+                <a:solidFill>
+                  <a:schemeClr val="bg1"/>
+                </a:solidFill>
+              </a:rPr>
+              <a:t>at</a:t>
+            </a:r>
+            <a:r>
+              <a:rPr lang="it-IT" dirty="0" smtClean="0">
+                <a:solidFill>
+                  <a:schemeClr val="bg1"/>
+                </a:solidFill>
+              </a:rPr>
+              <a:t> </a:t>
+            </a:r>
+            <a:r>
+              <a:rPr lang="it-IT" dirty="0" err="1" smtClean="0">
+                <a:solidFill>
+                  <a:schemeClr val="bg1"/>
+                </a:solidFill>
+              </a:rPr>
+              <a:t>this</a:t>
+            </a:r>
+            <a:r>
+              <a:rPr lang="it-IT" dirty="0" smtClean="0">
+                <a:solidFill>
+                  <a:schemeClr val="bg1"/>
+                </a:solidFill>
+              </a:rPr>
+              <a:t> scale and </a:t>
+            </a:r>
+            <a:r>
+              <a:rPr lang="it-IT" dirty="0" err="1" smtClean="0">
+                <a:solidFill>
+                  <a:schemeClr val="bg1"/>
+                </a:solidFill>
+              </a:rPr>
+              <a:t>not</a:t>
+            </a:r>
+            <a:r>
+              <a:rPr lang="it-IT" dirty="0" smtClean="0">
+                <a:solidFill>
+                  <a:schemeClr val="bg1"/>
+                </a:solidFill>
+              </a:rPr>
+              <a:t> in J2EE</a:t>
+            </a:r>
+          </a:p>
+          <a:p>
+            <a:pPr marL="285750" indent="-285750">
+              <a:buFont typeface="Arial" charset="0"/>
+              <a:buChar char="•"/>
+            </a:pPr>
+            <a:r>
+              <a:rPr lang="it-IT" dirty="0" smtClean="0">
+                <a:solidFill>
+                  <a:schemeClr val="bg1"/>
+                </a:solidFill>
+              </a:rPr>
+              <a:t>Development </a:t>
+            </a:r>
+            <a:r>
+              <a:rPr lang="it-IT" dirty="0" err="1" smtClean="0">
+                <a:solidFill>
+                  <a:schemeClr val="bg1"/>
+                </a:solidFill>
+              </a:rPr>
+              <a:t>flexibility</a:t>
+            </a:r>
+            <a:r>
+              <a:rPr lang="it-IT" dirty="0" smtClean="0">
+                <a:solidFill>
+                  <a:schemeClr val="bg1"/>
+                </a:solidFill>
+              </a:rPr>
+              <a:t>: </a:t>
+            </a:r>
+            <a:r>
+              <a:rPr lang="it-IT" dirty="0" err="1">
+                <a:solidFill>
+                  <a:schemeClr val="bg1"/>
+                </a:solidFill>
+              </a:rPr>
+              <a:t>low</a:t>
+            </a:r>
+            <a:endParaRPr lang="it-IT" dirty="0">
+              <a:solidFill>
+                <a:schemeClr val="bg1"/>
+              </a:solidFill>
+            </a:endParaRPr>
+          </a:p>
+          <a:p>
+            <a:pPr marL="742950" lvl="1" indent="-285750">
+              <a:buFont typeface="Arial" charset="0"/>
+              <a:buChar char="•"/>
+            </a:pPr>
+            <a:r>
+              <a:rPr lang="it-IT" dirty="0" err="1" smtClean="0">
+                <a:solidFill>
+                  <a:schemeClr val="bg1"/>
+                </a:solidFill>
+              </a:rPr>
+              <a:t>Strict</a:t>
+            </a:r>
+            <a:r>
+              <a:rPr lang="it-IT" dirty="0" smtClean="0">
+                <a:solidFill>
+                  <a:schemeClr val="bg1"/>
+                </a:solidFill>
+              </a:rPr>
+              <a:t> </a:t>
+            </a:r>
+            <a:r>
+              <a:rPr lang="it-IT" dirty="0" err="1" smtClean="0">
+                <a:solidFill>
+                  <a:schemeClr val="bg1"/>
+                </a:solidFill>
+              </a:rPr>
+              <a:t>functional</a:t>
+            </a:r>
+            <a:r>
+              <a:rPr lang="it-IT" dirty="0" smtClean="0">
+                <a:solidFill>
+                  <a:schemeClr val="bg1"/>
+                </a:solidFill>
+              </a:rPr>
+              <a:t> </a:t>
+            </a:r>
+            <a:r>
+              <a:rPr lang="it-IT" dirty="0" err="1" smtClean="0">
+                <a:solidFill>
+                  <a:schemeClr val="bg1"/>
+                </a:solidFill>
+              </a:rPr>
+              <a:t>requirements</a:t>
+            </a:r>
+            <a:endParaRPr lang="it-IT" dirty="0" smtClean="0">
+              <a:solidFill>
+                <a:schemeClr val="bg1"/>
+              </a:solidFill>
+            </a:endParaRPr>
+          </a:p>
+          <a:p>
+            <a:pPr marL="285750" indent="-285750">
+              <a:buFont typeface="Arial" charset="0"/>
+              <a:buChar char="•"/>
+            </a:pPr>
+            <a:r>
+              <a:rPr lang="it-IT" dirty="0" err="1" smtClean="0">
+                <a:solidFill>
+                  <a:schemeClr val="bg1"/>
+                </a:solidFill>
+              </a:rPr>
+              <a:t>Risk</a:t>
+            </a:r>
+            <a:r>
+              <a:rPr lang="it-IT" dirty="0" smtClean="0">
+                <a:solidFill>
+                  <a:schemeClr val="bg1"/>
+                </a:solidFill>
+              </a:rPr>
+              <a:t> </a:t>
+            </a:r>
+            <a:r>
+              <a:rPr lang="it-IT" dirty="0" err="1" smtClean="0">
+                <a:solidFill>
+                  <a:schemeClr val="bg1"/>
+                </a:solidFill>
+              </a:rPr>
+              <a:t>resolution</a:t>
+            </a:r>
+            <a:r>
+              <a:rPr lang="it-IT" dirty="0" smtClean="0">
+                <a:solidFill>
+                  <a:schemeClr val="bg1"/>
+                </a:solidFill>
+              </a:rPr>
+              <a:t>: </a:t>
+            </a:r>
+            <a:r>
+              <a:rPr lang="it-IT" dirty="0" err="1" smtClean="0">
+                <a:solidFill>
+                  <a:schemeClr val="bg1"/>
+                </a:solidFill>
+              </a:rPr>
+              <a:t>very</a:t>
+            </a:r>
+            <a:r>
+              <a:rPr lang="it-IT" dirty="0" smtClean="0">
+                <a:solidFill>
+                  <a:schemeClr val="bg1"/>
+                </a:solidFill>
+              </a:rPr>
+              <a:t> high</a:t>
+            </a:r>
+            <a:endParaRPr lang="it-IT" dirty="0">
+              <a:solidFill>
+                <a:schemeClr val="bg1"/>
+              </a:solidFill>
+            </a:endParaRPr>
+          </a:p>
+          <a:p>
+            <a:pPr marL="742950" lvl="1" indent="-285750">
+              <a:buFont typeface="Arial" charset="0"/>
+              <a:buChar char="•"/>
+            </a:pPr>
+            <a:r>
+              <a:rPr lang="it-IT" dirty="0" err="1" smtClean="0">
+                <a:solidFill>
+                  <a:schemeClr val="bg1"/>
+                </a:solidFill>
+              </a:rPr>
+              <a:t>Quite</a:t>
+            </a:r>
+            <a:r>
+              <a:rPr lang="it-IT" dirty="0" smtClean="0">
+                <a:solidFill>
+                  <a:schemeClr val="bg1"/>
+                </a:solidFill>
+              </a:rPr>
+              <a:t> </a:t>
+            </a:r>
+            <a:r>
+              <a:rPr lang="it-IT" dirty="0" err="1" smtClean="0">
+                <a:solidFill>
+                  <a:schemeClr val="bg1"/>
+                </a:solidFill>
+              </a:rPr>
+              <a:t>extensive</a:t>
+            </a:r>
+            <a:r>
+              <a:rPr lang="it-IT" dirty="0" smtClean="0">
+                <a:solidFill>
+                  <a:schemeClr val="bg1"/>
+                </a:solidFill>
+              </a:rPr>
+              <a:t> </a:t>
+            </a:r>
+            <a:r>
+              <a:rPr lang="it-IT" dirty="0" err="1" smtClean="0">
+                <a:solidFill>
+                  <a:schemeClr val="bg1"/>
+                </a:solidFill>
+              </a:rPr>
+              <a:t>analysis</a:t>
+            </a:r>
+            <a:r>
+              <a:rPr lang="it-IT" dirty="0" smtClean="0">
+                <a:solidFill>
+                  <a:schemeClr val="bg1"/>
+                </a:solidFill>
+              </a:rPr>
+              <a:t> of the </a:t>
+            </a:r>
+            <a:r>
+              <a:rPr lang="it-IT" dirty="0" err="1" smtClean="0">
+                <a:solidFill>
+                  <a:schemeClr val="bg1"/>
+                </a:solidFill>
+              </a:rPr>
+              <a:t>possible</a:t>
+            </a:r>
+            <a:r>
+              <a:rPr lang="it-IT" dirty="0" smtClean="0">
+                <a:solidFill>
+                  <a:schemeClr val="bg1"/>
+                </a:solidFill>
+              </a:rPr>
+              <a:t> </a:t>
+            </a:r>
+            <a:r>
+              <a:rPr lang="it-IT" dirty="0" err="1" smtClean="0">
+                <a:solidFill>
+                  <a:schemeClr val="bg1"/>
+                </a:solidFill>
+              </a:rPr>
+              <a:t>risks</a:t>
+            </a:r>
+            <a:endParaRPr lang="it-IT" dirty="0" smtClean="0">
+              <a:solidFill>
+                <a:schemeClr val="bg1"/>
+              </a:solidFill>
+            </a:endParaRPr>
+          </a:p>
+          <a:p>
+            <a:pPr marL="285750" indent="-285750">
+              <a:buFont typeface="Arial" charset="0"/>
+              <a:buChar char="•"/>
+            </a:pPr>
+            <a:r>
+              <a:rPr lang="it-IT" dirty="0" smtClean="0">
+                <a:solidFill>
+                  <a:schemeClr val="bg1"/>
+                </a:solidFill>
+              </a:rPr>
+              <a:t>Team </a:t>
+            </a:r>
+            <a:r>
+              <a:rPr lang="it-IT" dirty="0" err="1" smtClean="0">
+                <a:solidFill>
+                  <a:schemeClr val="bg1"/>
+                </a:solidFill>
+              </a:rPr>
+              <a:t>cohesion</a:t>
+            </a:r>
+            <a:r>
+              <a:rPr lang="it-IT" dirty="0" smtClean="0">
+                <a:solidFill>
+                  <a:schemeClr val="bg1"/>
+                </a:solidFill>
+              </a:rPr>
+              <a:t>: </a:t>
+            </a:r>
+            <a:r>
+              <a:rPr lang="it-IT" dirty="0" err="1">
+                <a:solidFill>
+                  <a:schemeClr val="bg1"/>
+                </a:solidFill>
+              </a:rPr>
+              <a:t>very</a:t>
+            </a:r>
+            <a:r>
+              <a:rPr lang="it-IT" dirty="0">
+                <a:solidFill>
+                  <a:schemeClr val="bg1"/>
+                </a:solidFill>
+              </a:rPr>
+              <a:t> high</a:t>
+            </a:r>
+          </a:p>
+          <a:p>
+            <a:pPr marL="742950" lvl="1" indent="-285750">
+              <a:buFont typeface="Arial" charset="0"/>
+              <a:buChar char="•"/>
+            </a:pPr>
+            <a:r>
+              <a:rPr lang="it-IT" dirty="0" err="1" smtClean="0">
+                <a:solidFill>
+                  <a:schemeClr val="bg1"/>
+                </a:solidFill>
+              </a:rPr>
+              <a:t>We’ve</a:t>
+            </a:r>
+            <a:r>
+              <a:rPr lang="it-IT" dirty="0" smtClean="0">
+                <a:solidFill>
+                  <a:schemeClr val="bg1"/>
+                </a:solidFill>
+              </a:rPr>
+              <a:t> </a:t>
+            </a:r>
+            <a:r>
+              <a:rPr lang="it-IT" dirty="0" err="1" smtClean="0">
+                <a:solidFill>
+                  <a:schemeClr val="bg1"/>
+                </a:solidFill>
+              </a:rPr>
+              <a:t>been</a:t>
+            </a:r>
+            <a:r>
+              <a:rPr lang="it-IT" dirty="0" smtClean="0">
+                <a:solidFill>
+                  <a:schemeClr val="bg1"/>
+                </a:solidFill>
+              </a:rPr>
+              <a:t> </a:t>
+            </a:r>
+            <a:r>
+              <a:rPr lang="it-IT" dirty="0" err="1" smtClean="0">
+                <a:solidFill>
+                  <a:schemeClr val="bg1"/>
+                </a:solidFill>
+              </a:rPr>
+              <a:t>working</a:t>
+            </a:r>
+            <a:r>
+              <a:rPr lang="it-IT" dirty="0" smtClean="0">
+                <a:solidFill>
+                  <a:schemeClr val="bg1"/>
+                </a:solidFill>
+              </a:rPr>
+              <a:t> </a:t>
+            </a:r>
+            <a:r>
+              <a:rPr lang="it-IT" dirty="0" err="1" smtClean="0">
+                <a:solidFill>
+                  <a:schemeClr val="bg1"/>
+                </a:solidFill>
+              </a:rPr>
+              <a:t>together</a:t>
+            </a:r>
+            <a:r>
+              <a:rPr lang="it-IT" dirty="0" smtClean="0">
+                <a:solidFill>
+                  <a:schemeClr val="bg1"/>
+                </a:solidFill>
+              </a:rPr>
+              <a:t> for 3+ </a:t>
+            </a:r>
+            <a:r>
+              <a:rPr lang="it-IT" dirty="0" err="1" smtClean="0">
+                <a:solidFill>
+                  <a:schemeClr val="bg1"/>
+                </a:solidFill>
+              </a:rPr>
+              <a:t>years</a:t>
+            </a:r>
+            <a:endParaRPr lang="it-IT" dirty="0" smtClean="0">
+              <a:solidFill>
+                <a:schemeClr val="bg1"/>
+              </a:solidFill>
+            </a:endParaRPr>
+          </a:p>
+          <a:p>
+            <a:pPr marL="285750" indent="-285750">
+              <a:buFont typeface="Arial" charset="0"/>
+              <a:buChar char="•"/>
+            </a:pPr>
+            <a:r>
+              <a:rPr lang="it-IT" dirty="0" err="1" smtClean="0">
+                <a:solidFill>
+                  <a:schemeClr val="bg1"/>
+                </a:solidFill>
+              </a:rPr>
+              <a:t>Process</a:t>
+            </a:r>
+            <a:r>
+              <a:rPr lang="it-IT" dirty="0" smtClean="0">
+                <a:solidFill>
+                  <a:schemeClr val="bg1"/>
+                </a:solidFill>
+              </a:rPr>
+              <a:t> </a:t>
+            </a:r>
+            <a:r>
+              <a:rPr lang="it-IT" dirty="0" err="1" smtClean="0">
+                <a:solidFill>
+                  <a:schemeClr val="bg1"/>
+                </a:solidFill>
+              </a:rPr>
+              <a:t>maturity</a:t>
+            </a:r>
+            <a:r>
+              <a:rPr lang="it-IT" dirty="0" smtClean="0">
+                <a:solidFill>
+                  <a:schemeClr val="bg1"/>
+                </a:solidFill>
+              </a:rPr>
+              <a:t>: </a:t>
+            </a:r>
+            <a:r>
+              <a:rPr lang="it-IT" dirty="0" err="1" smtClean="0">
+                <a:solidFill>
+                  <a:schemeClr val="bg1"/>
+                </a:solidFill>
+              </a:rPr>
+              <a:t>level</a:t>
+            </a:r>
+            <a:r>
+              <a:rPr lang="it-IT" dirty="0" smtClean="0">
+                <a:solidFill>
+                  <a:schemeClr val="bg1"/>
+                </a:solidFill>
+              </a:rPr>
+              <a:t> 3 CMM</a:t>
+            </a:r>
+          </a:p>
+          <a:p>
+            <a:pPr marL="742950" lvl="1" indent="-285750">
+              <a:buFont typeface="Arial" charset="0"/>
+              <a:buChar char="•"/>
+            </a:pPr>
+            <a:r>
+              <a:rPr lang="it-IT" dirty="0" smtClean="0">
+                <a:solidFill>
+                  <a:schemeClr val="bg1"/>
+                </a:solidFill>
+              </a:rPr>
+              <a:t>First </a:t>
+            </a:r>
+            <a:r>
+              <a:rPr lang="it-IT" dirty="0" err="1" smtClean="0">
+                <a:solidFill>
+                  <a:schemeClr val="bg1"/>
+                </a:solidFill>
+              </a:rPr>
+              <a:t>project</a:t>
+            </a:r>
+            <a:r>
+              <a:rPr lang="it-IT" dirty="0" smtClean="0">
+                <a:solidFill>
+                  <a:schemeClr val="bg1"/>
+                </a:solidFill>
+              </a:rPr>
+              <a:t> of </a:t>
+            </a:r>
+            <a:r>
+              <a:rPr lang="it-IT" dirty="0" err="1" smtClean="0">
+                <a:solidFill>
+                  <a:schemeClr val="bg1"/>
+                </a:solidFill>
+              </a:rPr>
+              <a:t>this</a:t>
+            </a:r>
+            <a:r>
+              <a:rPr lang="it-IT" dirty="0" smtClean="0">
+                <a:solidFill>
+                  <a:schemeClr val="bg1"/>
+                </a:solidFill>
+              </a:rPr>
+              <a:t> </a:t>
+            </a:r>
+            <a:r>
+              <a:rPr lang="it-IT" dirty="0" err="1" smtClean="0">
+                <a:solidFill>
+                  <a:schemeClr val="bg1"/>
+                </a:solidFill>
+              </a:rPr>
+              <a:t>kind</a:t>
+            </a:r>
+            <a:r>
+              <a:rPr lang="it-IT" dirty="0" smtClean="0">
+                <a:solidFill>
+                  <a:schemeClr val="bg1"/>
+                </a:solidFill>
+              </a:rPr>
+              <a:t>, </a:t>
+            </a:r>
+            <a:r>
+              <a:rPr lang="it-IT" dirty="0" err="1" smtClean="0">
+                <a:solidFill>
+                  <a:schemeClr val="bg1"/>
+                </a:solidFill>
+              </a:rPr>
+              <a:t>but</a:t>
+            </a:r>
+            <a:r>
+              <a:rPr lang="it-IT" dirty="0" smtClean="0">
+                <a:solidFill>
+                  <a:schemeClr val="bg1"/>
+                </a:solidFill>
+              </a:rPr>
+              <a:t> </a:t>
+            </a:r>
+            <a:r>
+              <a:rPr lang="it-IT" dirty="0" err="1" smtClean="0">
+                <a:solidFill>
+                  <a:schemeClr val="bg1"/>
+                </a:solidFill>
+              </a:rPr>
+              <a:t>we</a:t>
+            </a:r>
+            <a:r>
+              <a:rPr lang="it-IT" dirty="0" smtClean="0">
+                <a:solidFill>
+                  <a:schemeClr val="bg1"/>
+                </a:solidFill>
+              </a:rPr>
+              <a:t> </a:t>
+            </a:r>
+            <a:r>
+              <a:rPr lang="it-IT" dirty="0" err="1" smtClean="0">
+                <a:solidFill>
+                  <a:schemeClr val="bg1"/>
+                </a:solidFill>
+              </a:rPr>
+              <a:t>know</a:t>
+            </a:r>
+            <a:r>
+              <a:rPr lang="it-IT" dirty="0" smtClean="0">
+                <a:solidFill>
+                  <a:schemeClr val="bg1"/>
+                </a:solidFill>
+              </a:rPr>
+              <a:t> </a:t>
+            </a:r>
+            <a:r>
+              <a:rPr lang="it-IT" dirty="0" err="1" smtClean="0">
+                <a:solidFill>
+                  <a:schemeClr val="bg1"/>
+                </a:solidFill>
+              </a:rPr>
+              <a:t>well</a:t>
+            </a:r>
+            <a:r>
+              <a:rPr lang="it-IT" dirty="0" smtClean="0">
+                <a:solidFill>
+                  <a:schemeClr val="bg1"/>
+                </a:solidFill>
+              </a:rPr>
+              <a:t> the </a:t>
+            </a:r>
+            <a:r>
+              <a:rPr lang="it-IT" dirty="0" err="1" smtClean="0">
+                <a:solidFill>
+                  <a:schemeClr val="bg1"/>
+                </a:solidFill>
+              </a:rPr>
+              <a:t>tools</a:t>
+            </a:r>
+            <a:r>
+              <a:rPr lang="it-IT" dirty="0" smtClean="0">
+                <a:solidFill>
+                  <a:schemeClr val="bg1"/>
+                </a:solidFill>
+              </a:rPr>
+              <a:t> and the </a:t>
+            </a:r>
+            <a:r>
+              <a:rPr lang="it-IT" dirty="0" err="1" smtClean="0">
+                <a:solidFill>
+                  <a:schemeClr val="bg1"/>
+                </a:solidFill>
+              </a:rPr>
+              <a:t>environment</a:t>
+            </a:r>
+            <a:endParaRPr lang="it-IT" dirty="0">
+              <a:solidFill>
+                <a:schemeClr val="bg1"/>
+              </a:solidFill>
+            </a:endParaRPr>
+          </a:p>
+          <a:p>
+            <a:pPr marL="742950" lvl="1" indent="-285750">
+              <a:buFont typeface="Arial" charset="0"/>
+              <a:buChar char="•"/>
+            </a:pPr>
+            <a:endParaRPr lang="it-IT" dirty="0"/>
           </a:p>
         </p:txBody>
       </p:sp>
@@ -12588,6 +13344,1952 @@
     <p:extLst>
       <p:ext uri="{BB962C8B-B14F-4D97-AF65-F5344CB8AC3E}">
         <p14:creationId xmlns:p14="http://schemas.microsoft.com/office/powerpoint/2010/main" val="56794792"/>
+      </p:ext>
+    </p:extLst>
+  </p:cSld>
+  <p:clrMapOvr>
+    <a:masterClrMapping/>
+  </p:clrMapOvr>
+</p:sld>
+</file>
+
+<file path=ppt/slides/slide25.xml><?xml version="1.0" encoding="utf-8"?>
+<p:sld xmlns:a="http://schemas.openxmlformats.org/drawingml/2006/main" xmlns:r="http://schemas.openxmlformats.org/officeDocument/2006/relationships" xmlns:p="http://schemas.openxmlformats.org/presentationml/2006/main">
+  <p:cSld>
+    <p:spTree>
+      <p:nvGrpSpPr>
+        <p:cNvPr id="1" name=""/>
+        <p:cNvGrpSpPr/>
+        <p:nvPr/>
+      </p:nvGrpSpPr>
+      <p:grpSpPr>
+        <a:xfrm>
+          <a:off x="0" y="0"/>
+          <a:ext cx="0" cy="0"/>
+          <a:chOff x="0" y="0"/>
+          <a:chExt cx="0" cy="0"/>
+        </a:xfrm>
+      </p:grpSpPr>
+      <p:sp>
+        <p:nvSpPr>
+          <p:cNvPr id="2" name="Titolo 1"/>
+          <p:cNvSpPr>
+            <a:spLocks noGrp="1"/>
+          </p:cNvSpPr>
+          <p:nvPr>
+            <p:ph type="title"/>
+          </p:nvPr>
+        </p:nvSpPr>
+        <p:spPr/>
+        <p:txBody>
+          <a:bodyPr/>
+          <a:lstStyle/>
+          <a:p>
+            <a:r>
+              <a:rPr lang="it-IT" dirty="0" err="1" smtClean="0"/>
+              <a:t>Effort</a:t>
+            </a:r>
+            <a:r>
+              <a:rPr lang="it-IT" dirty="0" smtClean="0"/>
+              <a:t> and </a:t>
+            </a:r>
+            <a:r>
+              <a:rPr lang="it-IT" dirty="0" err="1" smtClean="0"/>
+              <a:t>duration</a:t>
+            </a:r>
+            <a:r>
+              <a:rPr lang="it-IT" dirty="0" smtClean="0"/>
+              <a:t> </a:t>
+            </a:r>
+            <a:r>
+              <a:rPr lang="it-IT" dirty="0" err="1" smtClean="0"/>
+              <a:t>estimation</a:t>
+            </a:r>
+            <a:endParaRPr lang="it-IT" dirty="0"/>
+          </a:p>
+        </p:txBody>
+      </p:sp>
+      <p:sp>
+        <p:nvSpPr>
+          <p:cNvPr id="3" name="Segnaposto testo 2"/>
+          <p:cNvSpPr>
+            <a:spLocks noGrp="1"/>
+          </p:cNvSpPr>
+          <p:nvPr>
+            <p:ph type="body" idx="1"/>
+          </p:nvPr>
+        </p:nvSpPr>
+        <p:spPr/>
+        <p:txBody>
+          <a:bodyPr/>
+          <a:lstStyle/>
+          <a:p>
+            <a:r>
+              <a:rPr lang="it-IT" dirty="0" smtClean="0"/>
+              <a:t>OPTIMISTIC SCENARIO</a:t>
+            </a:r>
+            <a:endParaRPr lang="it-IT" dirty="0"/>
+          </a:p>
+        </p:txBody>
+      </p:sp>
+      <p:sp>
+        <p:nvSpPr>
+          <p:cNvPr id="4" name="Segnaposto contenuto 3"/>
+          <p:cNvSpPr>
+            <a:spLocks noGrp="1"/>
+          </p:cNvSpPr>
+          <p:nvPr>
+            <p:ph sz="half" idx="2"/>
+          </p:nvPr>
+        </p:nvSpPr>
+        <p:spPr/>
+        <p:txBody>
+          <a:bodyPr>
+            <a:normAutofit/>
+          </a:bodyPr>
+          <a:lstStyle/>
+          <a:p>
+            <a:pPr>
+              <a:buFont typeface="Arial" charset="0"/>
+              <a:buChar char="•"/>
+            </a:pPr>
+            <a:r>
+              <a:rPr lang="it-IT" dirty="0"/>
+              <a:t> </a:t>
+            </a:r>
+            <a:r>
+              <a:rPr lang="it-IT" dirty="0" err="1" smtClean="0"/>
+              <a:t>Assuming</a:t>
+            </a:r>
+            <a:r>
+              <a:rPr lang="it-IT" dirty="0" smtClean="0"/>
+              <a:t> a </a:t>
+            </a:r>
+            <a:r>
+              <a:rPr lang="it-IT" dirty="0" err="1" smtClean="0"/>
+              <a:t>conversion</a:t>
+            </a:r>
+            <a:r>
+              <a:rPr lang="it-IT" dirty="0" smtClean="0"/>
+              <a:t> rate of </a:t>
+            </a:r>
+            <a:r>
+              <a:rPr lang="it-IT" dirty="0"/>
+              <a:t>46 </a:t>
+            </a:r>
+            <a:r>
+              <a:rPr lang="it-IT" dirty="0" smtClean="0"/>
+              <a:t>LOC x FP</a:t>
+            </a:r>
+          </a:p>
+          <a:p>
+            <a:pPr lvl="1">
+              <a:buFont typeface="Arial" charset="0"/>
+              <a:buChar char="•"/>
+            </a:pPr>
+            <a:r>
+              <a:rPr lang="it-IT" dirty="0" smtClean="0"/>
+              <a:t>SLOC = 238 * 46 = 10948</a:t>
+            </a:r>
+          </a:p>
+          <a:p>
+            <a:pPr lvl="1">
+              <a:buFont typeface="Arial" charset="0"/>
+              <a:buChar char="•"/>
+            </a:pPr>
+            <a:r>
+              <a:rPr lang="it-IT" dirty="0" smtClean="0"/>
+              <a:t>“</a:t>
+            </a:r>
+            <a:r>
+              <a:rPr lang="it-IT" dirty="0" err="1" smtClean="0"/>
+              <a:t>Average</a:t>
+            </a:r>
+            <a:r>
+              <a:rPr lang="it-IT" dirty="0" smtClean="0"/>
+              <a:t>” </a:t>
+            </a:r>
+            <a:r>
+              <a:rPr lang="it-IT" dirty="0" err="1" smtClean="0"/>
+              <a:t>suggested</a:t>
+            </a:r>
+            <a:r>
+              <a:rPr lang="it-IT" dirty="0" smtClean="0"/>
+              <a:t> </a:t>
+            </a:r>
+            <a:r>
+              <a:rPr lang="it-IT" dirty="0" err="1" smtClean="0"/>
+              <a:t>value</a:t>
+            </a:r>
+            <a:endParaRPr lang="it-IT" dirty="0" smtClean="0"/>
+          </a:p>
+          <a:p>
+            <a:pPr>
+              <a:buFont typeface="Arial" charset="0"/>
+              <a:buChar char="•"/>
+            </a:pPr>
+            <a:r>
+              <a:rPr lang="it-IT" dirty="0"/>
+              <a:t> </a:t>
+            </a:r>
+            <a:r>
+              <a:rPr lang="it-IT" dirty="0" err="1" smtClean="0"/>
+              <a:t>Effort</a:t>
+            </a:r>
+            <a:r>
+              <a:rPr lang="it-IT" dirty="0" smtClean="0"/>
+              <a:t> = A * EAF * KSLOC</a:t>
+            </a:r>
+            <a:r>
+              <a:rPr lang="it-IT" baseline="30000" dirty="0" smtClean="0"/>
+              <a:t>E </a:t>
+            </a:r>
+            <a:r>
+              <a:rPr lang="it-IT" dirty="0" smtClean="0"/>
+              <a:t>= 57 </a:t>
+            </a:r>
+            <a:r>
+              <a:rPr lang="it-IT" dirty="0" err="1" smtClean="0"/>
+              <a:t>person-months</a:t>
+            </a:r>
+            <a:endParaRPr lang="it-IT" baseline="30000" dirty="0" smtClean="0"/>
+          </a:p>
+          <a:p>
+            <a:pPr lvl="1">
+              <a:buFont typeface="Arial" charset="0"/>
+              <a:buChar char="•"/>
+            </a:pPr>
+            <a:r>
+              <a:rPr lang="it-IT" dirty="0" smtClean="0"/>
+              <a:t>A = 2.94 (COCOMO II)</a:t>
+            </a:r>
+          </a:p>
+          <a:p>
+            <a:pPr lvl="1">
+              <a:buFont typeface="Arial" charset="0"/>
+              <a:buChar char="•"/>
+            </a:pPr>
+            <a:r>
+              <a:rPr lang="it-IT" dirty="0" smtClean="0"/>
+              <a:t>EAF = </a:t>
+            </a:r>
+            <a:r>
+              <a:rPr lang="it-IT" dirty="0" err="1" smtClean="0"/>
+              <a:t>product</a:t>
+            </a:r>
+            <a:r>
+              <a:rPr lang="it-IT" dirty="0" smtClean="0"/>
+              <a:t> of </a:t>
+            </a:r>
+            <a:r>
+              <a:rPr lang="it-IT" dirty="0" err="1" smtClean="0"/>
+              <a:t>cost</a:t>
+            </a:r>
+            <a:r>
+              <a:rPr lang="it-IT" dirty="0" smtClean="0"/>
+              <a:t> drivers = </a:t>
+            </a:r>
+            <a:r>
+              <a:rPr lang="hr-HR" dirty="0" smtClean="0"/>
+              <a:t>1.54613</a:t>
+            </a:r>
+          </a:p>
+          <a:p>
+            <a:pPr lvl="1">
+              <a:buFont typeface="Arial" charset="0"/>
+              <a:buChar char="•"/>
+            </a:pPr>
+            <a:r>
+              <a:rPr lang="hr-HR" dirty="0" smtClean="0"/>
+              <a:t>E = </a:t>
+            </a:r>
+            <a:r>
+              <a:rPr lang="nb-NO" dirty="0"/>
+              <a:t>B+ </a:t>
+            </a:r>
+            <a:r>
+              <a:rPr lang="nb-NO" dirty="0" smtClean="0"/>
+              <a:t>0.01 * </a:t>
+            </a:r>
+            <a:r>
+              <a:rPr lang="nb-NO" dirty="0" err="1" smtClean="0"/>
+              <a:t>scale_drivers</a:t>
+            </a:r>
+            <a:r>
+              <a:rPr lang="nb-NO" dirty="0" smtClean="0"/>
+              <a:t> = 1.0564</a:t>
+            </a:r>
+          </a:p>
+          <a:p>
+            <a:pPr>
+              <a:buFont typeface="Arial" charset="0"/>
+              <a:buChar char="•"/>
+            </a:pPr>
+            <a:r>
+              <a:rPr lang="it-IT" dirty="0"/>
+              <a:t> </a:t>
+            </a:r>
+            <a:r>
+              <a:rPr lang="it-IT" dirty="0" err="1" smtClean="0"/>
+              <a:t>Duration</a:t>
+            </a:r>
+            <a:r>
+              <a:rPr lang="it-IT" dirty="0" smtClean="0"/>
+              <a:t> </a:t>
+            </a:r>
+            <a:r>
+              <a:rPr lang="it-IT" dirty="0"/>
+              <a:t>= </a:t>
+            </a:r>
+            <a:r>
+              <a:rPr lang="it-IT" dirty="0" smtClean="0"/>
+              <a:t>3.67 </a:t>
+            </a:r>
+            <a:r>
+              <a:rPr lang="it-IT" dirty="0"/>
+              <a:t>* </a:t>
+            </a:r>
+            <a:r>
+              <a:rPr lang="it-IT" dirty="0" err="1" smtClean="0"/>
+              <a:t>Effort</a:t>
+            </a:r>
+            <a:r>
+              <a:rPr lang="it-IT" baseline="30000" dirty="0" err="1"/>
+              <a:t>F</a:t>
+            </a:r>
+            <a:r>
+              <a:rPr lang="it-IT" baseline="30000" dirty="0" smtClean="0"/>
+              <a:t> </a:t>
+            </a:r>
+            <a:r>
+              <a:rPr lang="it-IT" dirty="0"/>
+              <a:t>= </a:t>
+            </a:r>
+            <a:r>
+              <a:rPr lang="it-IT" dirty="0" smtClean="0"/>
+              <a:t>12.81 </a:t>
+            </a:r>
+            <a:r>
+              <a:rPr lang="it-IT" dirty="0" err="1" smtClean="0"/>
+              <a:t>months</a:t>
+            </a:r>
+            <a:endParaRPr lang="it-IT" dirty="0" smtClean="0"/>
+          </a:p>
+          <a:p>
+            <a:pPr lvl="1">
+              <a:buFont typeface="Arial" charset="0"/>
+              <a:buChar char="•"/>
+            </a:pPr>
+            <a:r>
+              <a:rPr lang="it-IT" dirty="0" err="1"/>
+              <a:t>F</a:t>
+            </a:r>
+            <a:r>
+              <a:rPr lang="it-IT" dirty="0" smtClean="0"/>
+              <a:t> </a:t>
+            </a:r>
+            <a:r>
+              <a:rPr lang="it-IT" dirty="0"/>
+              <a:t>= </a:t>
+            </a:r>
+            <a:r>
+              <a:rPr lang="pt-BR" dirty="0"/>
+              <a:t>0.28 + 0.2 ∗ (E − </a:t>
+            </a:r>
+            <a:r>
+              <a:rPr lang="pt-BR" dirty="0" err="1"/>
+              <a:t>B</a:t>
+            </a:r>
+            <a:r>
+              <a:rPr lang="pt-BR" dirty="0"/>
+              <a:t>) </a:t>
+            </a:r>
+            <a:r>
+              <a:rPr lang="it-IT" dirty="0"/>
+              <a:t> </a:t>
+            </a:r>
+            <a:r>
+              <a:rPr lang="it-IT" dirty="0" smtClean="0"/>
+              <a:t>= </a:t>
+            </a:r>
+            <a:r>
+              <a:rPr lang="hr-HR" dirty="0"/>
+              <a:t>0.30928 </a:t>
+            </a:r>
+            <a:endParaRPr lang="it-IT" dirty="0"/>
+          </a:p>
+        </p:txBody>
+      </p:sp>
+      <p:sp>
+        <p:nvSpPr>
+          <p:cNvPr id="5" name="Segnaposto testo 4"/>
+          <p:cNvSpPr>
+            <a:spLocks noGrp="1"/>
+          </p:cNvSpPr>
+          <p:nvPr>
+            <p:ph type="body" sz="quarter" idx="3"/>
+          </p:nvPr>
+        </p:nvSpPr>
+        <p:spPr/>
+        <p:txBody>
+          <a:bodyPr/>
+          <a:lstStyle/>
+          <a:p>
+            <a:r>
+              <a:rPr lang="it-IT" dirty="0" smtClean="0"/>
+              <a:t>PESSIMISTIC SCENARIO</a:t>
+            </a:r>
+            <a:endParaRPr lang="it-IT" dirty="0"/>
+          </a:p>
+        </p:txBody>
+      </p:sp>
+      <p:sp>
+        <p:nvSpPr>
+          <p:cNvPr id="6" name="Segnaposto contenuto 5"/>
+          <p:cNvSpPr>
+            <a:spLocks noGrp="1"/>
+          </p:cNvSpPr>
+          <p:nvPr>
+            <p:ph sz="quarter" idx="4"/>
+          </p:nvPr>
+        </p:nvSpPr>
+        <p:spPr/>
+        <p:txBody>
+          <a:bodyPr/>
+          <a:lstStyle/>
+          <a:p>
+            <a:pPr>
+              <a:buFont typeface="Arial" charset="0"/>
+              <a:buChar char="•"/>
+            </a:pPr>
+            <a:r>
+              <a:rPr lang="it-IT" dirty="0" smtClean="0"/>
+              <a:t> </a:t>
+            </a:r>
+            <a:r>
+              <a:rPr lang="it-IT" dirty="0" err="1" smtClean="0"/>
+              <a:t>Assuming</a:t>
+            </a:r>
+            <a:r>
+              <a:rPr lang="it-IT" dirty="0" smtClean="0"/>
+              <a:t> a </a:t>
+            </a:r>
+            <a:r>
+              <a:rPr lang="it-IT" dirty="0" err="1" smtClean="0"/>
+              <a:t>conversion</a:t>
+            </a:r>
+            <a:r>
+              <a:rPr lang="it-IT" dirty="0" smtClean="0"/>
+              <a:t> rate of 67 LOC x FP</a:t>
+            </a:r>
+          </a:p>
+          <a:p>
+            <a:pPr lvl="1">
+              <a:buFont typeface="Arial" charset="0"/>
+              <a:buChar char="•"/>
+            </a:pPr>
+            <a:r>
+              <a:rPr lang="it-IT" dirty="0" smtClean="0"/>
+              <a:t>SLOC = 238 * 67 = 15946</a:t>
+            </a:r>
+          </a:p>
+          <a:p>
+            <a:pPr lvl="1">
+              <a:buFont typeface="Arial" charset="0"/>
+              <a:buChar char="•"/>
+            </a:pPr>
+            <a:r>
+              <a:rPr lang="it-IT" dirty="0" smtClean="0"/>
+              <a:t>“High” </a:t>
+            </a:r>
+            <a:r>
+              <a:rPr lang="it-IT" dirty="0" err="1" smtClean="0"/>
+              <a:t>suggested</a:t>
+            </a:r>
+            <a:r>
+              <a:rPr lang="it-IT" dirty="0" smtClean="0"/>
+              <a:t> </a:t>
+            </a:r>
+            <a:r>
+              <a:rPr lang="it-IT" dirty="0" err="1" smtClean="0"/>
+              <a:t>value</a:t>
+            </a:r>
+            <a:endParaRPr lang="it-IT" dirty="0" smtClean="0"/>
+          </a:p>
+          <a:p>
+            <a:pPr>
+              <a:buFont typeface="Arial" charset="0"/>
+              <a:buChar char="•"/>
+            </a:pPr>
+            <a:r>
+              <a:rPr lang="it-IT" dirty="0"/>
+              <a:t> </a:t>
+            </a:r>
+            <a:r>
+              <a:rPr lang="it-IT" dirty="0" err="1"/>
+              <a:t>Effort</a:t>
+            </a:r>
+            <a:r>
+              <a:rPr lang="it-IT" dirty="0"/>
+              <a:t> = A * EAF * KSLOC</a:t>
+            </a:r>
+            <a:r>
+              <a:rPr lang="it-IT" baseline="30000" dirty="0"/>
+              <a:t>E </a:t>
+            </a:r>
+            <a:r>
+              <a:rPr lang="it-IT" dirty="0"/>
+              <a:t>= </a:t>
+            </a:r>
+            <a:r>
+              <a:rPr lang="it-IT" dirty="0" smtClean="0"/>
+              <a:t>85 </a:t>
+            </a:r>
+            <a:r>
+              <a:rPr lang="it-IT" dirty="0" err="1"/>
+              <a:t>person-months</a:t>
+            </a:r>
+            <a:endParaRPr lang="it-IT" baseline="30000" dirty="0"/>
+          </a:p>
+          <a:p>
+            <a:pPr lvl="1">
+              <a:buFont typeface="Arial" charset="0"/>
+              <a:buChar char="•"/>
+            </a:pPr>
+            <a:r>
+              <a:rPr lang="it-IT" dirty="0"/>
+              <a:t>A = 2.94 (COCOMO II)</a:t>
+            </a:r>
+          </a:p>
+          <a:p>
+            <a:pPr lvl="1">
+              <a:buFont typeface="Arial" charset="0"/>
+              <a:buChar char="•"/>
+            </a:pPr>
+            <a:r>
+              <a:rPr lang="it-IT" dirty="0"/>
+              <a:t>EAF = </a:t>
+            </a:r>
+            <a:r>
+              <a:rPr lang="it-IT" dirty="0" err="1"/>
+              <a:t>product</a:t>
+            </a:r>
+            <a:r>
+              <a:rPr lang="it-IT" dirty="0"/>
+              <a:t> of </a:t>
+            </a:r>
+            <a:r>
+              <a:rPr lang="it-IT" dirty="0" err="1"/>
+              <a:t>cost</a:t>
+            </a:r>
+            <a:r>
+              <a:rPr lang="it-IT" dirty="0"/>
+              <a:t> drivers = </a:t>
+            </a:r>
+            <a:r>
+              <a:rPr lang="hr-HR" dirty="0"/>
+              <a:t>1.54613</a:t>
+            </a:r>
+          </a:p>
+          <a:p>
+            <a:pPr lvl="1">
+              <a:buFont typeface="Arial" charset="0"/>
+              <a:buChar char="•"/>
+            </a:pPr>
+            <a:r>
+              <a:rPr lang="hr-HR" dirty="0"/>
+              <a:t>E = </a:t>
+            </a:r>
+            <a:r>
+              <a:rPr lang="nb-NO" dirty="0"/>
+              <a:t>B+ 0.01 * </a:t>
+            </a:r>
+            <a:r>
+              <a:rPr lang="nb-NO" dirty="0" err="1"/>
+              <a:t>scale_drivers</a:t>
+            </a:r>
+            <a:r>
+              <a:rPr lang="nb-NO" dirty="0"/>
+              <a:t> = 1.0564</a:t>
+            </a:r>
+          </a:p>
+          <a:p>
+            <a:pPr>
+              <a:buFont typeface="Arial" charset="0"/>
+              <a:buChar char="•"/>
+            </a:pPr>
+            <a:r>
+              <a:rPr lang="it-IT" dirty="0"/>
+              <a:t> </a:t>
+            </a:r>
+            <a:r>
+              <a:rPr lang="it-IT" dirty="0" err="1"/>
+              <a:t>Duration</a:t>
+            </a:r>
+            <a:r>
+              <a:rPr lang="it-IT" dirty="0"/>
+              <a:t> = 3.67 * </a:t>
+            </a:r>
+            <a:r>
+              <a:rPr lang="it-IT" dirty="0" err="1"/>
+              <a:t>Effort</a:t>
+            </a:r>
+            <a:r>
+              <a:rPr lang="it-IT" baseline="30000" dirty="0" err="1"/>
+              <a:t>F</a:t>
+            </a:r>
+            <a:r>
+              <a:rPr lang="it-IT" baseline="30000" dirty="0"/>
+              <a:t> </a:t>
+            </a:r>
+            <a:r>
+              <a:rPr lang="it-IT" dirty="0"/>
+              <a:t>= </a:t>
+            </a:r>
+            <a:r>
+              <a:rPr lang="it-IT" dirty="0" smtClean="0"/>
+              <a:t>14.49 </a:t>
+            </a:r>
+            <a:r>
+              <a:rPr lang="it-IT" dirty="0" err="1"/>
+              <a:t>months</a:t>
+            </a:r>
+            <a:endParaRPr lang="it-IT" dirty="0"/>
+          </a:p>
+          <a:p>
+            <a:pPr lvl="1">
+              <a:buFont typeface="Arial" charset="0"/>
+              <a:buChar char="•"/>
+            </a:pPr>
+            <a:r>
+              <a:rPr lang="it-IT" dirty="0" err="1"/>
+              <a:t>F</a:t>
+            </a:r>
+            <a:r>
+              <a:rPr lang="it-IT" dirty="0"/>
+              <a:t> = </a:t>
+            </a:r>
+            <a:r>
+              <a:rPr lang="pt-BR" dirty="0"/>
+              <a:t>0.28 + 0.2 ∗ (E − </a:t>
+            </a:r>
+            <a:r>
+              <a:rPr lang="pt-BR" dirty="0" err="1"/>
+              <a:t>B</a:t>
+            </a:r>
+            <a:r>
+              <a:rPr lang="pt-BR" dirty="0"/>
+              <a:t>) </a:t>
+            </a:r>
+            <a:r>
+              <a:rPr lang="it-IT" dirty="0"/>
+              <a:t> = </a:t>
+            </a:r>
+            <a:r>
+              <a:rPr lang="hr-HR" dirty="0"/>
+              <a:t>0.30928 </a:t>
+            </a:r>
+            <a:endParaRPr lang="it-IT" dirty="0"/>
+          </a:p>
+          <a:p>
+            <a:pPr>
+              <a:buFont typeface="Arial" charset="0"/>
+              <a:buChar char="•"/>
+            </a:pPr>
+            <a:endParaRPr lang="it-IT" dirty="0"/>
+          </a:p>
+        </p:txBody>
+      </p:sp>
+      <p:sp>
+        <p:nvSpPr>
+          <p:cNvPr id="7" name="Segnaposto piè di pagina 6"/>
+          <p:cNvSpPr>
+            <a:spLocks noGrp="1"/>
+          </p:cNvSpPr>
+          <p:nvPr>
+            <p:ph type="ftr" sz="quarter" idx="11"/>
+          </p:nvPr>
+        </p:nvSpPr>
+        <p:spPr/>
+        <p:txBody>
+          <a:bodyPr/>
+          <a:lstStyle/>
+          <a:p>
+            <a:r>
+              <a:rPr lang="en-US" smtClean="0"/>
+              <a:t>Software Engineering 2: myTaxiService - Casati Fabrizio, Castelli Valerio</a:t>
+            </a:r>
+            <a:endParaRPr lang="en-US" dirty="0"/>
+          </a:p>
+        </p:txBody>
+      </p:sp>
+      <p:sp>
+        <p:nvSpPr>
+          <p:cNvPr id="8" name="Segnaposto numero diapositiva 7"/>
+          <p:cNvSpPr>
+            <a:spLocks noGrp="1"/>
+          </p:cNvSpPr>
+          <p:nvPr>
+            <p:ph type="sldNum" sz="quarter" idx="12"/>
+          </p:nvPr>
+        </p:nvSpPr>
+        <p:spPr/>
+        <p:txBody>
+          <a:bodyPr/>
+          <a:lstStyle/>
+          <a:p>
+            <a:fld id="{6D22F896-40B5-4ADD-8801-0D06FADFA095}" type="slidenum">
+              <a:rPr lang="en-US" smtClean="0"/>
+              <a:t>25</a:t>
+            </a:fld>
+            <a:endParaRPr lang="en-US" dirty="0"/>
+          </a:p>
+        </p:txBody>
+      </p:sp>
+    </p:spTree>
+    <p:extLst>
+      <p:ext uri="{BB962C8B-B14F-4D97-AF65-F5344CB8AC3E}">
+        <p14:creationId xmlns:p14="http://schemas.microsoft.com/office/powerpoint/2010/main" val="1222187160"/>
+      </p:ext>
+    </p:extLst>
+  </p:cSld>
+  <p:clrMapOvr>
+    <a:masterClrMapping/>
+  </p:clrMapOvr>
+</p:sld>
+</file>
+
+<file path=ppt/slides/slide26.xml><?xml version="1.0" encoding="utf-8"?>
+<p:sld xmlns:a="http://schemas.openxmlformats.org/drawingml/2006/main" xmlns:r="http://schemas.openxmlformats.org/officeDocument/2006/relationships" xmlns:p="http://schemas.openxmlformats.org/presentationml/2006/main">
+  <p:cSld>
+    <p:spTree>
+      <p:nvGrpSpPr>
+        <p:cNvPr id="1" name=""/>
+        <p:cNvGrpSpPr/>
+        <p:nvPr/>
+      </p:nvGrpSpPr>
+      <p:grpSpPr>
+        <a:xfrm>
+          <a:off x="0" y="0"/>
+          <a:ext cx="0" cy="0"/>
+          <a:chOff x="0" y="0"/>
+          <a:chExt cx="0" cy="0"/>
+        </a:xfrm>
+      </p:grpSpPr>
+      <p:sp>
+        <p:nvSpPr>
+          <p:cNvPr id="2" name="Titolo 1"/>
+          <p:cNvSpPr>
+            <a:spLocks noGrp="1"/>
+          </p:cNvSpPr>
+          <p:nvPr>
+            <p:ph type="title"/>
+          </p:nvPr>
+        </p:nvSpPr>
+        <p:spPr/>
+        <p:txBody>
+          <a:bodyPr/>
+          <a:lstStyle/>
+          <a:p>
+            <a:r>
+              <a:rPr lang="it-IT" dirty="0" err="1" smtClean="0"/>
+              <a:t>Risk</a:t>
+            </a:r>
+            <a:r>
+              <a:rPr lang="it-IT" dirty="0" smtClean="0"/>
+              <a:t> Analysis</a:t>
+            </a:r>
+            <a:endParaRPr lang="it-IT" dirty="0"/>
+          </a:p>
+        </p:txBody>
+      </p:sp>
+      <p:sp>
+        <p:nvSpPr>
+          <p:cNvPr id="3" name="Segnaposto testo 2"/>
+          <p:cNvSpPr>
+            <a:spLocks noGrp="1"/>
+          </p:cNvSpPr>
+          <p:nvPr>
+            <p:ph type="body" idx="1"/>
+          </p:nvPr>
+        </p:nvSpPr>
+        <p:spPr>
+          <a:xfrm>
+            <a:off x="439358" y="1846052"/>
+            <a:ext cx="3246827" cy="736282"/>
+          </a:xfrm>
+        </p:spPr>
+        <p:txBody>
+          <a:bodyPr/>
+          <a:lstStyle/>
+          <a:p>
+            <a:pPr algn="ctr"/>
+            <a:r>
+              <a:rPr lang="it-IT" dirty="0" smtClean="0"/>
+              <a:t>POLITICAL ISSUES</a:t>
+            </a:r>
+            <a:endParaRPr lang="it-IT" dirty="0"/>
+          </a:p>
+        </p:txBody>
+      </p:sp>
+      <p:sp>
+        <p:nvSpPr>
+          <p:cNvPr id="4" name="Segnaposto contenuto 3"/>
+          <p:cNvSpPr>
+            <a:spLocks noGrp="1"/>
+          </p:cNvSpPr>
+          <p:nvPr>
+            <p:ph sz="half" idx="2"/>
+          </p:nvPr>
+        </p:nvSpPr>
+        <p:spPr>
+          <a:xfrm>
+            <a:off x="305543" y="2582334"/>
+            <a:ext cx="3742349" cy="3286760"/>
+          </a:xfrm>
+        </p:spPr>
+        <p:txBody>
+          <a:bodyPr>
+            <a:normAutofit/>
+          </a:bodyPr>
+          <a:lstStyle/>
+          <a:p>
+            <a:pPr>
+              <a:buFont typeface="Arial" charset="0"/>
+              <a:buChar char="•"/>
+            </a:pPr>
+            <a:r>
+              <a:rPr lang="it-IT" dirty="0"/>
+              <a:t> </a:t>
+            </a:r>
+            <a:r>
+              <a:rPr lang="it-IT" dirty="0" err="1"/>
+              <a:t>Issues</a:t>
+            </a:r>
+            <a:r>
+              <a:rPr lang="it-IT" dirty="0"/>
+              <a:t> with the city </a:t>
+            </a:r>
+            <a:r>
+              <a:rPr lang="it-IT" dirty="0" err="1"/>
+              <a:t>administration</a:t>
+            </a:r>
+            <a:endParaRPr lang="it-IT" dirty="0"/>
+          </a:p>
+          <a:p>
+            <a:pPr lvl="1">
+              <a:buFont typeface="Arial" charset="0"/>
+              <a:buChar char="•"/>
+            </a:pPr>
+            <a:r>
+              <a:rPr lang="it-IT" dirty="0" err="1"/>
+              <a:t>Change</a:t>
+            </a:r>
+            <a:r>
+              <a:rPr lang="it-IT" dirty="0"/>
+              <a:t> of the city </a:t>
+            </a:r>
+            <a:r>
+              <a:rPr lang="it-IT" dirty="0" err="1"/>
+              <a:t>government</a:t>
+            </a:r>
+            <a:endParaRPr lang="it-IT" dirty="0"/>
+          </a:p>
+          <a:p>
+            <a:pPr lvl="1">
+              <a:buFont typeface="Arial" charset="0"/>
+              <a:buChar char="•"/>
+            </a:pPr>
+            <a:r>
+              <a:rPr lang="it-IT" dirty="0"/>
+              <a:t>Budget </a:t>
+            </a:r>
+            <a:r>
+              <a:rPr lang="it-IT" dirty="0" err="1"/>
+              <a:t>crisis</a:t>
+            </a:r>
+            <a:r>
+              <a:rPr lang="it-IT" dirty="0"/>
+              <a:t> (</a:t>
+            </a:r>
+            <a:r>
+              <a:rPr lang="it-IT" dirty="0" err="1"/>
+              <a:t>spending</a:t>
+            </a:r>
+            <a:r>
+              <a:rPr lang="it-IT" dirty="0"/>
+              <a:t> </a:t>
+            </a:r>
+            <a:r>
+              <a:rPr lang="it-IT" dirty="0" err="1"/>
+              <a:t>review</a:t>
+            </a:r>
+            <a:r>
+              <a:rPr lang="it-IT" dirty="0"/>
+              <a:t>?)</a:t>
+            </a:r>
+          </a:p>
+          <a:p>
+            <a:pPr lvl="1">
+              <a:buFont typeface="Arial" charset="0"/>
+              <a:buChar char="•"/>
+            </a:pPr>
+            <a:r>
+              <a:rPr lang="it-IT" dirty="0" err="1"/>
+              <a:t>Shift</a:t>
+            </a:r>
+            <a:r>
+              <a:rPr lang="it-IT" dirty="0"/>
+              <a:t> in </a:t>
+            </a:r>
+            <a:r>
+              <a:rPr lang="it-IT" dirty="0" err="1"/>
+              <a:t>local</a:t>
+            </a:r>
+            <a:r>
+              <a:rPr lang="it-IT" dirty="0"/>
+              <a:t> </a:t>
+            </a:r>
+            <a:r>
+              <a:rPr lang="it-IT" dirty="0" err="1"/>
+              <a:t>government</a:t>
+            </a:r>
+            <a:r>
+              <a:rPr lang="it-IT" dirty="0"/>
+              <a:t> </a:t>
+            </a:r>
+            <a:r>
+              <a:rPr lang="it-IT" dirty="0" err="1"/>
+              <a:t>priorities</a:t>
+            </a:r>
+            <a:endParaRPr lang="it-IT" dirty="0"/>
+          </a:p>
+          <a:p>
+            <a:pPr>
+              <a:buFont typeface="Arial" charset="0"/>
+              <a:buChar char="•"/>
+            </a:pPr>
+            <a:r>
+              <a:rPr lang="it-IT" dirty="0"/>
+              <a:t> </a:t>
+            </a:r>
+            <a:r>
+              <a:rPr lang="it-IT" dirty="0" err="1"/>
+              <a:t>Issues</a:t>
+            </a:r>
+            <a:r>
+              <a:rPr lang="it-IT" dirty="0"/>
+              <a:t> with taxi drivers’ </a:t>
+            </a:r>
+            <a:r>
+              <a:rPr lang="it-IT" dirty="0" smtClean="0"/>
+              <a:t>union</a:t>
+            </a:r>
+          </a:p>
+          <a:p>
+            <a:pPr>
+              <a:buFont typeface="Arial" charset="0"/>
+              <a:buChar char="•"/>
+            </a:pPr>
+            <a:r>
+              <a:rPr lang="it-IT" dirty="0"/>
+              <a:t> </a:t>
+            </a:r>
+            <a:r>
+              <a:rPr lang="it-IT" dirty="0" err="1" smtClean="0"/>
+              <a:t>Changes</a:t>
+            </a:r>
+            <a:r>
+              <a:rPr lang="it-IT" dirty="0" smtClean="0"/>
+              <a:t> in </a:t>
+            </a:r>
+            <a:r>
+              <a:rPr lang="it-IT" dirty="0" err="1" smtClean="0"/>
+              <a:t>national</a:t>
+            </a:r>
+            <a:r>
+              <a:rPr lang="it-IT" dirty="0" smtClean="0"/>
+              <a:t> </a:t>
+            </a:r>
+            <a:r>
+              <a:rPr lang="it-IT" dirty="0" err="1" smtClean="0"/>
+              <a:t>legislation</a:t>
+            </a:r>
+            <a:endParaRPr lang="it-IT" dirty="0" smtClean="0"/>
+          </a:p>
+          <a:p>
+            <a:pPr>
+              <a:buFont typeface="Arial" charset="0"/>
+              <a:buChar char="•"/>
+            </a:pPr>
+            <a:r>
+              <a:rPr lang="it-IT" dirty="0"/>
+              <a:t> </a:t>
+            </a:r>
+            <a:r>
+              <a:rPr lang="it-IT" dirty="0" err="1" smtClean="0"/>
+              <a:t>Countermeasures</a:t>
+            </a:r>
+            <a:r>
+              <a:rPr lang="it-IT" dirty="0" smtClean="0"/>
+              <a:t>: </a:t>
+            </a:r>
+            <a:r>
+              <a:rPr lang="it-IT" dirty="0" err="1" smtClean="0"/>
+              <a:t>let</a:t>
+            </a:r>
+            <a:r>
+              <a:rPr lang="it-IT" dirty="0" smtClean="0"/>
+              <a:t> </a:t>
+            </a:r>
+            <a:r>
+              <a:rPr lang="it-IT" dirty="0" err="1" smtClean="0"/>
+              <a:t>stakeholders</a:t>
+            </a:r>
+            <a:r>
+              <a:rPr lang="it-IT" dirty="0" smtClean="0"/>
+              <a:t> </a:t>
+            </a:r>
+            <a:r>
+              <a:rPr lang="it-IT" dirty="0" err="1" smtClean="0"/>
+              <a:t>have</a:t>
+            </a:r>
+            <a:r>
+              <a:rPr lang="it-IT" dirty="0" smtClean="0"/>
+              <a:t> an </a:t>
+            </a:r>
+            <a:r>
+              <a:rPr lang="it-IT" dirty="0" err="1" smtClean="0"/>
+              <a:t>active</a:t>
+            </a:r>
+            <a:r>
+              <a:rPr lang="it-IT" dirty="0" smtClean="0"/>
+              <a:t> </a:t>
+            </a:r>
+            <a:r>
+              <a:rPr lang="it-IT" dirty="0" err="1" smtClean="0"/>
+              <a:t>role</a:t>
+            </a:r>
+            <a:r>
+              <a:rPr lang="it-IT" dirty="0" smtClean="0"/>
+              <a:t> in the </a:t>
+            </a:r>
+            <a:r>
+              <a:rPr lang="it-IT" dirty="0" err="1" smtClean="0"/>
+              <a:t>project</a:t>
+            </a:r>
+            <a:r>
+              <a:rPr lang="it-IT" dirty="0" smtClean="0"/>
+              <a:t> (</a:t>
+            </a:r>
+            <a:r>
+              <a:rPr lang="it-IT" dirty="0" err="1" smtClean="0"/>
+              <a:t>meetings</a:t>
+            </a:r>
+            <a:r>
+              <a:rPr lang="it-IT" dirty="0" smtClean="0"/>
+              <a:t>, </a:t>
+            </a:r>
+            <a:r>
+              <a:rPr lang="it-IT" dirty="0" err="1" smtClean="0"/>
+              <a:t>reviews</a:t>
+            </a:r>
+            <a:r>
+              <a:rPr lang="it-IT" dirty="0" smtClean="0"/>
+              <a:t>, </a:t>
+            </a:r>
+            <a:r>
+              <a:rPr lang="it-IT" dirty="0" err="1" smtClean="0"/>
+              <a:t>demos</a:t>
+            </a:r>
+            <a:r>
+              <a:rPr lang="is-IS" dirty="0" smtClean="0"/>
+              <a:t>…)</a:t>
+            </a:r>
+            <a:endParaRPr lang="it-IT" dirty="0"/>
+          </a:p>
+        </p:txBody>
+      </p:sp>
+      <p:sp>
+        <p:nvSpPr>
+          <p:cNvPr id="7" name="Segnaposto piè di pagina 6"/>
+          <p:cNvSpPr>
+            <a:spLocks noGrp="1"/>
+          </p:cNvSpPr>
+          <p:nvPr>
+            <p:ph type="ftr" sz="quarter" idx="11"/>
+          </p:nvPr>
+        </p:nvSpPr>
+        <p:spPr/>
+        <p:txBody>
+          <a:bodyPr/>
+          <a:lstStyle/>
+          <a:p>
+            <a:r>
+              <a:rPr lang="en-US" smtClean="0"/>
+              <a:t>Software Engineering 2: myTaxiService - Casati Fabrizio, Castelli Valerio</a:t>
+            </a:r>
+            <a:endParaRPr lang="en-US" dirty="0"/>
+          </a:p>
+        </p:txBody>
+      </p:sp>
+      <p:sp>
+        <p:nvSpPr>
+          <p:cNvPr id="8" name="Segnaposto numero diapositiva 7"/>
+          <p:cNvSpPr>
+            <a:spLocks noGrp="1"/>
+          </p:cNvSpPr>
+          <p:nvPr>
+            <p:ph type="sldNum" sz="quarter" idx="12"/>
+          </p:nvPr>
+        </p:nvSpPr>
+        <p:spPr/>
+        <p:txBody>
+          <a:bodyPr/>
+          <a:lstStyle/>
+          <a:p>
+            <a:fld id="{6D22F896-40B5-4ADD-8801-0D06FADFA095}" type="slidenum">
+              <a:rPr lang="en-US" smtClean="0"/>
+              <a:t>26</a:t>
+            </a:fld>
+            <a:endParaRPr lang="en-US" dirty="0"/>
+          </a:p>
+        </p:txBody>
+      </p:sp>
+      <p:sp>
+        <p:nvSpPr>
+          <p:cNvPr id="9" name="Segnaposto contenuto 3"/>
+          <p:cNvSpPr>
+            <a:spLocks noGrp="1"/>
+          </p:cNvSpPr>
+          <p:nvPr>
+            <p:ph sz="half" idx="2"/>
+          </p:nvPr>
+        </p:nvSpPr>
+        <p:spPr>
+          <a:xfrm>
+            <a:off x="4276864" y="2582334"/>
+            <a:ext cx="3742349" cy="3286760"/>
+          </a:xfrm>
+        </p:spPr>
+        <p:txBody>
+          <a:bodyPr>
+            <a:normAutofit/>
+          </a:bodyPr>
+          <a:lstStyle/>
+          <a:p>
+            <a:pPr>
+              <a:buFont typeface="Arial" charset="0"/>
+              <a:buChar char="•"/>
+            </a:pPr>
+            <a:r>
+              <a:rPr lang="it-IT" dirty="0"/>
+              <a:t> </a:t>
+            </a:r>
+            <a:r>
+              <a:rPr lang="it-IT" dirty="0" err="1"/>
+              <a:t>Changes</a:t>
+            </a:r>
+            <a:r>
+              <a:rPr lang="it-IT" dirty="0"/>
+              <a:t> in the </a:t>
+            </a:r>
+            <a:r>
+              <a:rPr lang="it-IT" dirty="0" err="1"/>
+              <a:t>map</a:t>
+            </a:r>
+            <a:r>
+              <a:rPr lang="it-IT" dirty="0"/>
+              <a:t> service API</a:t>
+            </a:r>
+          </a:p>
+          <a:p>
+            <a:pPr lvl="1">
+              <a:buFont typeface="Arial" charset="0"/>
+              <a:buChar char="•"/>
+            </a:pPr>
+            <a:r>
+              <a:rPr lang="it-IT" dirty="0"/>
+              <a:t>Isolate the </a:t>
+            </a:r>
+            <a:r>
+              <a:rPr lang="it-IT" dirty="0" err="1"/>
+              <a:t>calls</a:t>
+            </a:r>
+            <a:r>
+              <a:rPr lang="it-IT" dirty="0"/>
+              <a:t> to the </a:t>
+            </a:r>
+            <a:r>
+              <a:rPr lang="it-IT" dirty="0" err="1"/>
+              <a:t>mapping</a:t>
+            </a:r>
+            <a:r>
+              <a:rPr lang="it-IT" dirty="0"/>
+              <a:t> service and </a:t>
+            </a:r>
+            <a:r>
+              <a:rPr lang="it-IT" dirty="0" err="1"/>
+              <a:t>make</a:t>
+            </a:r>
+            <a:r>
+              <a:rPr lang="it-IT" dirty="0"/>
+              <a:t> </a:t>
+            </a:r>
+            <a:r>
+              <a:rPr lang="it-IT" dirty="0" err="1"/>
+              <a:t>them</a:t>
+            </a:r>
+            <a:r>
+              <a:rPr lang="it-IT" dirty="0"/>
+              <a:t> </a:t>
+            </a:r>
+            <a:r>
+              <a:rPr lang="it-IT" dirty="0" err="1" smtClean="0"/>
+              <a:t>portable</a:t>
+            </a:r>
+            <a:endParaRPr lang="it-IT" dirty="0" smtClean="0"/>
+          </a:p>
+          <a:p>
+            <a:pPr>
+              <a:buFont typeface="Arial" charset="0"/>
+              <a:buChar char="•"/>
+            </a:pPr>
+            <a:r>
+              <a:rPr lang="it-IT" dirty="0" smtClean="0"/>
+              <a:t> </a:t>
+            </a:r>
+            <a:r>
+              <a:rPr lang="it-IT" dirty="0" err="1" smtClean="0"/>
+              <a:t>Overestimate</a:t>
+            </a:r>
+            <a:r>
+              <a:rPr lang="it-IT" dirty="0" smtClean="0"/>
+              <a:t> </a:t>
+            </a:r>
+            <a:r>
+              <a:rPr lang="it-IT" dirty="0" err="1" smtClean="0"/>
+              <a:t>technical</a:t>
+            </a:r>
+            <a:r>
+              <a:rPr lang="it-IT" dirty="0" smtClean="0"/>
+              <a:t> </a:t>
+            </a:r>
+            <a:r>
+              <a:rPr lang="it-IT" dirty="0" err="1" smtClean="0"/>
+              <a:t>abilities</a:t>
+            </a:r>
+            <a:endParaRPr lang="it-IT" dirty="0" smtClean="0"/>
+          </a:p>
+          <a:p>
+            <a:pPr lvl="1">
+              <a:buFont typeface="Arial" charset="0"/>
+              <a:buChar char="•"/>
+            </a:pPr>
+            <a:r>
+              <a:rPr lang="it-IT" dirty="0" err="1" smtClean="0"/>
+              <a:t>Try</a:t>
+            </a:r>
+            <a:r>
+              <a:rPr lang="it-IT" dirty="0" smtClean="0"/>
+              <a:t> to </a:t>
+            </a:r>
+            <a:r>
+              <a:rPr lang="it-IT" dirty="0" err="1" smtClean="0"/>
+              <a:t>hire</a:t>
+            </a:r>
+            <a:r>
+              <a:rPr lang="it-IT" dirty="0" smtClean="0"/>
+              <a:t> </a:t>
+            </a:r>
+            <a:r>
+              <a:rPr lang="it-IT" dirty="0" err="1" smtClean="0"/>
+              <a:t>good</a:t>
+            </a:r>
+            <a:r>
+              <a:rPr lang="it-IT" dirty="0" smtClean="0"/>
+              <a:t> </a:t>
+            </a:r>
+            <a:r>
+              <a:rPr lang="it-IT" dirty="0" err="1" smtClean="0"/>
+              <a:t>people</a:t>
+            </a:r>
+            <a:endParaRPr lang="it-IT" dirty="0" smtClean="0"/>
+          </a:p>
+          <a:p>
+            <a:pPr>
+              <a:buFont typeface="Arial" charset="0"/>
+              <a:buChar char="•"/>
+            </a:pPr>
+            <a:r>
+              <a:rPr lang="it-IT" dirty="0"/>
+              <a:t> </a:t>
+            </a:r>
+            <a:r>
+              <a:rPr lang="it-IT" dirty="0" err="1" smtClean="0"/>
+              <a:t>Loss</a:t>
+            </a:r>
+            <a:r>
+              <a:rPr lang="it-IT" dirty="0" smtClean="0"/>
+              <a:t> of source code</a:t>
+            </a:r>
+          </a:p>
+          <a:p>
+            <a:pPr lvl="1">
+              <a:buFont typeface="Arial" charset="0"/>
+              <a:buChar char="•"/>
+            </a:pPr>
+            <a:r>
+              <a:rPr lang="it-IT" dirty="0" smtClean="0"/>
+              <a:t>Use backups</a:t>
+            </a:r>
+          </a:p>
+          <a:p>
+            <a:pPr>
+              <a:buFont typeface="Arial" charset="0"/>
+              <a:buChar char="•"/>
+            </a:pPr>
+            <a:r>
+              <a:rPr lang="it-IT" dirty="0" err="1" smtClean="0"/>
+              <a:t>Changes</a:t>
+            </a:r>
+            <a:r>
+              <a:rPr lang="it-IT" dirty="0" smtClean="0"/>
+              <a:t> in </a:t>
+            </a:r>
+            <a:r>
+              <a:rPr lang="it-IT" dirty="0" err="1" smtClean="0"/>
+              <a:t>cloud</a:t>
+            </a:r>
+            <a:r>
+              <a:rPr lang="it-IT" dirty="0" smtClean="0"/>
+              <a:t> </a:t>
+            </a:r>
+            <a:r>
+              <a:rPr lang="it-IT" dirty="0" err="1" smtClean="0"/>
+              <a:t>pricing</a:t>
+            </a:r>
+            <a:r>
+              <a:rPr lang="it-IT" dirty="0" smtClean="0"/>
+              <a:t> </a:t>
+            </a:r>
+            <a:r>
+              <a:rPr lang="it-IT" dirty="0" err="1" smtClean="0"/>
+              <a:t>plans</a:t>
+            </a:r>
+            <a:endParaRPr lang="it-IT" dirty="0"/>
+          </a:p>
+          <a:p>
+            <a:pPr lvl="1">
+              <a:buFont typeface="Arial" charset="0"/>
+              <a:buChar char="•"/>
+            </a:pPr>
+            <a:r>
+              <a:rPr lang="it-IT" dirty="0" err="1" smtClean="0"/>
+              <a:t>Keep</a:t>
+            </a:r>
+            <a:r>
+              <a:rPr lang="it-IT" dirty="0" smtClean="0"/>
+              <a:t> the </a:t>
+            </a:r>
+            <a:r>
+              <a:rPr lang="it-IT" dirty="0" err="1" smtClean="0"/>
+              <a:t>system</a:t>
+            </a:r>
+            <a:r>
+              <a:rPr lang="it-IT" dirty="0" smtClean="0"/>
+              <a:t> </a:t>
+            </a:r>
+            <a:r>
+              <a:rPr lang="it-IT" dirty="0" err="1" smtClean="0"/>
+              <a:t>portable</a:t>
+            </a:r>
+            <a:endParaRPr lang="it-IT" dirty="0"/>
+          </a:p>
+          <a:p>
+            <a:pPr lvl="1">
+              <a:buFont typeface="Arial" charset="0"/>
+              <a:buChar char="•"/>
+            </a:pPr>
+            <a:endParaRPr lang="it-IT" dirty="0"/>
+          </a:p>
+        </p:txBody>
+      </p:sp>
+      <p:sp>
+        <p:nvSpPr>
+          <p:cNvPr id="10" name="Segnaposto contenuto 3"/>
+          <p:cNvSpPr>
+            <a:spLocks noGrp="1"/>
+          </p:cNvSpPr>
+          <p:nvPr>
+            <p:ph sz="half" idx="2"/>
+          </p:nvPr>
+        </p:nvSpPr>
+        <p:spPr>
+          <a:xfrm>
+            <a:off x="8248185" y="2582334"/>
+            <a:ext cx="3742349" cy="3286760"/>
+          </a:xfrm>
+        </p:spPr>
+        <p:txBody>
+          <a:bodyPr>
+            <a:normAutofit/>
+          </a:bodyPr>
+          <a:lstStyle/>
+          <a:p>
+            <a:pPr>
+              <a:buFont typeface="Arial" charset="0"/>
+              <a:buChar char="•"/>
+            </a:pPr>
+            <a:r>
+              <a:rPr lang="it-IT" dirty="0"/>
+              <a:t> </a:t>
+            </a:r>
+            <a:r>
+              <a:rPr lang="it-IT" dirty="0" err="1" smtClean="0"/>
+              <a:t>Key</a:t>
+            </a:r>
+            <a:r>
+              <a:rPr lang="it-IT" dirty="0" smtClean="0"/>
+              <a:t> </a:t>
+            </a:r>
+            <a:r>
+              <a:rPr lang="it-IT" dirty="0" err="1" smtClean="0"/>
+              <a:t>members</a:t>
+            </a:r>
+            <a:r>
+              <a:rPr lang="it-IT" dirty="0" smtClean="0"/>
+              <a:t> of the team </a:t>
+            </a:r>
+            <a:r>
+              <a:rPr lang="it-IT" dirty="0" err="1" smtClean="0"/>
+              <a:t>leave</a:t>
+            </a:r>
+            <a:r>
+              <a:rPr lang="it-IT" dirty="0" smtClean="0"/>
+              <a:t> the company or </a:t>
+            </a:r>
+            <a:r>
+              <a:rPr lang="it-IT" dirty="0" err="1" smtClean="0"/>
+              <a:t>get</a:t>
+            </a:r>
+            <a:r>
+              <a:rPr lang="it-IT" dirty="0" smtClean="0"/>
+              <a:t> </a:t>
+            </a:r>
+            <a:r>
+              <a:rPr lang="it-IT" dirty="0" err="1" smtClean="0"/>
+              <a:t>ill</a:t>
+            </a:r>
+            <a:endParaRPr lang="it-IT" dirty="0" smtClean="0"/>
+          </a:p>
+          <a:p>
+            <a:pPr lvl="1">
+              <a:buFont typeface="Arial" charset="0"/>
+              <a:buChar char="•"/>
+            </a:pPr>
+            <a:r>
+              <a:rPr lang="it-IT" dirty="0" err="1" smtClean="0"/>
+              <a:t>Make</a:t>
+            </a:r>
+            <a:r>
+              <a:rPr lang="it-IT" dirty="0" smtClean="0"/>
+              <a:t> </a:t>
+            </a:r>
+            <a:r>
+              <a:rPr lang="it-IT" dirty="0" err="1" smtClean="0"/>
+              <a:t>sure</a:t>
+            </a:r>
+            <a:r>
+              <a:rPr lang="it-IT" dirty="0" smtClean="0"/>
+              <a:t> no single </a:t>
+            </a:r>
+            <a:r>
+              <a:rPr lang="it-IT" dirty="0" err="1" smtClean="0"/>
+              <a:t>person</a:t>
+            </a:r>
+            <a:r>
+              <a:rPr lang="it-IT" dirty="0" smtClean="0"/>
+              <a:t> </a:t>
+            </a:r>
+            <a:r>
+              <a:rPr lang="it-IT" dirty="0" err="1" smtClean="0"/>
+              <a:t>is</a:t>
+            </a:r>
+            <a:r>
+              <a:rPr lang="it-IT" dirty="0" smtClean="0"/>
+              <a:t> the sole </a:t>
+            </a:r>
+            <a:r>
+              <a:rPr lang="it-IT" dirty="0" err="1" smtClean="0"/>
+              <a:t>responsible</a:t>
+            </a:r>
+            <a:r>
+              <a:rPr lang="it-IT" dirty="0" smtClean="0"/>
+              <a:t> of a task</a:t>
+            </a:r>
+          </a:p>
+          <a:p>
+            <a:pPr>
+              <a:buFont typeface="Arial" charset="0"/>
+              <a:buChar char="•"/>
+            </a:pPr>
+            <a:r>
+              <a:rPr lang="it-IT" dirty="0"/>
+              <a:t> </a:t>
+            </a:r>
+            <a:r>
+              <a:rPr lang="it-IT" dirty="0" err="1" smtClean="0"/>
+              <a:t>Users</a:t>
+            </a:r>
+            <a:r>
+              <a:rPr lang="it-IT" dirty="0" smtClean="0"/>
+              <a:t> </a:t>
+            </a:r>
+            <a:r>
+              <a:rPr lang="it-IT" dirty="0" err="1" smtClean="0"/>
+              <a:t>refuse</a:t>
+            </a:r>
+            <a:r>
+              <a:rPr lang="it-IT" dirty="0" smtClean="0"/>
+              <a:t> the </a:t>
+            </a:r>
+            <a:r>
+              <a:rPr lang="it-IT" dirty="0" err="1" smtClean="0"/>
+              <a:t>app</a:t>
+            </a:r>
+            <a:endParaRPr lang="it-IT" dirty="0" smtClean="0"/>
+          </a:p>
+          <a:p>
+            <a:pPr lvl="1">
+              <a:buFont typeface="Arial" charset="0"/>
+              <a:buChar char="•"/>
+            </a:pPr>
+            <a:r>
+              <a:rPr lang="it-IT" dirty="0" smtClean="0"/>
+              <a:t>Plan </a:t>
+            </a:r>
+            <a:r>
+              <a:rPr lang="it-IT" dirty="0" err="1" smtClean="0"/>
+              <a:t>acceptance</a:t>
+            </a:r>
+            <a:r>
+              <a:rPr lang="it-IT" dirty="0" smtClean="0"/>
+              <a:t> </a:t>
+            </a:r>
+            <a:r>
+              <a:rPr lang="it-IT" dirty="0" err="1" smtClean="0"/>
+              <a:t>tests</a:t>
+            </a:r>
+            <a:r>
+              <a:rPr lang="it-IT" dirty="0" smtClean="0"/>
+              <a:t> and marketing </a:t>
+            </a:r>
+            <a:r>
+              <a:rPr lang="it-IT" dirty="0" err="1" smtClean="0"/>
+              <a:t>strategies</a:t>
+            </a:r>
+            <a:r>
+              <a:rPr lang="it-IT" dirty="0" smtClean="0"/>
+              <a:t>, </a:t>
+            </a:r>
+            <a:r>
+              <a:rPr lang="it-IT" dirty="0" err="1" smtClean="0"/>
+              <a:t>incentives</a:t>
+            </a:r>
+            <a:endParaRPr lang="it-IT" dirty="0"/>
+          </a:p>
+          <a:p>
+            <a:pPr>
+              <a:buFont typeface="Arial" charset="0"/>
+              <a:buChar char="•"/>
+            </a:pPr>
+            <a:r>
+              <a:rPr lang="it-IT" dirty="0" smtClean="0"/>
+              <a:t> Schedule </a:t>
+            </a:r>
+            <a:r>
+              <a:rPr lang="it-IT" dirty="0" err="1" smtClean="0"/>
+              <a:t>slippage</a:t>
+            </a:r>
+            <a:endParaRPr lang="it-IT" dirty="0" smtClean="0"/>
+          </a:p>
+          <a:p>
+            <a:pPr lvl="1">
+              <a:buFont typeface="Arial" charset="0"/>
+              <a:buChar char="•"/>
+            </a:pPr>
+            <a:r>
+              <a:rPr lang="it-IT" dirty="0" smtClean="0"/>
+              <a:t>Allocate extra time </a:t>
+            </a:r>
+            <a:r>
+              <a:rPr lang="it-IT" dirty="0" err="1" smtClean="0"/>
+              <a:t>at</a:t>
+            </a:r>
+            <a:r>
+              <a:rPr lang="it-IT" dirty="0" smtClean="0"/>
+              <a:t> the end of </a:t>
+            </a:r>
+            <a:r>
+              <a:rPr lang="it-IT" dirty="0" err="1" smtClean="0"/>
+              <a:t>each</a:t>
+            </a:r>
+            <a:r>
+              <a:rPr lang="it-IT" dirty="0" smtClean="0"/>
+              <a:t> </a:t>
+            </a:r>
+            <a:r>
+              <a:rPr lang="it-IT" dirty="0" err="1" smtClean="0"/>
+              <a:t>phase</a:t>
+            </a:r>
+            <a:endParaRPr lang="it-IT" dirty="0"/>
+          </a:p>
+        </p:txBody>
+      </p:sp>
+      <p:sp>
+        <p:nvSpPr>
+          <p:cNvPr id="11" name="Segnaposto testo 2"/>
+          <p:cNvSpPr>
+            <a:spLocks noGrp="1"/>
+          </p:cNvSpPr>
+          <p:nvPr>
+            <p:ph type="body" idx="1"/>
+          </p:nvPr>
+        </p:nvSpPr>
+        <p:spPr>
+          <a:xfrm>
+            <a:off x="4617349" y="1791706"/>
+            <a:ext cx="2720153" cy="736282"/>
+          </a:xfrm>
+        </p:spPr>
+        <p:txBody>
+          <a:bodyPr/>
+          <a:lstStyle/>
+          <a:p>
+            <a:pPr algn="ctr"/>
+            <a:r>
+              <a:rPr lang="it-IT" dirty="0" smtClean="0"/>
+              <a:t>TECHNICAL ISSUES</a:t>
+            </a:r>
+            <a:endParaRPr lang="it-IT" dirty="0"/>
+          </a:p>
+        </p:txBody>
+      </p:sp>
+      <p:sp>
+        <p:nvSpPr>
+          <p:cNvPr id="13" name="Segnaposto testo 2"/>
+          <p:cNvSpPr>
+            <a:spLocks noGrp="1"/>
+          </p:cNvSpPr>
+          <p:nvPr>
+            <p:ph type="body" idx="1"/>
+          </p:nvPr>
+        </p:nvSpPr>
+        <p:spPr>
+          <a:xfrm>
+            <a:off x="8508990" y="1791706"/>
+            <a:ext cx="2970446" cy="736282"/>
+          </a:xfrm>
+        </p:spPr>
+        <p:txBody>
+          <a:bodyPr/>
+          <a:lstStyle/>
+          <a:p>
+            <a:pPr algn="ctr"/>
+            <a:r>
+              <a:rPr lang="it-IT" dirty="0" smtClean="0"/>
+              <a:t>HUMAN ISSUES</a:t>
+            </a:r>
+            <a:endParaRPr lang="it-IT" dirty="0"/>
+          </a:p>
+        </p:txBody>
+      </p:sp>
+    </p:spTree>
+    <p:extLst>
+      <p:ext uri="{BB962C8B-B14F-4D97-AF65-F5344CB8AC3E}">
+        <p14:creationId xmlns:p14="http://schemas.microsoft.com/office/powerpoint/2010/main" val="1912652786"/>
+      </p:ext>
+    </p:extLst>
+  </p:cSld>
+  <p:clrMapOvr>
+    <a:masterClrMapping/>
+  </p:clrMapOvr>
+</p:sld>
+</file>
+
+<file path=ppt/slides/slide27.xml><?xml version="1.0" encoding="utf-8"?>
+<p:sld xmlns:a="http://schemas.openxmlformats.org/drawingml/2006/main" xmlns:r="http://schemas.openxmlformats.org/officeDocument/2006/relationships" xmlns:p="http://schemas.openxmlformats.org/presentationml/2006/main">
+  <p:cSld>
+    <p:spTree>
+      <p:nvGrpSpPr>
+        <p:cNvPr id="1" name=""/>
+        <p:cNvGrpSpPr/>
+        <p:nvPr/>
+      </p:nvGrpSpPr>
+      <p:grpSpPr>
+        <a:xfrm>
+          <a:off x="0" y="0"/>
+          <a:ext cx="0" cy="0"/>
+          <a:chOff x="0" y="0"/>
+          <a:chExt cx="0" cy="0"/>
+        </a:xfrm>
+      </p:grpSpPr>
+      <p:sp>
+        <p:nvSpPr>
+          <p:cNvPr id="2" name="Titolo 1"/>
+          <p:cNvSpPr>
+            <a:spLocks noGrp="1"/>
+          </p:cNvSpPr>
+          <p:nvPr>
+            <p:ph type="title"/>
+          </p:nvPr>
+        </p:nvSpPr>
+        <p:spPr/>
+        <p:txBody>
+          <a:bodyPr/>
+          <a:lstStyle/>
+          <a:p>
+            <a:r>
+              <a:rPr lang="it-IT" dirty="0" smtClean="0"/>
+              <a:t>Extra: Code </a:t>
+            </a:r>
+            <a:r>
+              <a:rPr lang="it-IT" dirty="0" err="1" smtClean="0"/>
+              <a:t>Inspection</a:t>
+            </a:r>
+            <a:r>
+              <a:rPr lang="it-IT" dirty="0" smtClean="0"/>
+              <a:t> of </a:t>
+            </a:r>
+            <a:r>
+              <a:rPr lang="it-IT" dirty="0" err="1" smtClean="0"/>
+              <a:t>GlassFish</a:t>
+            </a:r>
+            <a:endParaRPr lang="it-IT" dirty="0"/>
+          </a:p>
+        </p:txBody>
+      </p:sp>
+      <p:sp>
+        <p:nvSpPr>
+          <p:cNvPr id="3" name="Segnaposto contenuto 2"/>
+          <p:cNvSpPr>
+            <a:spLocks noGrp="1"/>
+          </p:cNvSpPr>
+          <p:nvPr>
+            <p:ph idx="1"/>
+          </p:nvPr>
+        </p:nvSpPr>
+        <p:spPr/>
+        <p:txBody>
+          <a:bodyPr/>
+          <a:lstStyle/>
+          <a:p>
+            <a:pPr>
+              <a:buFont typeface="Arial" charset="0"/>
+              <a:buChar char="•"/>
+            </a:pPr>
+            <a:r>
+              <a:rPr lang="it-IT" dirty="0"/>
+              <a:t> </a:t>
+            </a:r>
+            <a:r>
+              <a:rPr lang="it-IT" dirty="0" smtClean="0"/>
+              <a:t>Class: com.sun.enterprise.connectors.jms.system.ActiveJmsResourceAdapter </a:t>
+            </a:r>
+          </a:p>
+          <a:p>
+            <a:pPr>
+              <a:buFont typeface="Arial" charset="0"/>
+              <a:buChar char="•"/>
+            </a:pPr>
+            <a:r>
+              <a:rPr lang="it-IT" dirty="0" smtClean="0"/>
+              <a:t> </a:t>
+            </a:r>
+            <a:r>
+              <a:rPr lang="it-IT" dirty="0" err="1" smtClean="0"/>
+              <a:t>Methods</a:t>
+            </a:r>
+            <a:r>
+              <a:rPr lang="it-IT" dirty="0" smtClean="0"/>
+              <a:t>: </a:t>
+            </a:r>
+            <a:r>
+              <a:rPr lang="it-IT" dirty="0" err="1" smtClean="0"/>
+              <a:t>createManagedConnectionFactory</a:t>
+            </a:r>
+            <a:r>
+              <a:rPr lang="it-IT" dirty="0" smtClean="0"/>
+              <a:t>(</a:t>
+            </a:r>
+            <a:r>
+              <a:rPr lang="is-IS" dirty="0" smtClean="0"/>
+              <a:t>…</a:t>
+            </a:r>
+            <a:r>
+              <a:rPr lang="it-IT" dirty="0" smtClean="0"/>
+              <a:t>), </a:t>
+            </a:r>
+            <a:r>
+              <a:rPr lang="it-IT" dirty="0" err="1" smtClean="0"/>
+              <a:t>createManagedConnectionFactories</a:t>
+            </a:r>
+            <a:r>
+              <a:rPr lang="it-IT" dirty="0" smtClean="0"/>
+              <a:t>(</a:t>
+            </a:r>
+            <a:r>
+              <a:rPr lang="is-IS" dirty="0" smtClean="0"/>
+              <a:t>…)</a:t>
+            </a:r>
+          </a:p>
+          <a:p>
+            <a:pPr>
+              <a:buFont typeface="Arial" charset="0"/>
+              <a:buChar char="•"/>
+            </a:pPr>
+            <a:r>
+              <a:rPr lang="is-IS" dirty="0"/>
+              <a:t> </a:t>
+            </a:r>
+            <a:r>
+              <a:rPr lang="is-IS" dirty="0" smtClean="0"/>
+              <a:t>Issues:</a:t>
+            </a:r>
+          </a:p>
+          <a:p>
+            <a:pPr lvl="1">
+              <a:buFont typeface="Arial" charset="0"/>
+              <a:buChar char="•"/>
+            </a:pPr>
+            <a:r>
+              <a:rPr lang="is-IS" dirty="0" smtClean="0"/>
+              <a:t>Constant violation of information hiding</a:t>
+            </a:r>
+          </a:p>
+          <a:p>
+            <a:pPr lvl="1">
+              <a:buFont typeface="Arial" charset="0"/>
+              <a:buChar char="•"/>
+            </a:pPr>
+            <a:r>
+              <a:rPr lang="is-IS" dirty="0" smtClean="0"/>
+              <a:t>Exceptions are not properly handled in many cases (empty catch blocks, pure logging operations, never checks objects to be not-null)</a:t>
+            </a:r>
+          </a:p>
+          <a:p>
+            <a:pPr lvl="1">
+              <a:buFont typeface="Arial" charset="0"/>
+              <a:buChar char="•"/>
+            </a:pPr>
+            <a:r>
+              <a:rPr lang="is-IS" dirty="0" smtClean="0"/>
+              <a:t>There are several points in which the comments explicitly say the code is a patch, a hack or a certain function isn’t fully implemented yet (TODOs)</a:t>
+            </a:r>
+          </a:p>
+          <a:p>
+            <a:pPr lvl="1">
+              <a:buFont typeface="Arial" charset="0"/>
+              <a:buChar char="•"/>
+            </a:pPr>
+            <a:r>
+              <a:rPr lang="is-IS" dirty="0" smtClean="0"/>
+              <a:t>Poor documentation (incomplete Javadoc, comments mostly missing, unexplained acronyms)</a:t>
+            </a:r>
+          </a:p>
+          <a:p>
+            <a:pPr lvl="1">
+              <a:buFont typeface="Arial" charset="0"/>
+              <a:buChar char="•"/>
+            </a:pPr>
+            <a:r>
+              <a:rPr lang="is-IS" dirty="0" smtClean="0"/>
+              <a:t>Not thread safe </a:t>
+            </a:r>
+          </a:p>
+          <a:p>
+            <a:pPr lvl="1">
+              <a:buFont typeface="Arial" charset="0"/>
+              <a:buChar char="•"/>
+            </a:pPr>
+            <a:r>
+              <a:rPr lang="is-IS" dirty="0" smtClean="0"/>
+              <a:t>Inconsistent formatting and poor choice of names (same name for constant and variable, one-letter variables and even plainly misleading names)</a:t>
+            </a:r>
+          </a:p>
+          <a:p>
+            <a:pPr lvl="1">
+              <a:buFont typeface="Arial" charset="0"/>
+              <a:buChar char="•"/>
+            </a:pPr>
+            <a:endParaRPr lang="is-IS" dirty="0" smtClean="0"/>
+          </a:p>
+          <a:p>
+            <a:pPr lvl="1">
+              <a:buFont typeface="Arial" charset="0"/>
+              <a:buChar char="•"/>
+            </a:pPr>
+            <a:endParaRPr lang="it-IT" dirty="0"/>
+          </a:p>
+          <a:p>
+            <a:pPr marL="0" indent="0">
+              <a:buNone/>
+            </a:pPr>
+            <a:endParaRPr lang="it-IT" dirty="0"/>
+          </a:p>
+        </p:txBody>
+      </p:sp>
+      <p:sp>
+        <p:nvSpPr>
+          <p:cNvPr id="4" name="Segnaposto piè di pagina 3"/>
+          <p:cNvSpPr>
+            <a:spLocks noGrp="1"/>
+          </p:cNvSpPr>
+          <p:nvPr>
+            <p:ph type="ftr" sz="quarter" idx="11"/>
+          </p:nvPr>
+        </p:nvSpPr>
+        <p:spPr/>
+        <p:txBody>
+          <a:bodyPr/>
+          <a:lstStyle/>
+          <a:p>
+            <a:r>
+              <a:rPr lang="en-US" smtClean="0"/>
+              <a:t>Software Engineering 2: myTaxiService - Casati Fabrizio, Castelli Valerio</a:t>
+            </a:r>
+            <a:endParaRPr lang="en-US" dirty="0"/>
+          </a:p>
+        </p:txBody>
+      </p:sp>
+      <p:sp>
+        <p:nvSpPr>
+          <p:cNvPr id="5" name="Segnaposto numero diapositiva 4"/>
+          <p:cNvSpPr>
+            <a:spLocks noGrp="1"/>
+          </p:cNvSpPr>
+          <p:nvPr>
+            <p:ph type="sldNum" sz="quarter" idx="12"/>
+          </p:nvPr>
+        </p:nvSpPr>
+        <p:spPr/>
+        <p:txBody>
+          <a:bodyPr/>
+          <a:lstStyle/>
+          <a:p>
+            <a:fld id="{6D22F896-40B5-4ADD-8801-0D06FADFA095}" type="slidenum">
+              <a:rPr lang="en-US" smtClean="0"/>
+              <a:t>27</a:t>
+            </a:fld>
+            <a:endParaRPr lang="en-US" dirty="0"/>
+          </a:p>
+        </p:txBody>
+      </p:sp>
+    </p:spTree>
+    <p:extLst>
+      <p:ext uri="{BB962C8B-B14F-4D97-AF65-F5344CB8AC3E}">
+        <p14:creationId xmlns:p14="http://schemas.microsoft.com/office/powerpoint/2010/main" val="305767863"/>
       </p:ext>
     </p:extLst>
   </p:cSld>

--- a/Final_Presentation/Presentation.pptx
+++ b/Final_Presentation/Presentation.pptx
@@ -10424,11 +10424,7 @@
           <a:p>
             <a:r>
               <a:rPr lang="it-IT" dirty="0" smtClean="0"/>
-              <a:t>      </a:t>
-            </a:r>
-            <a:r>
-              <a:rPr lang="it-IT" dirty="0" smtClean="0"/>
-              <a:t>TAXI MANAGEMENT SYSTEM</a:t>
+              <a:t>      TAXI MANAGEMENT SYSTEM</a:t>
             </a:r>
             <a:endParaRPr lang="it-IT" dirty="0"/>
           </a:p>
@@ -13561,17 +13557,11 @@
             </a:pPr>
             <a:r>
               <a:rPr lang="it-IT" dirty="0" smtClean="0"/>
-              <a:t>A = 2.94 (COCOMO II)</a:t>
-            </a:r>
-          </a:p>
-          <a:p>
-            <a:pPr lvl="1">
-              <a:buFont typeface="Arial" charset="0"/>
-              <a:buChar char="•"/>
-            </a:pPr>
-            <a:r>
-              <a:rPr lang="it-IT" dirty="0" smtClean="0"/>
-              <a:t>EAF = </a:t>
+              <a:t>EAF </a:t>
+            </a:r>
+            <a:r>
+              <a:rPr lang="it-IT" dirty="0" smtClean="0"/>
+              <a:t>= </a:t>
             </a:r>
             <a:r>
               <a:rPr lang="it-IT" dirty="0" err="1" smtClean="0"/>
@@ -13716,6 +13706,37 @@
               <a:rPr lang="hr-HR" dirty="0"/>
               <a:t>0.30928 </a:t>
             </a:r>
+            <a:endParaRPr lang="hr-HR" dirty="0" smtClean="0"/>
+          </a:p>
+          <a:p>
+            <a:pPr lvl="1">
+              <a:buFont typeface="Arial" charset="0"/>
+              <a:buChar char="•"/>
+            </a:pPr>
+            <a:r>
+              <a:rPr lang="hr-HR" dirty="0" err="1" smtClean="0"/>
+              <a:t>Actual</a:t>
+            </a:r>
+            <a:r>
+              <a:rPr lang="hr-HR" dirty="0" smtClean="0"/>
+              <a:t> </a:t>
+            </a:r>
+            <a:r>
+              <a:rPr lang="hr-HR" dirty="0" err="1" smtClean="0"/>
+              <a:t>duration</a:t>
+            </a:r>
+            <a:r>
+              <a:rPr lang="hr-HR" dirty="0" smtClean="0"/>
+              <a:t>: 57 </a:t>
+            </a:r>
+            <a:r>
+              <a:rPr lang="hr-HR" dirty="0" err="1" smtClean="0"/>
+              <a:t>person-months</a:t>
+            </a:r>
+            <a:r>
+              <a:rPr lang="hr-HR" dirty="0" smtClean="0"/>
+              <a:t> / 2 = 28.5 m</a:t>
+            </a:r>
             <a:endParaRPr lang="it-IT" dirty="0"/>
           </a:p>
         </p:txBody>
@@ -13857,18 +13878,12 @@
               <a:buChar char="•"/>
             </a:pPr>
             <a:r>
-              <a:rPr lang="it-IT" dirty="0"/>
-              <a:t>A = 2.94 (COCOMO II)</a:t>
-            </a:r>
-          </a:p>
-          <a:p>
-            <a:pPr lvl="1">
-              <a:buFont typeface="Arial" charset="0"/>
-              <a:buChar char="•"/>
-            </a:pPr>
-            <a:r>
-              <a:rPr lang="it-IT" dirty="0"/>
-              <a:t>EAF = </a:t>
+              <a:rPr lang="it-IT" dirty="0" smtClean="0"/>
+              <a:t>EAF </a:t>
+            </a:r>
+            <a:r>
+              <a:rPr lang="it-IT" dirty="0"/>
+              <a:t>= </a:t>
             </a:r>
             <a:r>
               <a:rPr lang="it-IT" dirty="0" err="1"/>
@@ -13989,9 +14004,58 @@
               <a:rPr lang="hr-HR" dirty="0"/>
               <a:t>0.30928 </a:t>
             </a:r>
+            <a:endParaRPr lang="hr-HR" dirty="0" smtClean="0"/>
+          </a:p>
+          <a:p>
+            <a:pPr lvl="1">
+              <a:buFont typeface="Arial" charset="0"/>
+              <a:buChar char="•"/>
+            </a:pPr>
+            <a:r>
+              <a:rPr lang="hr-HR" dirty="0" err="1"/>
+              <a:t>Actual</a:t>
+            </a:r>
+            <a:r>
+              <a:rPr lang="hr-HR" dirty="0"/>
+              <a:t> </a:t>
+            </a:r>
+            <a:r>
+              <a:rPr lang="hr-HR" dirty="0" err="1"/>
+              <a:t>duration</a:t>
+            </a:r>
+            <a:r>
+              <a:rPr lang="hr-HR" dirty="0"/>
+              <a:t>: </a:t>
+            </a:r>
+            <a:r>
+              <a:rPr lang="hr-HR" dirty="0" smtClean="0"/>
+              <a:t>85 </a:t>
+            </a:r>
+            <a:r>
+              <a:rPr lang="hr-HR" dirty="0" err="1"/>
+              <a:t>person-months</a:t>
+            </a:r>
+            <a:r>
+              <a:rPr lang="hr-HR" dirty="0"/>
+              <a:t> / 2 = </a:t>
+            </a:r>
+            <a:r>
+              <a:rPr lang="hr-HR" dirty="0" smtClean="0"/>
+              <a:t>42.5 </a:t>
+            </a:r>
+            <a:r>
+              <a:rPr lang="hr-HR" dirty="0"/>
+              <a:t>m</a:t>
+            </a:r>
             <a:endParaRPr lang="it-IT" dirty="0"/>
           </a:p>
           <a:p>
+            <a:pPr marL="201168" lvl="1" indent="0">
+              <a:buNone/>
+            </a:pPr>
+            <a:endParaRPr lang="it-IT" dirty="0"/>
+          </a:p>
+          <a:p>
             <a:pPr>
               <a:buFont typeface="Arial" charset="0"/>
               <a:buChar char="•"/>
@@ -14016,8 +14080,40 @@
           <a:lstStyle/>
           <a:p>
             <a:r>
-              <a:rPr lang="en-US" smtClean="0"/>
-              <a:t>Software Engineering 2: myTaxiService - Casati Fabrizio, Castelli Valerio</a:t>
+              <a:rPr lang="en-US" dirty="0" smtClean="0"/>
+              <a:t>Software Engineering 2: </a:t>
+            </a:r>
+            <a:r>
+              <a:rPr lang="en-US" dirty="0" err="1" smtClean="0"/>
+              <a:t>myTaxiService</a:t>
+            </a:r>
+            <a:r>
+              <a:rPr lang="en-US" dirty="0" smtClean="0"/>
+              <a:t> - </a:t>
+            </a:r>
+            <a:r>
+              <a:rPr lang="en-US" dirty="0" err="1" smtClean="0"/>
+              <a:t>Casati</a:t>
+            </a:r>
+            <a:r>
+              <a:rPr lang="en-US" dirty="0" smtClean="0"/>
+              <a:t> </a:t>
+            </a:r>
+            <a:r>
+              <a:rPr lang="en-US" dirty="0" err="1" smtClean="0"/>
+              <a:t>Fabrizio</a:t>
+            </a:r>
+            <a:r>
+              <a:rPr lang="en-US" dirty="0" smtClean="0"/>
+              <a:t>, </a:t>
+            </a:r>
+            <a:r>
+              <a:rPr lang="en-US" dirty="0" err="1" smtClean="0"/>
+              <a:t>Castelli</a:t>
+            </a:r>
+            <a:r>
+              <a:rPr lang="en-US" dirty="0" smtClean="0"/>
+              <a:t> Valerio</a:t>
             </a:r>
             <a:endParaRPr lang="en-US" dirty="0"/>
           </a:p>

--- a/Final_Presentation/Presentation.pptx
+++ b/Final_Presentation/Presentation.pptx
@@ -13557,11 +13557,7 @@
             </a:pPr>
             <a:r>
               <a:rPr lang="it-IT" dirty="0" smtClean="0"/>
-              <a:t>EAF </a:t>
-            </a:r>
-            <a:r>
-              <a:rPr lang="it-IT" dirty="0" smtClean="0"/>
-              <a:t>= </a:t>
+              <a:t>EAF = </a:t>
             </a:r>
             <a:r>
               <a:rPr lang="it-IT" dirty="0" err="1" smtClean="0"/>
@@ -14746,12 +14742,16 @@
               <a:buChar char="•"/>
             </a:pPr>
             <a:r>
-              <a:rPr lang="it-IT" dirty="0" err="1" smtClean="0"/>
-              <a:t>Changes</a:t>
-            </a:r>
-            <a:r>
-              <a:rPr lang="it-IT" dirty="0" smtClean="0"/>
-              <a:t> in </a:t>
+              <a:rPr lang="it-IT" smtClean="0"/>
+              <a:t> Changes</a:t>
+            </a:r>
+            <a:r>
+              <a:rPr lang="it-IT" dirty="0" smtClean="0"/>
+              <a:t> </a:t>
+            </a:r>
+            <a:r>
+              <a:rPr lang="it-IT" dirty="0" smtClean="0"/>
+              <a:t>in </a:t>
             </a:r>
             <a:r>
               <a:rPr lang="it-IT" dirty="0" err="1" smtClean="0"/>
